--- a/dd/1.pptx
+++ b/dd/1.pptx
@@ -1,25 +1,126 @@
 
 <file path=ppt/presentation.xml><?xml version="1.0" encoding="utf-8"?>
-<p:presentation xmlns:a="http://schemas.openxmlformats.org/drawingml/2006/main" xmlns:p="http://schemas.openxmlformats.org/presentationml/2006/main" xmlns:r="http://schemas.openxmlformats.org/officeDocument/2006/relationships">
+<p:presentation xmlns:a="http://schemas.openxmlformats.org/drawingml/2006/main" xmlns:r="http://schemas.openxmlformats.org/officeDocument/2006/relationships" xmlns:p="http://schemas.openxmlformats.org/presentationml/2006/main">
   <p:sldMasterIdLst>
-    <p:sldMasterId id="2147483648" r:id="rId2"/>
-    <p:sldMasterId id="2147483661" r:id="rId3"/>
-    <p:sldMasterId id="2147483674" r:id="rId4"/>
-    <p:sldMasterId id="2147483687" r:id="rId5"/>
+    <p:sldMasterId id="2147483648" r:id="rId1"/>
+    <p:sldMasterId id="2147483661" r:id="rId2"/>
+    <p:sldMasterId id="2147483674" r:id="rId3"/>
   </p:sldMasterIdLst>
   <p:sldIdLst>
-    <p:sldId id="256" r:id="rId6"/>
-    <p:sldId id="257" r:id="rId7"/>
-    <p:sldId id="258" r:id="rId8"/>
-    <p:sldId id="259" r:id="rId9"/>
+    <p:sldId id="256" r:id="rId4"/>
+    <p:sldId id="257" r:id="rId5"/>
+    <p:sldId id="258" r:id="rId6"/>
+    <p:sldId id="261" r:id="rId7"/>
+    <p:sldId id="260" r:id="rId8"/>
+    <p:sldId id="263" r:id="rId9"/>
   </p:sldIdLst>
   <p:sldSz cx="10080625" cy="7559675"/>
-  <p:notesSz cx="7559675" cy="10691812"/>
+  <p:notesSz cx="7559675" cy="10691813"/>
+  <p:defaultTextStyle>
+    <a:defPPr>
+      <a:defRPr lang="zh-CN"/>
+    </a:defPPr>
+    <a:lvl1pPr marL="0" algn="l" defTabSz="914400" rtl="0" eaLnBrk="1" latinLnBrk="0" hangingPunct="1">
+      <a:defRPr sz="1800" kern="1200">
+        <a:solidFill>
+          <a:schemeClr val="tx1"/>
+        </a:solidFill>
+        <a:latin typeface="+mn-lt"/>
+        <a:ea typeface="+mn-ea"/>
+        <a:cs typeface="+mn-cs"/>
+      </a:defRPr>
+    </a:lvl1pPr>
+    <a:lvl2pPr marL="457200" algn="l" defTabSz="914400" rtl="0" eaLnBrk="1" latinLnBrk="0" hangingPunct="1">
+      <a:defRPr sz="1800" kern="1200">
+        <a:solidFill>
+          <a:schemeClr val="tx1"/>
+        </a:solidFill>
+        <a:latin typeface="+mn-lt"/>
+        <a:ea typeface="+mn-ea"/>
+        <a:cs typeface="+mn-cs"/>
+      </a:defRPr>
+    </a:lvl2pPr>
+    <a:lvl3pPr marL="914400" algn="l" defTabSz="914400" rtl="0" eaLnBrk="1" latinLnBrk="0" hangingPunct="1">
+      <a:defRPr sz="1800" kern="1200">
+        <a:solidFill>
+          <a:schemeClr val="tx1"/>
+        </a:solidFill>
+        <a:latin typeface="+mn-lt"/>
+        <a:ea typeface="+mn-ea"/>
+        <a:cs typeface="+mn-cs"/>
+      </a:defRPr>
+    </a:lvl3pPr>
+    <a:lvl4pPr marL="1371600" algn="l" defTabSz="914400" rtl="0" eaLnBrk="1" latinLnBrk="0" hangingPunct="1">
+      <a:defRPr sz="1800" kern="1200">
+        <a:solidFill>
+          <a:schemeClr val="tx1"/>
+        </a:solidFill>
+        <a:latin typeface="+mn-lt"/>
+        <a:ea typeface="+mn-ea"/>
+        <a:cs typeface="+mn-cs"/>
+      </a:defRPr>
+    </a:lvl4pPr>
+    <a:lvl5pPr marL="1828800" algn="l" defTabSz="914400" rtl="0" eaLnBrk="1" latinLnBrk="0" hangingPunct="1">
+      <a:defRPr sz="1800" kern="1200">
+        <a:solidFill>
+          <a:schemeClr val="tx1"/>
+        </a:solidFill>
+        <a:latin typeface="+mn-lt"/>
+        <a:ea typeface="+mn-ea"/>
+        <a:cs typeface="+mn-cs"/>
+      </a:defRPr>
+    </a:lvl5pPr>
+    <a:lvl6pPr marL="2286000" algn="l" defTabSz="914400" rtl="0" eaLnBrk="1" latinLnBrk="0" hangingPunct="1">
+      <a:defRPr sz="1800" kern="1200">
+        <a:solidFill>
+          <a:schemeClr val="tx1"/>
+        </a:solidFill>
+        <a:latin typeface="+mn-lt"/>
+        <a:ea typeface="+mn-ea"/>
+        <a:cs typeface="+mn-cs"/>
+      </a:defRPr>
+    </a:lvl6pPr>
+    <a:lvl7pPr marL="2743200" algn="l" defTabSz="914400" rtl="0" eaLnBrk="1" latinLnBrk="0" hangingPunct="1">
+      <a:defRPr sz="1800" kern="1200">
+        <a:solidFill>
+          <a:schemeClr val="tx1"/>
+        </a:solidFill>
+        <a:latin typeface="+mn-lt"/>
+        <a:ea typeface="+mn-ea"/>
+        <a:cs typeface="+mn-cs"/>
+      </a:defRPr>
+    </a:lvl7pPr>
+    <a:lvl8pPr marL="3200400" algn="l" defTabSz="914400" rtl="0" eaLnBrk="1" latinLnBrk="0" hangingPunct="1">
+      <a:defRPr sz="1800" kern="1200">
+        <a:solidFill>
+          <a:schemeClr val="tx1"/>
+        </a:solidFill>
+        <a:latin typeface="+mn-lt"/>
+        <a:ea typeface="+mn-ea"/>
+        <a:cs typeface="+mn-cs"/>
+      </a:defRPr>
+    </a:lvl8pPr>
+    <a:lvl9pPr marL="3657600" algn="l" defTabSz="914400" rtl="0" eaLnBrk="1" latinLnBrk="0" hangingPunct="1">
+      <a:defRPr sz="1800" kern="1200">
+        <a:solidFill>
+          <a:schemeClr val="tx1"/>
+        </a:solidFill>
+        <a:latin typeface="+mn-lt"/>
+        <a:ea typeface="+mn-ea"/>
+        <a:cs typeface="+mn-cs"/>
+      </a:defRPr>
+    </a:lvl9pPr>
+  </p:defaultTextStyle>
+  <p:extLst>
+    <p:ext uri="{EFAFB233-063F-42B5-8137-9DF3F51BA10A}">
+      <p15:sldGuideLst xmlns:p15="http://schemas.microsoft.com/office/powerpoint/2012/main"/>
+    </p:ext>
+  </p:extLst>
 </p:presentation>
 </file>
 
 <file path=ppt/slideLayouts/slideLayout1.xml><?xml version="1.0" encoding="utf-8"?>
-<p:sldLayout xmlns:a="http://schemas.openxmlformats.org/drawingml/2006/main" xmlns:p="http://schemas.openxmlformats.org/presentationml/2006/main" xmlns:r="http://schemas.openxmlformats.org/officeDocument/2006/relationships" type="blank" preserve="1">
+<p:sldLayout xmlns:a="http://schemas.openxmlformats.org/drawingml/2006/main" xmlns:r="http://schemas.openxmlformats.org/officeDocument/2006/relationships" xmlns:p="http://schemas.openxmlformats.org/presentationml/2006/main" type="blank" preserve="1">
   <p:cSld name="Blank Slide">
     <p:spTree>
       <p:nvGrpSpPr>
@@ -37,11 +138,14 @@
       </p:grpSpPr>
     </p:spTree>
   </p:cSld>
+  <p:clrMapOvr>
+    <a:masterClrMapping/>
+  </p:clrMapOvr>
 </p:sldLayout>
 </file>
 
 <file path=ppt/slideLayouts/slideLayout10.xml><?xml version="1.0" encoding="utf-8"?>
-<p:sldLayout xmlns:a="http://schemas.openxmlformats.org/drawingml/2006/main" xmlns:p="http://schemas.openxmlformats.org/presentationml/2006/main" xmlns:r="http://schemas.openxmlformats.org/officeDocument/2006/relationships" type="objOverTx" preserve="1">
+<p:sldLayout xmlns:a="http://schemas.openxmlformats.org/drawingml/2006/main" xmlns:r="http://schemas.openxmlformats.org/officeDocument/2006/relationships" xmlns:p="http://schemas.openxmlformats.org/presentationml/2006/main" type="objOverTx" preserve="1">
   <p:cSld name="Title, Content over Content">
     <p:spTree>
       <p:nvGrpSpPr>
@@ -77,7 +181,8 @@
           </a:prstGeom>
         </p:spPr>
         <p:txBody>
-          <a:bodyPr lIns="0" rIns="0" tIns="0" bIns="0" anchor="ctr"/>
+          <a:bodyPr lIns="0" tIns="0" rIns="0" bIns="0" anchor="ctr"/>
+          <a:lstStyle/>
           <a:p>
             <a:pPr algn="ctr"/>
             <a:endParaRPr/>
@@ -104,7 +209,8 @@
           </a:prstGeom>
         </p:spPr>
         <p:txBody>
-          <a:bodyPr lIns="0" rIns="0" tIns="0" bIns="0"/>
+          <a:bodyPr lIns="0" tIns="0" rIns="0" bIns="0"/>
+          <a:lstStyle/>
           <a:p>
             <a:endParaRPr/>
           </a:p>
@@ -130,7 +236,8 @@
           </a:prstGeom>
         </p:spPr>
         <p:txBody>
-          <a:bodyPr lIns="0" rIns="0" tIns="0" bIns="0"/>
+          <a:bodyPr lIns="0" tIns="0" rIns="0" bIns="0"/>
+          <a:lstStyle/>
           <a:p>
             <a:endParaRPr/>
           </a:p>
@@ -138,11 +245,14 @@
       </p:sp>
     </p:spTree>
   </p:cSld>
+  <p:clrMapOvr>
+    <a:masterClrMapping/>
+  </p:clrMapOvr>
 </p:sldLayout>
 </file>
 
 <file path=ppt/slideLayouts/slideLayout11.xml><?xml version="1.0" encoding="utf-8"?>
-<p:sldLayout xmlns:a="http://schemas.openxmlformats.org/drawingml/2006/main" xmlns:p="http://schemas.openxmlformats.org/presentationml/2006/main" xmlns:r="http://schemas.openxmlformats.org/officeDocument/2006/relationships" type="fourObj" preserve="1">
+<p:sldLayout xmlns:a="http://schemas.openxmlformats.org/drawingml/2006/main" xmlns:r="http://schemas.openxmlformats.org/officeDocument/2006/relationships" xmlns:p="http://schemas.openxmlformats.org/presentationml/2006/main" type="fourObj" preserve="1">
   <p:cSld name="Title, 4 Content">
     <p:spTree>
       <p:nvGrpSpPr>
@@ -178,7 +288,8 @@
           </a:prstGeom>
         </p:spPr>
         <p:txBody>
-          <a:bodyPr lIns="0" rIns="0" tIns="0" bIns="0" anchor="ctr"/>
+          <a:bodyPr lIns="0" tIns="0" rIns="0" bIns="0" anchor="ctr"/>
+          <a:lstStyle/>
           <a:p>
             <a:pPr algn="ctr"/>
             <a:endParaRPr/>
@@ -205,7 +316,8 @@
           </a:prstGeom>
         </p:spPr>
         <p:txBody>
-          <a:bodyPr lIns="0" rIns="0" tIns="0" bIns="0"/>
+          <a:bodyPr lIns="0" tIns="0" rIns="0" bIns="0"/>
+          <a:lstStyle/>
           <a:p>
             <a:endParaRPr/>
           </a:p>
@@ -231,7 +343,8 @@
           </a:prstGeom>
         </p:spPr>
         <p:txBody>
-          <a:bodyPr lIns="0" rIns="0" tIns="0" bIns="0"/>
+          <a:bodyPr lIns="0" tIns="0" rIns="0" bIns="0"/>
+          <a:lstStyle/>
           <a:p>
             <a:endParaRPr/>
           </a:p>
@@ -257,7 +370,8 @@
           </a:prstGeom>
         </p:spPr>
         <p:txBody>
-          <a:bodyPr lIns="0" rIns="0" tIns="0" bIns="0"/>
+          <a:bodyPr lIns="0" tIns="0" rIns="0" bIns="0"/>
+          <a:lstStyle/>
           <a:p>
             <a:endParaRPr/>
           </a:p>
@@ -283,7 +397,8 @@
           </a:prstGeom>
         </p:spPr>
         <p:txBody>
-          <a:bodyPr lIns="0" rIns="0" tIns="0" bIns="0"/>
+          <a:bodyPr lIns="0" tIns="0" rIns="0" bIns="0"/>
+          <a:lstStyle/>
           <a:p>
             <a:endParaRPr/>
           </a:p>
@@ -291,11 +406,14 @@
       </p:sp>
     </p:spTree>
   </p:cSld>
+  <p:clrMapOvr>
+    <a:masterClrMapping/>
+  </p:clrMapOvr>
 </p:sldLayout>
 </file>
 
 <file path=ppt/slideLayouts/slideLayout12.xml><?xml version="1.0" encoding="utf-8"?>
-<p:sldLayout xmlns:a="http://schemas.openxmlformats.org/drawingml/2006/main" xmlns:p="http://schemas.openxmlformats.org/presentationml/2006/main" xmlns:r="http://schemas.openxmlformats.org/officeDocument/2006/relationships" type="blank" preserve="1">
+<p:sldLayout xmlns:a="http://schemas.openxmlformats.org/drawingml/2006/main" xmlns:r="http://schemas.openxmlformats.org/officeDocument/2006/relationships" xmlns:p="http://schemas.openxmlformats.org/presentationml/2006/main" type="blank" preserve="1">
   <p:cSld name="Title, 6 Content">
     <p:spTree>
       <p:nvGrpSpPr>
@@ -331,7 +449,8 @@
           </a:prstGeom>
         </p:spPr>
         <p:txBody>
-          <a:bodyPr lIns="0" rIns="0" tIns="0" bIns="0" anchor="ctr"/>
+          <a:bodyPr lIns="0" tIns="0" rIns="0" bIns="0" anchor="ctr"/>
+          <a:lstStyle/>
           <a:p>
             <a:pPr algn="ctr"/>
             <a:endParaRPr/>
@@ -358,7 +477,8 @@
           </a:prstGeom>
         </p:spPr>
         <p:txBody>
-          <a:bodyPr lIns="0" rIns="0" tIns="0" bIns="0"/>
+          <a:bodyPr lIns="0" tIns="0" rIns="0" bIns="0"/>
+          <a:lstStyle/>
           <a:p>
             <a:endParaRPr/>
           </a:p>
@@ -384,7 +504,8 @@
           </a:prstGeom>
         </p:spPr>
         <p:txBody>
-          <a:bodyPr lIns="0" rIns="0" tIns="0" bIns="0"/>
+          <a:bodyPr lIns="0" tIns="0" rIns="0" bIns="0"/>
+          <a:lstStyle/>
           <a:p>
             <a:endParaRPr/>
           </a:p>
@@ -392,7 +513,7 @@
       </p:sp>
       <p:pic>
         <p:nvPicPr>
-          <p:cNvPr id="34" name="" descr=""/>
+          <p:cNvPr id="34" name="图片 33"/>
           <p:cNvPicPr/>
           <p:nvPr/>
         </p:nvPicPr>
@@ -417,12 +538,12 @@
       </p:pic>
       <p:pic>
         <p:nvPicPr>
-          <p:cNvPr id="35" name="" descr=""/>
+          <p:cNvPr id="35" name="图片 34"/>
           <p:cNvPicPr/>
           <p:nvPr/>
         </p:nvPicPr>
         <p:blipFill>
-          <a:blip r:embed="rId3"/>
+          <a:blip r:embed="rId2"/>
           <a:stretch>
             <a:fillRect/>
           </a:stretch>
@@ -442,11 +563,14 @@
       </p:pic>
     </p:spTree>
   </p:cSld>
+  <p:clrMapOvr>
+    <a:masterClrMapping/>
+  </p:clrMapOvr>
 </p:sldLayout>
 </file>
 
 <file path=ppt/slideLayouts/slideLayout13.xml><?xml version="1.0" encoding="utf-8"?>
-<p:sldLayout xmlns:a="http://schemas.openxmlformats.org/drawingml/2006/main" xmlns:p="http://schemas.openxmlformats.org/presentationml/2006/main" xmlns:r="http://schemas.openxmlformats.org/officeDocument/2006/relationships" type="blank" preserve="1">
+<p:sldLayout xmlns:a="http://schemas.openxmlformats.org/drawingml/2006/main" xmlns:r="http://schemas.openxmlformats.org/officeDocument/2006/relationships" xmlns:p="http://schemas.openxmlformats.org/presentationml/2006/main" type="blank" preserve="1">
   <p:cSld name="Blank Slide">
     <p:spTree>
       <p:nvGrpSpPr>
@@ -464,11 +588,14 @@
       </p:grpSpPr>
     </p:spTree>
   </p:cSld>
+  <p:clrMapOvr>
+    <a:masterClrMapping/>
+  </p:clrMapOvr>
 </p:sldLayout>
 </file>
 
 <file path=ppt/slideLayouts/slideLayout14.xml><?xml version="1.0" encoding="utf-8"?>
-<p:sldLayout xmlns:a="http://schemas.openxmlformats.org/drawingml/2006/main" xmlns:p="http://schemas.openxmlformats.org/presentationml/2006/main" xmlns:r="http://schemas.openxmlformats.org/officeDocument/2006/relationships" type="tx" preserve="1">
+<p:sldLayout xmlns:a="http://schemas.openxmlformats.org/drawingml/2006/main" xmlns:r="http://schemas.openxmlformats.org/officeDocument/2006/relationships" xmlns:p="http://schemas.openxmlformats.org/presentationml/2006/main" type="tx" preserve="1">
   <p:cSld name="Title Slide">
     <p:spTree>
       <p:nvGrpSpPr>
@@ -504,7 +631,8 @@
           </a:prstGeom>
         </p:spPr>
         <p:txBody>
-          <a:bodyPr lIns="0" rIns="0" tIns="0" bIns="0" anchor="ctr"/>
+          <a:bodyPr lIns="0" tIns="0" rIns="0" bIns="0" anchor="ctr"/>
+          <a:lstStyle/>
           <a:p>
             <a:pPr algn="ctr"/>
             <a:endParaRPr/>
@@ -531,7 +659,8 @@
           </a:prstGeom>
         </p:spPr>
         <p:txBody>
-          <a:bodyPr lIns="0" rIns="0" tIns="0" bIns="0" anchor="ctr"/>
+          <a:bodyPr lIns="0" tIns="0" rIns="0" bIns="0" anchor="ctr"/>
+          <a:lstStyle/>
           <a:p>
             <a:pPr algn="ctr"/>
             <a:endParaRPr/>
@@ -540,11 +669,14 @@
       </p:sp>
     </p:spTree>
   </p:cSld>
+  <p:clrMapOvr>
+    <a:masterClrMapping/>
+  </p:clrMapOvr>
 </p:sldLayout>
 </file>
 
 <file path=ppt/slideLayouts/slideLayout15.xml><?xml version="1.0" encoding="utf-8"?>
-<p:sldLayout xmlns:a="http://schemas.openxmlformats.org/drawingml/2006/main" xmlns:p="http://schemas.openxmlformats.org/presentationml/2006/main" xmlns:r="http://schemas.openxmlformats.org/officeDocument/2006/relationships" type="obj" preserve="1">
+<p:sldLayout xmlns:a="http://schemas.openxmlformats.org/drawingml/2006/main" xmlns:r="http://schemas.openxmlformats.org/officeDocument/2006/relationships" xmlns:p="http://schemas.openxmlformats.org/presentationml/2006/main" type="obj" preserve="1">
   <p:cSld name="Title, Content">
     <p:spTree>
       <p:nvGrpSpPr>
@@ -580,7 +712,8 @@
           </a:prstGeom>
         </p:spPr>
         <p:txBody>
-          <a:bodyPr lIns="0" rIns="0" tIns="0" bIns="0" anchor="ctr"/>
+          <a:bodyPr lIns="0" tIns="0" rIns="0" bIns="0" anchor="ctr"/>
+          <a:lstStyle/>
           <a:p>
             <a:pPr algn="ctr"/>
             <a:endParaRPr/>
@@ -607,7 +740,8 @@
           </a:prstGeom>
         </p:spPr>
         <p:txBody>
-          <a:bodyPr lIns="0" rIns="0" tIns="0" bIns="0"/>
+          <a:bodyPr lIns="0" tIns="0" rIns="0" bIns="0"/>
+          <a:lstStyle/>
           <a:p>
             <a:endParaRPr/>
           </a:p>
@@ -615,11 +749,14 @@
       </p:sp>
     </p:spTree>
   </p:cSld>
+  <p:clrMapOvr>
+    <a:masterClrMapping/>
+  </p:clrMapOvr>
 </p:sldLayout>
 </file>
 
 <file path=ppt/slideLayouts/slideLayout16.xml><?xml version="1.0" encoding="utf-8"?>
-<p:sldLayout xmlns:a="http://schemas.openxmlformats.org/drawingml/2006/main" xmlns:p="http://schemas.openxmlformats.org/presentationml/2006/main" xmlns:r="http://schemas.openxmlformats.org/officeDocument/2006/relationships" type="twoObj" preserve="1">
+<p:sldLayout xmlns:a="http://schemas.openxmlformats.org/drawingml/2006/main" xmlns:r="http://schemas.openxmlformats.org/officeDocument/2006/relationships" xmlns:p="http://schemas.openxmlformats.org/presentationml/2006/main" type="twoObj" preserve="1">
   <p:cSld name="Title, 2 Content">
     <p:spTree>
       <p:nvGrpSpPr>
@@ -655,7 +792,8 @@
           </a:prstGeom>
         </p:spPr>
         <p:txBody>
-          <a:bodyPr lIns="0" rIns="0" tIns="0" bIns="0" anchor="ctr"/>
+          <a:bodyPr lIns="0" tIns="0" rIns="0" bIns="0" anchor="ctr"/>
+          <a:lstStyle/>
           <a:p>
             <a:pPr algn="ctr"/>
             <a:endParaRPr/>
@@ -682,7 +820,8 @@
           </a:prstGeom>
         </p:spPr>
         <p:txBody>
-          <a:bodyPr lIns="0" rIns="0" tIns="0" bIns="0"/>
+          <a:bodyPr lIns="0" tIns="0" rIns="0" bIns="0"/>
+          <a:lstStyle/>
           <a:p>
             <a:endParaRPr/>
           </a:p>
@@ -708,7 +847,8 @@
           </a:prstGeom>
         </p:spPr>
         <p:txBody>
-          <a:bodyPr lIns="0" rIns="0" tIns="0" bIns="0"/>
+          <a:bodyPr lIns="0" tIns="0" rIns="0" bIns="0"/>
+          <a:lstStyle/>
           <a:p>
             <a:endParaRPr/>
           </a:p>
@@ -716,11 +856,14 @@
       </p:sp>
     </p:spTree>
   </p:cSld>
+  <p:clrMapOvr>
+    <a:masterClrMapping/>
+  </p:clrMapOvr>
 </p:sldLayout>
 </file>
 
 <file path=ppt/slideLayouts/slideLayout17.xml><?xml version="1.0" encoding="utf-8"?>
-<p:sldLayout xmlns:a="http://schemas.openxmlformats.org/drawingml/2006/main" xmlns:p="http://schemas.openxmlformats.org/presentationml/2006/main" xmlns:r="http://schemas.openxmlformats.org/officeDocument/2006/relationships" type="titleOnly" preserve="1">
+<p:sldLayout xmlns:a="http://schemas.openxmlformats.org/drawingml/2006/main" xmlns:r="http://schemas.openxmlformats.org/officeDocument/2006/relationships" xmlns:p="http://schemas.openxmlformats.org/presentationml/2006/main" type="titleOnly" preserve="1">
   <p:cSld name="Title Only">
     <p:spTree>
       <p:nvGrpSpPr>
@@ -756,7 +899,8 @@
           </a:prstGeom>
         </p:spPr>
         <p:txBody>
-          <a:bodyPr lIns="0" rIns="0" tIns="0" bIns="0" anchor="ctr"/>
+          <a:bodyPr lIns="0" tIns="0" rIns="0" bIns="0" anchor="ctr"/>
+          <a:lstStyle/>
           <a:p>
             <a:pPr algn="ctr"/>
             <a:endParaRPr/>
@@ -765,11 +909,14 @@
       </p:sp>
     </p:spTree>
   </p:cSld>
+  <p:clrMapOvr>
+    <a:masterClrMapping/>
+  </p:clrMapOvr>
 </p:sldLayout>
 </file>
 
 <file path=ppt/slideLayouts/slideLayout18.xml><?xml version="1.0" encoding="utf-8"?>
-<p:sldLayout xmlns:a="http://schemas.openxmlformats.org/drawingml/2006/main" xmlns:p="http://schemas.openxmlformats.org/presentationml/2006/main" xmlns:r="http://schemas.openxmlformats.org/officeDocument/2006/relationships" type="objOnly" preserve="1">
+<p:sldLayout xmlns:a="http://schemas.openxmlformats.org/drawingml/2006/main" xmlns:r="http://schemas.openxmlformats.org/officeDocument/2006/relationships" xmlns:p="http://schemas.openxmlformats.org/presentationml/2006/main" type="objOnly" preserve="1">
   <p:cSld name="Centered Text">
     <p:spTree>
       <p:nvGrpSpPr>
@@ -805,7 +952,8 @@
           </a:prstGeom>
         </p:spPr>
         <p:txBody>
-          <a:bodyPr lIns="0" rIns="0" tIns="0" bIns="0" anchor="ctr"/>
+          <a:bodyPr lIns="0" tIns="0" rIns="0" bIns="0" anchor="ctr"/>
+          <a:lstStyle/>
           <a:p>
             <a:pPr algn="ctr"/>
             <a:endParaRPr/>
@@ -814,11 +962,14 @@
       </p:sp>
     </p:spTree>
   </p:cSld>
+  <p:clrMapOvr>
+    <a:masterClrMapping/>
+  </p:clrMapOvr>
 </p:sldLayout>
 </file>
 
 <file path=ppt/slideLayouts/slideLayout19.xml><?xml version="1.0" encoding="utf-8"?>
-<p:sldLayout xmlns:a="http://schemas.openxmlformats.org/drawingml/2006/main" xmlns:p="http://schemas.openxmlformats.org/presentationml/2006/main" xmlns:r="http://schemas.openxmlformats.org/officeDocument/2006/relationships" type="twoObjAndObj" preserve="1">
+<p:sldLayout xmlns:a="http://schemas.openxmlformats.org/drawingml/2006/main" xmlns:r="http://schemas.openxmlformats.org/officeDocument/2006/relationships" xmlns:p="http://schemas.openxmlformats.org/presentationml/2006/main" type="twoObjAndObj" preserve="1">
   <p:cSld name="Title, 2 Content and Content">
     <p:spTree>
       <p:nvGrpSpPr>
@@ -854,7 +1005,8 @@
           </a:prstGeom>
         </p:spPr>
         <p:txBody>
-          <a:bodyPr lIns="0" rIns="0" tIns="0" bIns="0" anchor="ctr"/>
+          <a:bodyPr lIns="0" tIns="0" rIns="0" bIns="0" anchor="ctr"/>
+          <a:lstStyle/>
           <a:p>
             <a:pPr algn="ctr"/>
             <a:endParaRPr/>
@@ -881,7 +1033,8 @@
           </a:prstGeom>
         </p:spPr>
         <p:txBody>
-          <a:bodyPr lIns="0" rIns="0" tIns="0" bIns="0"/>
+          <a:bodyPr lIns="0" tIns="0" rIns="0" bIns="0"/>
+          <a:lstStyle/>
           <a:p>
             <a:endParaRPr/>
           </a:p>
@@ -907,7 +1060,8 @@
           </a:prstGeom>
         </p:spPr>
         <p:txBody>
-          <a:bodyPr lIns="0" rIns="0" tIns="0" bIns="0"/>
+          <a:bodyPr lIns="0" tIns="0" rIns="0" bIns="0"/>
+          <a:lstStyle/>
           <a:p>
             <a:endParaRPr/>
           </a:p>
@@ -933,7 +1087,8 @@
           </a:prstGeom>
         </p:spPr>
         <p:txBody>
-          <a:bodyPr lIns="0" rIns="0" tIns="0" bIns="0"/>
+          <a:bodyPr lIns="0" tIns="0" rIns="0" bIns="0"/>
+          <a:lstStyle/>
           <a:p>
             <a:endParaRPr/>
           </a:p>
@@ -941,11 +1096,14 @@
       </p:sp>
     </p:spTree>
   </p:cSld>
+  <p:clrMapOvr>
+    <a:masterClrMapping/>
+  </p:clrMapOvr>
 </p:sldLayout>
 </file>
 
 <file path=ppt/slideLayouts/slideLayout2.xml><?xml version="1.0" encoding="utf-8"?>
-<p:sldLayout xmlns:a="http://schemas.openxmlformats.org/drawingml/2006/main" xmlns:p="http://schemas.openxmlformats.org/presentationml/2006/main" xmlns:r="http://schemas.openxmlformats.org/officeDocument/2006/relationships" type="tx" preserve="1">
+<p:sldLayout xmlns:a="http://schemas.openxmlformats.org/drawingml/2006/main" xmlns:r="http://schemas.openxmlformats.org/officeDocument/2006/relationships" xmlns:p="http://schemas.openxmlformats.org/presentationml/2006/main" type="tx" preserve="1">
   <p:cSld name="Title Slide">
     <p:spTree>
       <p:nvGrpSpPr>
@@ -981,7 +1139,8 @@
           </a:prstGeom>
         </p:spPr>
         <p:txBody>
-          <a:bodyPr lIns="0" rIns="0" tIns="0" bIns="0" anchor="ctr"/>
+          <a:bodyPr lIns="0" tIns="0" rIns="0" bIns="0" anchor="ctr"/>
+          <a:lstStyle/>
           <a:p>
             <a:pPr algn="ctr"/>
             <a:endParaRPr/>
@@ -1008,7 +1167,8 @@
           </a:prstGeom>
         </p:spPr>
         <p:txBody>
-          <a:bodyPr lIns="0" rIns="0" tIns="0" bIns="0" anchor="ctr"/>
+          <a:bodyPr lIns="0" tIns="0" rIns="0" bIns="0" anchor="ctr"/>
+          <a:lstStyle/>
           <a:p>
             <a:pPr algn="ctr"/>
             <a:endParaRPr/>
@@ -1017,11 +1177,14 @@
       </p:sp>
     </p:spTree>
   </p:cSld>
+  <p:clrMapOvr>
+    <a:masterClrMapping/>
+  </p:clrMapOvr>
 </p:sldLayout>
 </file>
 
 <file path=ppt/slideLayouts/slideLayout20.xml><?xml version="1.0" encoding="utf-8"?>
-<p:sldLayout xmlns:a="http://schemas.openxmlformats.org/drawingml/2006/main" xmlns:p="http://schemas.openxmlformats.org/presentationml/2006/main" xmlns:r="http://schemas.openxmlformats.org/officeDocument/2006/relationships" type="objAndTwoObj" preserve="1">
+<p:sldLayout xmlns:a="http://schemas.openxmlformats.org/drawingml/2006/main" xmlns:r="http://schemas.openxmlformats.org/officeDocument/2006/relationships" xmlns:p="http://schemas.openxmlformats.org/presentationml/2006/main" type="objAndTwoObj" preserve="1">
   <p:cSld name="Title Content and 2 Content">
     <p:spTree>
       <p:nvGrpSpPr>
@@ -1057,7 +1220,8 @@
           </a:prstGeom>
         </p:spPr>
         <p:txBody>
-          <a:bodyPr lIns="0" rIns="0" tIns="0" bIns="0" anchor="ctr"/>
+          <a:bodyPr lIns="0" tIns="0" rIns="0" bIns="0" anchor="ctr"/>
+          <a:lstStyle/>
           <a:p>
             <a:pPr algn="ctr"/>
             <a:endParaRPr/>
@@ -1084,7 +1248,8 @@
           </a:prstGeom>
         </p:spPr>
         <p:txBody>
-          <a:bodyPr lIns="0" rIns="0" tIns="0" bIns="0"/>
+          <a:bodyPr lIns="0" tIns="0" rIns="0" bIns="0"/>
+          <a:lstStyle/>
           <a:p>
             <a:endParaRPr/>
           </a:p>
@@ -1110,7 +1275,8 @@
           </a:prstGeom>
         </p:spPr>
         <p:txBody>
-          <a:bodyPr lIns="0" rIns="0" tIns="0" bIns="0"/>
+          <a:bodyPr lIns="0" tIns="0" rIns="0" bIns="0"/>
+          <a:lstStyle/>
           <a:p>
             <a:endParaRPr/>
           </a:p>
@@ -1136,7 +1302,8 @@
           </a:prstGeom>
         </p:spPr>
         <p:txBody>
-          <a:bodyPr lIns="0" rIns="0" tIns="0" bIns="0"/>
+          <a:bodyPr lIns="0" tIns="0" rIns="0" bIns="0"/>
+          <a:lstStyle/>
           <a:p>
             <a:endParaRPr/>
           </a:p>
@@ -1144,11 +1311,14 @@
       </p:sp>
     </p:spTree>
   </p:cSld>
+  <p:clrMapOvr>
+    <a:masterClrMapping/>
+  </p:clrMapOvr>
 </p:sldLayout>
 </file>
 
 <file path=ppt/slideLayouts/slideLayout21.xml><?xml version="1.0" encoding="utf-8"?>
-<p:sldLayout xmlns:a="http://schemas.openxmlformats.org/drawingml/2006/main" xmlns:p="http://schemas.openxmlformats.org/presentationml/2006/main" xmlns:r="http://schemas.openxmlformats.org/officeDocument/2006/relationships" type="twoObjOverTx" preserve="1">
+<p:sldLayout xmlns:a="http://schemas.openxmlformats.org/drawingml/2006/main" xmlns:r="http://schemas.openxmlformats.org/officeDocument/2006/relationships" xmlns:p="http://schemas.openxmlformats.org/presentationml/2006/main" type="twoObjOverTx" preserve="1">
   <p:cSld name="Title, 2 Content over Content">
     <p:spTree>
       <p:nvGrpSpPr>
@@ -1184,7 +1354,8 @@
           </a:prstGeom>
         </p:spPr>
         <p:txBody>
-          <a:bodyPr lIns="0" rIns="0" tIns="0" bIns="0" anchor="ctr"/>
+          <a:bodyPr lIns="0" tIns="0" rIns="0" bIns="0" anchor="ctr"/>
+          <a:lstStyle/>
           <a:p>
             <a:pPr algn="ctr"/>
             <a:endParaRPr/>
@@ -1211,7 +1382,8 @@
           </a:prstGeom>
         </p:spPr>
         <p:txBody>
-          <a:bodyPr lIns="0" rIns="0" tIns="0" bIns="0"/>
+          <a:bodyPr lIns="0" tIns="0" rIns="0" bIns="0"/>
+          <a:lstStyle/>
           <a:p>
             <a:endParaRPr/>
           </a:p>
@@ -1237,7 +1409,8 @@
           </a:prstGeom>
         </p:spPr>
         <p:txBody>
-          <a:bodyPr lIns="0" rIns="0" tIns="0" bIns="0"/>
+          <a:bodyPr lIns="0" tIns="0" rIns="0" bIns="0"/>
+          <a:lstStyle/>
           <a:p>
             <a:endParaRPr/>
           </a:p>
@@ -1263,7 +1436,8 @@
           </a:prstGeom>
         </p:spPr>
         <p:txBody>
-          <a:bodyPr lIns="0" rIns="0" tIns="0" bIns="0"/>
+          <a:bodyPr lIns="0" tIns="0" rIns="0" bIns="0"/>
+          <a:lstStyle/>
           <a:p>
             <a:endParaRPr/>
           </a:p>
@@ -1271,11 +1445,14 @@
       </p:sp>
     </p:spTree>
   </p:cSld>
+  <p:clrMapOvr>
+    <a:masterClrMapping/>
+  </p:clrMapOvr>
 </p:sldLayout>
 </file>
 
 <file path=ppt/slideLayouts/slideLayout22.xml><?xml version="1.0" encoding="utf-8"?>
-<p:sldLayout xmlns:a="http://schemas.openxmlformats.org/drawingml/2006/main" xmlns:p="http://schemas.openxmlformats.org/presentationml/2006/main" xmlns:r="http://schemas.openxmlformats.org/officeDocument/2006/relationships" type="objOverTx" preserve="1">
+<p:sldLayout xmlns:a="http://schemas.openxmlformats.org/drawingml/2006/main" xmlns:r="http://schemas.openxmlformats.org/officeDocument/2006/relationships" xmlns:p="http://schemas.openxmlformats.org/presentationml/2006/main" type="objOverTx" preserve="1">
   <p:cSld name="Title, Content over Content">
     <p:spTree>
       <p:nvGrpSpPr>
@@ -1311,7 +1488,8 @@
           </a:prstGeom>
         </p:spPr>
         <p:txBody>
-          <a:bodyPr lIns="0" rIns="0" tIns="0" bIns="0" anchor="ctr"/>
+          <a:bodyPr lIns="0" tIns="0" rIns="0" bIns="0" anchor="ctr"/>
+          <a:lstStyle/>
           <a:p>
             <a:pPr algn="ctr"/>
             <a:endParaRPr/>
@@ -1338,7 +1516,8 @@
           </a:prstGeom>
         </p:spPr>
         <p:txBody>
-          <a:bodyPr lIns="0" rIns="0" tIns="0" bIns="0"/>
+          <a:bodyPr lIns="0" tIns="0" rIns="0" bIns="0"/>
+          <a:lstStyle/>
           <a:p>
             <a:endParaRPr/>
           </a:p>
@@ -1364,7 +1543,8 @@
           </a:prstGeom>
         </p:spPr>
         <p:txBody>
-          <a:bodyPr lIns="0" rIns="0" tIns="0" bIns="0"/>
+          <a:bodyPr lIns="0" tIns="0" rIns="0" bIns="0"/>
+          <a:lstStyle/>
           <a:p>
             <a:endParaRPr/>
           </a:p>
@@ -1372,11 +1552,14 @@
       </p:sp>
     </p:spTree>
   </p:cSld>
+  <p:clrMapOvr>
+    <a:masterClrMapping/>
+  </p:clrMapOvr>
 </p:sldLayout>
 </file>
 
 <file path=ppt/slideLayouts/slideLayout23.xml><?xml version="1.0" encoding="utf-8"?>
-<p:sldLayout xmlns:a="http://schemas.openxmlformats.org/drawingml/2006/main" xmlns:p="http://schemas.openxmlformats.org/presentationml/2006/main" xmlns:r="http://schemas.openxmlformats.org/officeDocument/2006/relationships" type="fourObj" preserve="1">
+<p:sldLayout xmlns:a="http://schemas.openxmlformats.org/drawingml/2006/main" xmlns:r="http://schemas.openxmlformats.org/officeDocument/2006/relationships" xmlns:p="http://schemas.openxmlformats.org/presentationml/2006/main" type="fourObj" preserve="1">
   <p:cSld name="Title, 4 Content">
     <p:spTree>
       <p:nvGrpSpPr>
@@ -1412,7 +1595,8 @@
           </a:prstGeom>
         </p:spPr>
         <p:txBody>
-          <a:bodyPr lIns="0" rIns="0" tIns="0" bIns="0" anchor="ctr"/>
+          <a:bodyPr lIns="0" tIns="0" rIns="0" bIns="0" anchor="ctr"/>
+          <a:lstStyle/>
           <a:p>
             <a:pPr algn="ctr"/>
             <a:endParaRPr/>
@@ -1439,7 +1623,8 @@
           </a:prstGeom>
         </p:spPr>
         <p:txBody>
-          <a:bodyPr lIns="0" rIns="0" tIns="0" bIns="0"/>
+          <a:bodyPr lIns="0" tIns="0" rIns="0" bIns="0"/>
+          <a:lstStyle/>
           <a:p>
             <a:endParaRPr/>
           </a:p>
@@ -1465,7 +1650,8 @@
           </a:prstGeom>
         </p:spPr>
         <p:txBody>
-          <a:bodyPr lIns="0" rIns="0" tIns="0" bIns="0"/>
+          <a:bodyPr lIns="0" tIns="0" rIns="0" bIns="0"/>
+          <a:lstStyle/>
           <a:p>
             <a:endParaRPr/>
           </a:p>
@@ -1491,7 +1677,8 @@
           </a:prstGeom>
         </p:spPr>
         <p:txBody>
-          <a:bodyPr lIns="0" rIns="0" tIns="0" bIns="0"/>
+          <a:bodyPr lIns="0" tIns="0" rIns="0" bIns="0"/>
+          <a:lstStyle/>
           <a:p>
             <a:endParaRPr/>
           </a:p>
@@ -1517,7 +1704,8 @@
           </a:prstGeom>
         </p:spPr>
         <p:txBody>
-          <a:bodyPr lIns="0" rIns="0" tIns="0" bIns="0"/>
+          <a:bodyPr lIns="0" tIns="0" rIns="0" bIns="0"/>
+          <a:lstStyle/>
           <a:p>
             <a:endParaRPr/>
           </a:p>
@@ -1525,11 +1713,14 @@
       </p:sp>
     </p:spTree>
   </p:cSld>
+  <p:clrMapOvr>
+    <a:masterClrMapping/>
+  </p:clrMapOvr>
 </p:sldLayout>
 </file>
 
 <file path=ppt/slideLayouts/slideLayout24.xml><?xml version="1.0" encoding="utf-8"?>
-<p:sldLayout xmlns:a="http://schemas.openxmlformats.org/drawingml/2006/main" xmlns:p="http://schemas.openxmlformats.org/presentationml/2006/main" xmlns:r="http://schemas.openxmlformats.org/officeDocument/2006/relationships" type="blank" preserve="1">
+<p:sldLayout xmlns:a="http://schemas.openxmlformats.org/drawingml/2006/main" xmlns:r="http://schemas.openxmlformats.org/officeDocument/2006/relationships" xmlns:p="http://schemas.openxmlformats.org/presentationml/2006/main" type="blank" preserve="1">
   <p:cSld name="Title, 6 Content">
     <p:spTree>
       <p:nvGrpSpPr>
@@ -1565,7 +1756,8 @@
           </a:prstGeom>
         </p:spPr>
         <p:txBody>
-          <a:bodyPr lIns="0" rIns="0" tIns="0" bIns="0" anchor="ctr"/>
+          <a:bodyPr lIns="0" tIns="0" rIns="0" bIns="0" anchor="ctr"/>
+          <a:lstStyle/>
           <a:p>
             <a:pPr algn="ctr"/>
             <a:endParaRPr/>
@@ -1592,7 +1784,8 @@
           </a:prstGeom>
         </p:spPr>
         <p:txBody>
-          <a:bodyPr lIns="0" rIns="0" tIns="0" bIns="0"/>
+          <a:bodyPr lIns="0" tIns="0" rIns="0" bIns="0"/>
+          <a:lstStyle/>
           <a:p>
             <a:endParaRPr/>
           </a:p>
@@ -1618,7 +1811,8 @@
           </a:prstGeom>
         </p:spPr>
         <p:txBody>
-          <a:bodyPr lIns="0" rIns="0" tIns="0" bIns="0"/>
+          <a:bodyPr lIns="0" tIns="0" rIns="0" bIns="0"/>
+          <a:lstStyle/>
           <a:p>
             <a:endParaRPr/>
           </a:p>
@@ -1626,7 +1820,7 @@
       </p:sp>
       <p:pic>
         <p:nvPicPr>
-          <p:cNvPr id="70" name="" descr=""/>
+          <p:cNvPr id="70" name="图片 69"/>
           <p:cNvPicPr/>
           <p:nvPr/>
         </p:nvPicPr>
@@ -1651,12 +1845,12 @@
       </p:pic>
       <p:pic>
         <p:nvPicPr>
-          <p:cNvPr id="71" name="" descr=""/>
+          <p:cNvPr id="71" name="图片 70"/>
           <p:cNvPicPr/>
           <p:nvPr/>
         </p:nvPicPr>
         <p:blipFill>
-          <a:blip r:embed="rId3"/>
+          <a:blip r:embed="rId2"/>
           <a:stretch>
             <a:fillRect/>
           </a:stretch>
@@ -1676,11 +1870,14 @@
       </p:pic>
     </p:spTree>
   </p:cSld>
+  <p:clrMapOvr>
+    <a:masterClrMapping/>
+  </p:clrMapOvr>
 </p:sldLayout>
 </file>
 
 <file path=ppt/slideLayouts/slideLayout25.xml><?xml version="1.0" encoding="utf-8"?>
-<p:sldLayout xmlns:a="http://schemas.openxmlformats.org/drawingml/2006/main" xmlns:p="http://schemas.openxmlformats.org/presentationml/2006/main" xmlns:r="http://schemas.openxmlformats.org/officeDocument/2006/relationships" type="blank" preserve="1">
+<p:sldLayout xmlns:a="http://schemas.openxmlformats.org/drawingml/2006/main" xmlns:r="http://schemas.openxmlformats.org/officeDocument/2006/relationships" xmlns:p="http://schemas.openxmlformats.org/presentationml/2006/main" type="blank" preserve="1">
   <p:cSld name="Blank Slide">
     <p:spTree>
       <p:nvGrpSpPr>
@@ -1698,11 +1895,14 @@
       </p:grpSpPr>
     </p:spTree>
   </p:cSld>
+  <p:clrMapOvr>
+    <a:masterClrMapping/>
+  </p:clrMapOvr>
 </p:sldLayout>
 </file>
 
 <file path=ppt/slideLayouts/slideLayout26.xml><?xml version="1.0" encoding="utf-8"?>
-<p:sldLayout xmlns:a="http://schemas.openxmlformats.org/drawingml/2006/main" xmlns:p="http://schemas.openxmlformats.org/presentationml/2006/main" xmlns:r="http://schemas.openxmlformats.org/officeDocument/2006/relationships" type="tx" preserve="1">
+<p:sldLayout xmlns:a="http://schemas.openxmlformats.org/drawingml/2006/main" xmlns:r="http://schemas.openxmlformats.org/officeDocument/2006/relationships" xmlns:p="http://schemas.openxmlformats.org/presentationml/2006/main" type="tx" preserve="1">
   <p:cSld name="Title Slide">
     <p:spTree>
       <p:nvGrpSpPr>
@@ -1738,7 +1938,8 @@
           </a:prstGeom>
         </p:spPr>
         <p:txBody>
-          <a:bodyPr lIns="0" rIns="0" tIns="0" bIns="0" anchor="ctr"/>
+          <a:bodyPr lIns="0" tIns="0" rIns="0" bIns="0" anchor="ctr"/>
+          <a:lstStyle/>
           <a:p>
             <a:pPr algn="ctr"/>
             <a:endParaRPr/>
@@ -1765,7 +1966,8 @@
           </a:prstGeom>
         </p:spPr>
         <p:txBody>
-          <a:bodyPr lIns="0" rIns="0" tIns="0" bIns="0" anchor="ctr"/>
+          <a:bodyPr lIns="0" tIns="0" rIns="0" bIns="0" anchor="ctr"/>
+          <a:lstStyle/>
           <a:p>
             <a:pPr algn="ctr"/>
             <a:endParaRPr/>
@@ -1774,11 +1976,14 @@
       </p:sp>
     </p:spTree>
   </p:cSld>
+  <p:clrMapOvr>
+    <a:masterClrMapping/>
+  </p:clrMapOvr>
 </p:sldLayout>
 </file>
 
 <file path=ppt/slideLayouts/slideLayout27.xml><?xml version="1.0" encoding="utf-8"?>
-<p:sldLayout xmlns:a="http://schemas.openxmlformats.org/drawingml/2006/main" xmlns:p="http://schemas.openxmlformats.org/presentationml/2006/main" xmlns:r="http://schemas.openxmlformats.org/officeDocument/2006/relationships" type="obj" preserve="1">
+<p:sldLayout xmlns:a="http://schemas.openxmlformats.org/drawingml/2006/main" xmlns:r="http://schemas.openxmlformats.org/officeDocument/2006/relationships" xmlns:p="http://schemas.openxmlformats.org/presentationml/2006/main" type="obj" preserve="1">
   <p:cSld name="Title, Content">
     <p:spTree>
       <p:nvGrpSpPr>
@@ -1814,7 +2019,8 @@
           </a:prstGeom>
         </p:spPr>
         <p:txBody>
-          <a:bodyPr lIns="0" rIns="0" tIns="0" bIns="0" anchor="ctr"/>
+          <a:bodyPr lIns="0" tIns="0" rIns="0" bIns="0" anchor="ctr"/>
+          <a:lstStyle/>
           <a:p>
             <a:pPr algn="ctr"/>
             <a:endParaRPr/>
@@ -1841,7 +2047,8 @@
           </a:prstGeom>
         </p:spPr>
         <p:txBody>
-          <a:bodyPr lIns="0" rIns="0" tIns="0" bIns="0"/>
+          <a:bodyPr lIns="0" tIns="0" rIns="0" bIns="0"/>
+          <a:lstStyle/>
           <a:p>
             <a:endParaRPr/>
           </a:p>
@@ -1849,11 +2056,14 @@
       </p:sp>
     </p:spTree>
   </p:cSld>
+  <p:clrMapOvr>
+    <a:masterClrMapping/>
+  </p:clrMapOvr>
 </p:sldLayout>
 </file>
 
 <file path=ppt/slideLayouts/slideLayout28.xml><?xml version="1.0" encoding="utf-8"?>
-<p:sldLayout xmlns:a="http://schemas.openxmlformats.org/drawingml/2006/main" xmlns:p="http://schemas.openxmlformats.org/presentationml/2006/main" xmlns:r="http://schemas.openxmlformats.org/officeDocument/2006/relationships" type="twoObj" preserve="1">
+<p:sldLayout xmlns:a="http://schemas.openxmlformats.org/drawingml/2006/main" xmlns:r="http://schemas.openxmlformats.org/officeDocument/2006/relationships" xmlns:p="http://schemas.openxmlformats.org/presentationml/2006/main" type="twoObj" preserve="1">
   <p:cSld name="Title, 2 Content">
     <p:spTree>
       <p:nvGrpSpPr>
@@ -1889,7 +2099,8 @@
           </a:prstGeom>
         </p:spPr>
         <p:txBody>
-          <a:bodyPr lIns="0" rIns="0" tIns="0" bIns="0" anchor="ctr"/>
+          <a:bodyPr lIns="0" tIns="0" rIns="0" bIns="0" anchor="ctr"/>
+          <a:lstStyle/>
           <a:p>
             <a:pPr algn="ctr"/>
             <a:endParaRPr/>
@@ -1916,7 +2127,8 @@
           </a:prstGeom>
         </p:spPr>
         <p:txBody>
-          <a:bodyPr lIns="0" rIns="0" tIns="0" bIns="0"/>
+          <a:bodyPr lIns="0" tIns="0" rIns="0" bIns="0"/>
+          <a:lstStyle/>
           <a:p>
             <a:endParaRPr/>
           </a:p>
@@ -1942,7 +2154,8 @@
           </a:prstGeom>
         </p:spPr>
         <p:txBody>
-          <a:bodyPr lIns="0" rIns="0" tIns="0" bIns="0"/>
+          <a:bodyPr lIns="0" tIns="0" rIns="0" bIns="0"/>
+          <a:lstStyle/>
           <a:p>
             <a:endParaRPr/>
           </a:p>
@@ -1950,11 +2163,14 @@
       </p:sp>
     </p:spTree>
   </p:cSld>
+  <p:clrMapOvr>
+    <a:masterClrMapping/>
+  </p:clrMapOvr>
 </p:sldLayout>
 </file>
 
 <file path=ppt/slideLayouts/slideLayout29.xml><?xml version="1.0" encoding="utf-8"?>
-<p:sldLayout xmlns:a="http://schemas.openxmlformats.org/drawingml/2006/main" xmlns:p="http://schemas.openxmlformats.org/presentationml/2006/main" xmlns:r="http://schemas.openxmlformats.org/officeDocument/2006/relationships" type="titleOnly" preserve="1">
+<p:sldLayout xmlns:a="http://schemas.openxmlformats.org/drawingml/2006/main" xmlns:r="http://schemas.openxmlformats.org/officeDocument/2006/relationships" xmlns:p="http://schemas.openxmlformats.org/presentationml/2006/main" type="titleOnly" preserve="1">
   <p:cSld name="Title Only">
     <p:spTree>
       <p:nvGrpSpPr>
@@ -1990,7 +2206,8 @@
           </a:prstGeom>
         </p:spPr>
         <p:txBody>
-          <a:bodyPr lIns="0" rIns="0" tIns="0" bIns="0" anchor="ctr"/>
+          <a:bodyPr lIns="0" tIns="0" rIns="0" bIns="0" anchor="ctr"/>
+          <a:lstStyle/>
           <a:p>
             <a:pPr algn="ctr"/>
             <a:endParaRPr/>
@@ -1999,11 +2216,14 @@
       </p:sp>
     </p:spTree>
   </p:cSld>
+  <p:clrMapOvr>
+    <a:masterClrMapping/>
+  </p:clrMapOvr>
 </p:sldLayout>
 </file>
 
 <file path=ppt/slideLayouts/slideLayout3.xml><?xml version="1.0" encoding="utf-8"?>
-<p:sldLayout xmlns:a="http://schemas.openxmlformats.org/drawingml/2006/main" xmlns:p="http://schemas.openxmlformats.org/presentationml/2006/main" xmlns:r="http://schemas.openxmlformats.org/officeDocument/2006/relationships" type="obj" preserve="1">
+<p:sldLayout xmlns:a="http://schemas.openxmlformats.org/drawingml/2006/main" xmlns:r="http://schemas.openxmlformats.org/officeDocument/2006/relationships" xmlns:p="http://schemas.openxmlformats.org/presentationml/2006/main" type="obj" preserve="1">
   <p:cSld name="Title, Content">
     <p:spTree>
       <p:nvGrpSpPr>
@@ -2039,7 +2259,8 @@
           </a:prstGeom>
         </p:spPr>
         <p:txBody>
-          <a:bodyPr lIns="0" rIns="0" tIns="0" bIns="0" anchor="ctr"/>
+          <a:bodyPr lIns="0" tIns="0" rIns="0" bIns="0" anchor="ctr"/>
+          <a:lstStyle/>
           <a:p>
             <a:pPr algn="ctr"/>
             <a:endParaRPr/>
@@ -2066,7 +2287,8 @@
           </a:prstGeom>
         </p:spPr>
         <p:txBody>
-          <a:bodyPr lIns="0" rIns="0" tIns="0" bIns="0"/>
+          <a:bodyPr lIns="0" tIns="0" rIns="0" bIns="0"/>
+          <a:lstStyle/>
           <a:p>
             <a:endParaRPr/>
           </a:p>
@@ -2074,11 +2296,14 @@
       </p:sp>
     </p:spTree>
   </p:cSld>
+  <p:clrMapOvr>
+    <a:masterClrMapping/>
+  </p:clrMapOvr>
 </p:sldLayout>
 </file>
 
 <file path=ppt/slideLayouts/slideLayout30.xml><?xml version="1.0" encoding="utf-8"?>
-<p:sldLayout xmlns:a="http://schemas.openxmlformats.org/drawingml/2006/main" xmlns:p="http://schemas.openxmlformats.org/presentationml/2006/main" xmlns:r="http://schemas.openxmlformats.org/officeDocument/2006/relationships" type="objOnly" preserve="1">
+<p:sldLayout xmlns:a="http://schemas.openxmlformats.org/drawingml/2006/main" xmlns:r="http://schemas.openxmlformats.org/officeDocument/2006/relationships" xmlns:p="http://schemas.openxmlformats.org/presentationml/2006/main" type="objOnly" preserve="1">
   <p:cSld name="Centered Text">
     <p:spTree>
       <p:nvGrpSpPr>
@@ -2114,7 +2339,8 @@
           </a:prstGeom>
         </p:spPr>
         <p:txBody>
-          <a:bodyPr lIns="0" rIns="0" tIns="0" bIns="0" anchor="ctr"/>
+          <a:bodyPr lIns="0" tIns="0" rIns="0" bIns="0" anchor="ctr"/>
+          <a:lstStyle/>
           <a:p>
             <a:pPr algn="ctr"/>
             <a:endParaRPr/>
@@ -2123,11 +2349,14 @@
       </p:sp>
     </p:spTree>
   </p:cSld>
+  <p:clrMapOvr>
+    <a:masterClrMapping/>
+  </p:clrMapOvr>
 </p:sldLayout>
 </file>
 
 <file path=ppt/slideLayouts/slideLayout31.xml><?xml version="1.0" encoding="utf-8"?>
-<p:sldLayout xmlns:a="http://schemas.openxmlformats.org/drawingml/2006/main" xmlns:p="http://schemas.openxmlformats.org/presentationml/2006/main" xmlns:r="http://schemas.openxmlformats.org/officeDocument/2006/relationships" type="twoObjAndObj" preserve="1">
+<p:sldLayout xmlns:a="http://schemas.openxmlformats.org/drawingml/2006/main" xmlns:r="http://schemas.openxmlformats.org/officeDocument/2006/relationships" xmlns:p="http://schemas.openxmlformats.org/presentationml/2006/main" type="twoObjAndObj" preserve="1">
   <p:cSld name="Title, 2 Content and Content">
     <p:spTree>
       <p:nvGrpSpPr>
@@ -2163,7 +2392,8 @@
           </a:prstGeom>
         </p:spPr>
         <p:txBody>
-          <a:bodyPr lIns="0" rIns="0" tIns="0" bIns="0" anchor="ctr"/>
+          <a:bodyPr lIns="0" tIns="0" rIns="0" bIns="0" anchor="ctr"/>
+          <a:lstStyle/>
           <a:p>
             <a:pPr algn="ctr"/>
             <a:endParaRPr/>
@@ -2190,7 +2420,8 @@
           </a:prstGeom>
         </p:spPr>
         <p:txBody>
-          <a:bodyPr lIns="0" rIns="0" tIns="0" bIns="0"/>
+          <a:bodyPr lIns="0" tIns="0" rIns="0" bIns="0"/>
+          <a:lstStyle/>
           <a:p>
             <a:endParaRPr/>
           </a:p>
@@ -2216,7 +2447,8 @@
           </a:prstGeom>
         </p:spPr>
         <p:txBody>
-          <a:bodyPr lIns="0" rIns="0" tIns="0" bIns="0"/>
+          <a:bodyPr lIns="0" tIns="0" rIns="0" bIns="0"/>
+          <a:lstStyle/>
           <a:p>
             <a:endParaRPr/>
           </a:p>
@@ -2242,7 +2474,8 @@
           </a:prstGeom>
         </p:spPr>
         <p:txBody>
-          <a:bodyPr lIns="0" rIns="0" tIns="0" bIns="0"/>
+          <a:bodyPr lIns="0" tIns="0" rIns="0" bIns="0"/>
+          <a:lstStyle/>
           <a:p>
             <a:endParaRPr/>
           </a:p>
@@ -2250,11 +2483,14 @@
       </p:sp>
     </p:spTree>
   </p:cSld>
+  <p:clrMapOvr>
+    <a:masterClrMapping/>
+  </p:clrMapOvr>
 </p:sldLayout>
 </file>
 
 <file path=ppt/slideLayouts/slideLayout32.xml><?xml version="1.0" encoding="utf-8"?>
-<p:sldLayout xmlns:a="http://schemas.openxmlformats.org/drawingml/2006/main" xmlns:p="http://schemas.openxmlformats.org/presentationml/2006/main" xmlns:r="http://schemas.openxmlformats.org/officeDocument/2006/relationships" type="objAndTwoObj" preserve="1">
+<p:sldLayout xmlns:a="http://schemas.openxmlformats.org/drawingml/2006/main" xmlns:r="http://schemas.openxmlformats.org/officeDocument/2006/relationships" xmlns:p="http://schemas.openxmlformats.org/presentationml/2006/main" type="objAndTwoObj" preserve="1">
   <p:cSld name="Title Content and 2 Content">
     <p:spTree>
       <p:nvGrpSpPr>
@@ -2290,7 +2526,8 @@
           </a:prstGeom>
         </p:spPr>
         <p:txBody>
-          <a:bodyPr lIns="0" rIns="0" tIns="0" bIns="0" anchor="ctr"/>
+          <a:bodyPr lIns="0" tIns="0" rIns="0" bIns="0" anchor="ctr"/>
+          <a:lstStyle/>
           <a:p>
             <a:pPr algn="ctr"/>
             <a:endParaRPr/>
@@ -2317,7 +2554,8 @@
           </a:prstGeom>
         </p:spPr>
         <p:txBody>
-          <a:bodyPr lIns="0" rIns="0" tIns="0" bIns="0"/>
+          <a:bodyPr lIns="0" tIns="0" rIns="0" bIns="0"/>
+          <a:lstStyle/>
           <a:p>
             <a:endParaRPr/>
           </a:p>
@@ -2343,7 +2581,8 @@
           </a:prstGeom>
         </p:spPr>
         <p:txBody>
-          <a:bodyPr lIns="0" rIns="0" tIns="0" bIns="0"/>
+          <a:bodyPr lIns="0" tIns="0" rIns="0" bIns="0"/>
+          <a:lstStyle/>
           <a:p>
             <a:endParaRPr/>
           </a:p>
@@ -2369,7 +2608,8 @@
           </a:prstGeom>
         </p:spPr>
         <p:txBody>
-          <a:bodyPr lIns="0" rIns="0" tIns="0" bIns="0"/>
+          <a:bodyPr lIns="0" tIns="0" rIns="0" bIns="0"/>
+          <a:lstStyle/>
           <a:p>
             <a:endParaRPr/>
           </a:p>
@@ -2377,11 +2617,14 @@
       </p:sp>
     </p:spTree>
   </p:cSld>
+  <p:clrMapOvr>
+    <a:masterClrMapping/>
+  </p:clrMapOvr>
 </p:sldLayout>
 </file>
 
 <file path=ppt/slideLayouts/slideLayout33.xml><?xml version="1.0" encoding="utf-8"?>
-<p:sldLayout xmlns:a="http://schemas.openxmlformats.org/drawingml/2006/main" xmlns:p="http://schemas.openxmlformats.org/presentationml/2006/main" xmlns:r="http://schemas.openxmlformats.org/officeDocument/2006/relationships" type="twoObjOverTx" preserve="1">
+<p:sldLayout xmlns:a="http://schemas.openxmlformats.org/drawingml/2006/main" xmlns:r="http://schemas.openxmlformats.org/officeDocument/2006/relationships" xmlns:p="http://schemas.openxmlformats.org/presentationml/2006/main" type="twoObjOverTx" preserve="1">
   <p:cSld name="Title, 2 Content over Content">
     <p:spTree>
       <p:nvGrpSpPr>
@@ -2417,7 +2660,8 @@
           </a:prstGeom>
         </p:spPr>
         <p:txBody>
-          <a:bodyPr lIns="0" rIns="0" tIns="0" bIns="0" anchor="ctr"/>
+          <a:bodyPr lIns="0" tIns="0" rIns="0" bIns="0" anchor="ctr"/>
+          <a:lstStyle/>
           <a:p>
             <a:pPr algn="ctr"/>
             <a:endParaRPr/>
@@ -2444,7 +2688,8 @@
           </a:prstGeom>
         </p:spPr>
         <p:txBody>
-          <a:bodyPr lIns="0" rIns="0" tIns="0" bIns="0"/>
+          <a:bodyPr lIns="0" tIns="0" rIns="0" bIns="0"/>
+          <a:lstStyle/>
           <a:p>
             <a:endParaRPr/>
           </a:p>
@@ -2470,7 +2715,8 @@
           </a:prstGeom>
         </p:spPr>
         <p:txBody>
-          <a:bodyPr lIns="0" rIns="0" tIns="0" bIns="0"/>
+          <a:bodyPr lIns="0" tIns="0" rIns="0" bIns="0"/>
+          <a:lstStyle/>
           <a:p>
             <a:endParaRPr/>
           </a:p>
@@ -2496,7 +2742,8 @@
           </a:prstGeom>
         </p:spPr>
         <p:txBody>
-          <a:bodyPr lIns="0" rIns="0" tIns="0" bIns="0"/>
+          <a:bodyPr lIns="0" tIns="0" rIns="0" bIns="0"/>
+          <a:lstStyle/>
           <a:p>
             <a:endParaRPr/>
           </a:p>
@@ -2504,11 +2751,14 @@
       </p:sp>
     </p:spTree>
   </p:cSld>
+  <p:clrMapOvr>
+    <a:masterClrMapping/>
+  </p:clrMapOvr>
 </p:sldLayout>
 </file>
 
 <file path=ppt/slideLayouts/slideLayout34.xml><?xml version="1.0" encoding="utf-8"?>
-<p:sldLayout xmlns:a="http://schemas.openxmlformats.org/drawingml/2006/main" xmlns:p="http://schemas.openxmlformats.org/presentationml/2006/main" xmlns:r="http://schemas.openxmlformats.org/officeDocument/2006/relationships" type="objOverTx" preserve="1">
+<p:sldLayout xmlns:a="http://schemas.openxmlformats.org/drawingml/2006/main" xmlns:r="http://schemas.openxmlformats.org/officeDocument/2006/relationships" xmlns:p="http://schemas.openxmlformats.org/presentationml/2006/main" type="objOverTx" preserve="1">
   <p:cSld name="Title, Content over Content">
     <p:spTree>
       <p:nvGrpSpPr>
@@ -2544,7 +2794,8 @@
           </a:prstGeom>
         </p:spPr>
         <p:txBody>
-          <a:bodyPr lIns="0" rIns="0" tIns="0" bIns="0" anchor="ctr"/>
+          <a:bodyPr lIns="0" tIns="0" rIns="0" bIns="0" anchor="ctr"/>
+          <a:lstStyle/>
           <a:p>
             <a:pPr algn="ctr"/>
             <a:endParaRPr/>
@@ -2571,7 +2822,8 @@
           </a:prstGeom>
         </p:spPr>
         <p:txBody>
-          <a:bodyPr lIns="0" rIns="0" tIns="0" bIns="0"/>
+          <a:bodyPr lIns="0" tIns="0" rIns="0" bIns="0"/>
+          <a:lstStyle/>
           <a:p>
             <a:endParaRPr/>
           </a:p>
@@ -2597,7 +2849,8 @@
           </a:prstGeom>
         </p:spPr>
         <p:txBody>
-          <a:bodyPr lIns="0" rIns="0" tIns="0" bIns="0"/>
+          <a:bodyPr lIns="0" tIns="0" rIns="0" bIns="0"/>
+          <a:lstStyle/>
           <a:p>
             <a:endParaRPr/>
           </a:p>
@@ -2605,11 +2858,14 @@
       </p:sp>
     </p:spTree>
   </p:cSld>
+  <p:clrMapOvr>
+    <a:masterClrMapping/>
+  </p:clrMapOvr>
 </p:sldLayout>
 </file>
 
 <file path=ppt/slideLayouts/slideLayout35.xml><?xml version="1.0" encoding="utf-8"?>
-<p:sldLayout xmlns:a="http://schemas.openxmlformats.org/drawingml/2006/main" xmlns:p="http://schemas.openxmlformats.org/presentationml/2006/main" xmlns:r="http://schemas.openxmlformats.org/officeDocument/2006/relationships" type="fourObj" preserve="1">
+<p:sldLayout xmlns:a="http://schemas.openxmlformats.org/drawingml/2006/main" xmlns:r="http://schemas.openxmlformats.org/officeDocument/2006/relationships" xmlns:p="http://schemas.openxmlformats.org/presentationml/2006/main" type="fourObj" preserve="1">
   <p:cSld name="Title, 4 Content">
     <p:spTree>
       <p:nvGrpSpPr>
@@ -2645,7 +2901,8 @@
           </a:prstGeom>
         </p:spPr>
         <p:txBody>
-          <a:bodyPr lIns="0" rIns="0" tIns="0" bIns="0" anchor="ctr"/>
+          <a:bodyPr lIns="0" tIns="0" rIns="0" bIns="0" anchor="ctr"/>
+          <a:lstStyle/>
           <a:p>
             <a:pPr algn="ctr"/>
             <a:endParaRPr/>
@@ -2672,7 +2929,8 @@
           </a:prstGeom>
         </p:spPr>
         <p:txBody>
-          <a:bodyPr lIns="0" rIns="0" tIns="0" bIns="0"/>
+          <a:bodyPr lIns="0" tIns="0" rIns="0" bIns="0"/>
+          <a:lstStyle/>
           <a:p>
             <a:endParaRPr/>
           </a:p>
@@ -2698,7 +2956,8 @@
           </a:prstGeom>
         </p:spPr>
         <p:txBody>
-          <a:bodyPr lIns="0" rIns="0" tIns="0" bIns="0"/>
+          <a:bodyPr lIns="0" tIns="0" rIns="0" bIns="0"/>
+          <a:lstStyle/>
           <a:p>
             <a:endParaRPr/>
           </a:p>
@@ -2724,7 +2983,8 @@
           </a:prstGeom>
         </p:spPr>
         <p:txBody>
-          <a:bodyPr lIns="0" rIns="0" tIns="0" bIns="0"/>
+          <a:bodyPr lIns="0" tIns="0" rIns="0" bIns="0"/>
+          <a:lstStyle/>
           <a:p>
             <a:endParaRPr/>
           </a:p>
@@ -2750,7 +3010,8 @@
           </a:prstGeom>
         </p:spPr>
         <p:txBody>
-          <a:bodyPr lIns="0" rIns="0" tIns="0" bIns="0"/>
+          <a:bodyPr lIns="0" tIns="0" rIns="0" bIns="0"/>
+          <a:lstStyle/>
           <a:p>
             <a:endParaRPr/>
           </a:p>
@@ -2758,11 +3019,14 @@
       </p:sp>
     </p:spTree>
   </p:cSld>
+  <p:clrMapOvr>
+    <a:masterClrMapping/>
+  </p:clrMapOvr>
 </p:sldLayout>
 </file>
 
 <file path=ppt/slideLayouts/slideLayout36.xml><?xml version="1.0" encoding="utf-8"?>
-<p:sldLayout xmlns:a="http://schemas.openxmlformats.org/drawingml/2006/main" xmlns:p="http://schemas.openxmlformats.org/presentationml/2006/main" xmlns:r="http://schemas.openxmlformats.org/officeDocument/2006/relationships" type="blank" preserve="1">
+<p:sldLayout xmlns:a="http://schemas.openxmlformats.org/drawingml/2006/main" xmlns:r="http://schemas.openxmlformats.org/officeDocument/2006/relationships" xmlns:p="http://schemas.openxmlformats.org/presentationml/2006/main" type="blank" preserve="1">
   <p:cSld name="Title, 6 Content">
     <p:spTree>
       <p:nvGrpSpPr>
@@ -2798,7 +3062,8 @@
           </a:prstGeom>
         </p:spPr>
         <p:txBody>
-          <a:bodyPr lIns="0" rIns="0" tIns="0" bIns="0" anchor="ctr"/>
+          <a:bodyPr lIns="0" tIns="0" rIns="0" bIns="0" anchor="ctr"/>
+          <a:lstStyle/>
           <a:p>
             <a:pPr algn="ctr"/>
             <a:endParaRPr/>
@@ -2825,7 +3090,8 @@
           </a:prstGeom>
         </p:spPr>
         <p:txBody>
-          <a:bodyPr lIns="0" rIns="0" tIns="0" bIns="0"/>
+          <a:bodyPr lIns="0" tIns="0" rIns="0" bIns="0"/>
+          <a:lstStyle/>
           <a:p>
             <a:endParaRPr/>
           </a:p>
@@ -2851,7 +3117,8 @@
           </a:prstGeom>
         </p:spPr>
         <p:txBody>
-          <a:bodyPr lIns="0" rIns="0" tIns="0" bIns="0"/>
+          <a:bodyPr lIns="0" tIns="0" rIns="0" bIns="0"/>
+          <a:lstStyle/>
           <a:p>
             <a:endParaRPr/>
           </a:p>
@@ -2859,7 +3126,7 @@
       </p:sp>
       <p:pic>
         <p:nvPicPr>
-          <p:cNvPr id="106" name="" descr=""/>
+          <p:cNvPr id="106" name="图片 105"/>
           <p:cNvPicPr/>
           <p:nvPr/>
         </p:nvPicPr>
@@ -2884,12 +3151,12 @@
       </p:pic>
       <p:pic>
         <p:nvPicPr>
-          <p:cNvPr id="107" name="" descr=""/>
+          <p:cNvPr id="107" name="图片 106"/>
           <p:cNvPicPr/>
           <p:nvPr/>
         </p:nvPicPr>
         <p:blipFill>
-          <a:blip r:embed="rId3"/>
+          <a:blip r:embed="rId2"/>
           <a:stretch>
             <a:fillRect/>
           </a:stretch>
@@ -2909,184 +3176,14 @@
       </p:pic>
     </p:spTree>
   </p:cSld>
-</p:sldLayout>
-</file>
-
-<file path=ppt/slideLayouts/slideLayout37.xml><?xml version="1.0" encoding="utf-8"?>
-<p:sldLayout xmlns:a="http://schemas.openxmlformats.org/drawingml/2006/main" xmlns:p="http://schemas.openxmlformats.org/presentationml/2006/main" xmlns:r="http://schemas.openxmlformats.org/officeDocument/2006/relationships" type="blank" preserve="1">
-  <p:cSld name="Blank Slide">
-    <p:spTree>
-      <p:nvGrpSpPr>
-        <p:cNvPr id="1" name=""/>
-        <p:cNvGrpSpPr/>
-        <p:nvPr/>
-      </p:nvGrpSpPr>
-      <p:grpSpPr>
-        <a:xfrm>
-          <a:off x="0" y="0"/>
-          <a:ext cx="0" cy="0"/>
-          <a:chOff x="0" y="0"/>
-          <a:chExt cx="0" cy="0"/>
-        </a:xfrm>
-      </p:grpSpPr>
-    </p:spTree>
-  </p:cSld>
-</p:sldLayout>
-</file>
-
-<file path=ppt/slideLayouts/slideLayout38.xml><?xml version="1.0" encoding="utf-8"?>
-<p:sldLayout xmlns:a="http://schemas.openxmlformats.org/drawingml/2006/main" xmlns:p="http://schemas.openxmlformats.org/presentationml/2006/main" xmlns:r="http://schemas.openxmlformats.org/officeDocument/2006/relationships" type="tx" preserve="1">
-  <p:cSld name="Title Slide">
-    <p:spTree>
-      <p:nvGrpSpPr>
-        <p:cNvPr id="1" name=""/>
-        <p:cNvGrpSpPr/>
-        <p:nvPr/>
-      </p:nvGrpSpPr>
-      <p:grpSpPr>
-        <a:xfrm>
-          <a:off x="0" y="0"/>
-          <a:ext cx="0" cy="0"/>
-          <a:chOff x="0" y="0"/>
-          <a:chExt cx="0" cy="0"/>
-        </a:xfrm>
-      </p:grpSpPr>
-      <p:sp>
-        <p:nvSpPr>
-          <p:cNvPr id="110" name="PlaceHolder 1"/>
-          <p:cNvSpPr>
-            <a:spLocks noGrp="1"/>
-          </p:cNvSpPr>
-          <p:nvPr>
-            <p:ph type="title"/>
-          </p:nvPr>
-        </p:nvSpPr>
-        <p:spPr>
-          <a:xfrm>
-            <a:off x="504000" y="301320"/>
-            <a:ext cx="9072000" cy="1262160"/>
-          </a:xfrm>
-          <a:prstGeom prst="rect">
-            <a:avLst/>
-          </a:prstGeom>
-        </p:spPr>
-        <p:txBody>
-          <a:bodyPr lIns="0" rIns="0" tIns="0" bIns="0" anchor="ctr"/>
-          <a:p>
-            <a:pPr algn="ctr"/>
-            <a:endParaRPr/>
-          </a:p>
-        </p:txBody>
-      </p:sp>
-      <p:sp>
-        <p:nvSpPr>
-          <p:cNvPr id="111" name="PlaceHolder 2"/>
-          <p:cNvSpPr>
-            <a:spLocks noGrp="1"/>
-          </p:cNvSpPr>
-          <p:nvPr>
-            <p:ph type="subTitle"/>
-          </p:nvPr>
-        </p:nvSpPr>
-        <p:spPr>
-          <a:xfrm>
-            <a:off x="504000" y="1768680"/>
-            <a:ext cx="9072000" cy="4384440"/>
-          </a:xfrm>
-          <a:prstGeom prst="rect">
-            <a:avLst/>
-          </a:prstGeom>
-        </p:spPr>
-        <p:txBody>
-          <a:bodyPr lIns="0" rIns="0" tIns="0" bIns="0" anchor="ctr"/>
-          <a:p>
-            <a:pPr algn="ctr"/>
-            <a:endParaRPr/>
-          </a:p>
-        </p:txBody>
-      </p:sp>
-    </p:spTree>
-  </p:cSld>
-</p:sldLayout>
-</file>
-
-<file path=ppt/slideLayouts/slideLayout39.xml><?xml version="1.0" encoding="utf-8"?>
-<p:sldLayout xmlns:a="http://schemas.openxmlformats.org/drawingml/2006/main" xmlns:p="http://schemas.openxmlformats.org/presentationml/2006/main" xmlns:r="http://schemas.openxmlformats.org/officeDocument/2006/relationships" type="obj" preserve="1">
-  <p:cSld name="Title, Content">
-    <p:spTree>
-      <p:nvGrpSpPr>
-        <p:cNvPr id="1" name=""/>
-        <p:cNvGrpSpPr/>
-        <p:nvPr/>
-      </p:nvGrpSpPr>
-      <p:grpSpPr>
-        <a:xfrm>
-          <a:off x="0" y="0"/>
-          <a:ext cx="0" cy="0"/>
-          <a:chOff x="0" y="0"/>
-          <a:chExt cx="0" cy="0"/>
-        </a:xfrm>
-      </p:grpSpPr>
-      <p:sp>
-        <p:nvSpPr>
-          <p:cNvPr id="112" name="PlaceHolder 1"/>
-          <p:cNvSpPr>
-            <a:spLocks noGrp="1"/>
-          </p:cNvSpPr>
-          <p:nvPr>
-            <p:ph type="title"/>
-          </p:nvPr>
-        </p:nvSpPr>
-        <p:spPr>
-          <a:xfrm>
-            <a:off x="504000" y="301320"/>
-            <a:ext cx="9072000" cy="1262160"/>
-          </a:xfrm>
-          <a:prstGeom prst="rect">
-            <a:avLst/>
-          </a:prstGeom>
-        </p:spPr>
-        <p:txBody>
-          <a:bodyPr lIns="0" rIns="0" tIns="0" bIns="0" anchor="ctr"/>
-          <a:p>
-            <a:pPr algn="ctr"/>
-            <a:endParaRPr/>
-          </a:p>
-        </p:txBody>
-      </p:sp>
-      <p:sp>
-        <p:nvSpPr>
-          <p:cNvPr id="113" name="PlaceHolder 2"/>
-          <p:cNvSpPr>
-            <a:spLocks noGrp="1"/>
-          </p:cNvSpPr>
-          <p:nvPr>
-            <p:ph type="body"/>
-          </p:nvPr>
-        </p:nvSpPr>
-        <p:spPr>
-          <a:xfrm>
-            <a:off x="504000" y="1768680"/>
-            <a:ext cx="9072000" cy="4384080"/>
-          </a:xfrm>
-          <a:prstGeom prst="rect">
-            <a:avLst/>
-          </a:prstGeom>
-        </p:spPr>
-        <p:txBody>
-          <a:bodyPr lIns="0" rIns="0" tIns="0" bIns="0"/>
-          <a:p>
-            <a:endParaRPr/>
-          </a:p>
-        </p:txBody>
-      </p:sp>
-    </p:spTree>
-  </p:cSld>
+  <p:clrMapOvr>
+    <a:masterClrMapping/>
+  </p:clrMapOvr>
 </p:sldLayout>
 </file>
 
 <file path=ppt/slideLayouts/slideLayout4.xml><?xml version="1.0" encoding="utf-8"?>
-<p:sldLayout xmlns:a="http://schemas.openxmlformats.org/drawingml/2006/main" xmlns:p="http://schemas.openxmlformats.org/presentationml/2006/main" xmlns:r="http://schemas.openxmlformats.org/officeDocument/2006/relationships" type="twoObj" preserve="1">
+<p:sldLayout xmlns:a="http://schemas.openxmlformats.org/drawingml/2006/main" xmlns:r="http://schemas.openxmlformats.org/officeDocument/2006/relationships" xmlns:p="http://schemas.openxmlformats.org/presentationml/2006/main" type="twoObj" preserve="1">
   <p:cSld name="Title, 2 Content">
     <p:spTree>
       <p:nvGrpSpPr>
@@ -3122,7 +3219,8 @@
           </a:prstGeom>
         </p:spPr>
         <p:txBody>
-          <a:bodyPr lIns="0" rIns="0" tIns="0" bIns="0" anchor="ctr"/>
+          <a:bodyPr lIns="0" tIns="0" rIns="0" bIns="0" anchor="ctr"/>
+          <a:lstStyle/>
           <a:p>
             <a:pPr algn="ctr"/>
             <a:endParaRPr/>
@@ -3149,7 +3247,8 @@
           </a:prstGeom>
         </p:spPr>
         <p:txBody>
-          <a:bodyPr lIns="0" rIns="0" tIns="0" bIns="0"/>
+          <a:bodyPr lIns="0" tIns="0" rIns="0" bIns="0"/>
+          <a:lstStyle/>
           <a:p>
             <a:endParaRPr/>
           </a:p>
@@ -3175,7 +3274,8 @@
           </a:prstGeom>
         </p:spPr>
         <p:txBody>
-          <a:bodyPr lIns="0" rIns="0" tIns="0" bIns="0"/>
+          <a:bodyPr lIns="0" tIns="0" rIns="0" bIns="0"/>
+          <a:lstStyle/>
           <a:p>
             <a:endParaRPr/>
           </a:p>
@@ -3183,112 +3283,14 @@
       </p:sp>
     </p:spTree>
   </p:cSld>
+  <p:clrMapOvr>
+    <a:masterClrMapping/>
+  </p:clrMapOvr>
 </p:sldLayout>
 </file>
 
-<file path=ppt/slideLayouts/slideLayout40.xml><?xml version="1.0" encoding="utf-8"?>
-<p:sldLayout xmlns:a="http://schemas.openxmlformats.org/drawingml/2006/main" xmlns:p="http://schemas.openxmlformats.org/presentationml/2006/main" xmlns:r="http://schemas.openxmlformats.org/officeDocument/2006/relationships" type="twoObj" preserve="1">
-  <p:cSld name="Title, 2 Content">
-    <p:spTree>
-      <p:nvGrpSpPr>
-        <p:cNvPr id="1" name=""/>
-        <p:cNvGrpSpPr/>
-        <p:nvPr/>
-      </p:nvGrpSpPr>
-      <p:grpSpPr>
-        <a:xfrm>
-          <a:off x="0" y="0"/>
-          <a:ext cx="0" cy="0"/>
-          <a:chOff x="0" y="0"/>
-          <a:chExt cx="0" cy="0"/>
-        </a:xfrm>
-      </p:grpSpPr>
-      <p:sp>
-        <p:nvSpPr>
-          <p:cNvPr id="114" name="PlaceHolder 1"/>
-          <p:cNvSpPr>
-            <a:spLocks noGrp="1"/>
-          </p:cNvSpPr>
-          <p:nvPr>
-            <p:ph type="title"/>
-          </p:nvPr>
-        </p:nvSpPr>
-        <p:spPr>
-          <a:xfrm>
-            <a:off x="504000" y="301320"/>
-            <a:ext cx="9072000" cy="1262160"/>
-          </a:xfrm>
-          <a:prstGeom prst="rect">
-            <a:avLst/>
-          </a:prstGeom>
-        </p:spPr>
-        <p:txBody>
-          <a:bodyPr lIns="0" rIns="0" tIns="0" bIns="0" anchor="ctr"/>
-          <a:p>
-            <a:pPr algn="ctr"/>
-            <a:endParaRPr/>
-          </a:p>
-        </p:txBody>
-      </p:sp>
-      <p:sp>
-        <p:nvSpPr>
-          <p:cNvPr id="115" name="PlaceHolder 2"/>
-          <p:cNvSpPr>
-            <a:spLocks noGrp="1"/>
-          </p:cNvSpPr>
-          <p:nvPr>
-            <p:ph type="body"/>
-          </p:nvPr>
-        </p:nvSpPr>
-        <p:spPr>
-          <a:xfrm>
-            <a:off x="504000" y="1768680"/>
-            <a:ext cx="4426920" cy="4384080"/>
-          </a:xfrm>
-          <a:prstGeom prst="rect">
-            <a:avLst/>
-          </a:prstGeom>
-        </p:spPr>
-        <p:txBody>
-          <a:bodyPr lIns="0" rIns="0" tIns="0" bIns="0"/>
-          <a:p>
-            <a:endParaRPr/>
-          </a:p>
-        </p:txBody>
-      </p:sp>
-      <p:sp>
-        <p:nvSpPr>
-          <p:cNvPr id="116" name="PlaceHolder 3"/>
-          <p:cNvSpPr>
-            <a:spLocks noGrp="1"/>
-          </p:cNvSpPr>
-          <p:nvPr>
-            <p:ph type="body"/>
-          </p:nvPr>
-        </p:nvSpPr>
-        <p:spPr>
-          <a:xfrm>
-            <a:off x="5152680" y="1768680"/>
-            <a:ext cx="4426920" cy="4384080"/>
-          </a:xfrm>
-          <a:prstGeom prst="rect">
-            <a:avLst/>
-          </a:prstGeom>
-        </p:spPr>
-        <p:txBody>
-          <a:bodyPr lIns="0" rIns="0" tIns="0" bIns="0"/>
-          <a:p>
-            <a:endParaRPr/>
-          </a:p>
-        </p:txBody>
-      </p:sp>
-    </p:spTree>
-  </p:cSld>
-</p:sldLayout>
-</file>
-
-<file path=ppt/slideLayouts/slideLayout41.xml><?xml version="1.0" encoding="utf-8"?>
-<p:sldLayout xmlns:a="http://schemas.openxmlformats.org/drawingml/2006/main" xmlns:p="http://schemas.openxmlformats.org/presentationml/2006/main" xmlns:r="http://schemas.openxmlformats.org/officeDocument/2006/relationships" type="titleOnly" preserve="1">
+<file path=ppt/slideLayouts/slideLayout5.xml><?xml version="1.0" encoding="utf-8"?>
+<p:sldLayout xmlns:a="http://schemas.openxmlformats.org/drawingml/2006/main" xmlns:r="http://schemas.openxmlformats.org/officeDocument/2006/relationships" xmlns:p="http://schemas.openxmlformats.org/presentationml/2006/main" type="titleOnly" preserve="1">
   <p:cSld name="Title Only">
     <p:spTree>
       <p:nvGrpSpPr>
@@ -3306,7 +3308,7 @@
       </p:grpSpPr>
       <p:sp>
         <p:nvSpPr>
-          <p:cNvPr id="117" name="PlaceHolder 1"/>
+          <p:cNvPr id="9" name="PlaceHolder 1"/>
           <p:cNvSpPr>
             <a:spLocks noGrp="1"/>
           </p:cNvSpPr>
@@ -3324,7 +3326,8 @@
           </a:prstGeom>
         </p:spPr>
         <p:txBody>
-          <a:bodyPr lIns="0" rIns="0" tIns="0" bIns="0" anchor="ctr"/>
+          <a:bodyPr lIns="0" tIns="0" rIns="0" bIns="0" anchor="ctr"/>
+          <a:lstStyle/>
           <a:p>
             <a:pPr algn="ctr"/>
             <a:endParaRPr/>
@@ -3333,11 +3336,14 @@
       </p:sp>
     </p:spTree>
   </p:cSld>
+  <p:clrMapOvr>
+    <a:masterClrMapping/>
+  </p:clrMapOvr>
 </p:sldLayout>
 </file>
 
-<file path=ppt/slideLayouts/slideLayout42.xml><?xml version="1.0" encoding="utf-8"?>
-<p:sldLayout xmlns:a="http://schemas.openxmlformats.org/drawingml/2006/main" xmlns:p="http://schemas.openxmlformats.org/presentationml/2006/main" xmlns:r="http://schemas.openxmlformats.org/officeDocument/2006/relationships" type="objOnly" preserve="1">
+<file path=ppt/slideLayouts/slideLayout6.xml><?xml version="1.0" encoding="utf-8"?>
+<p:sldLayout xmlns:a="http://schemas.openxmlformats.org/drawingml/2006/main" xmlns:r="http://schemas.openxmlformats.org/officeDocument/2006/relationships" xmlns:p="http://schemas.openxmlformats.org/presentationml/2006/main" type="objOnly" preserve="1">
   <p:cSld name="Centered Text">
     <p:spTree>
       <p:nvGrpSpPr>
@@ -3355,7 +3361,7 @@
       </p:grpSpPr>
       <p:sp>
         <p:nvSpPr>
-          <p:cNvPr id="118" name="PlaceHolder 1"/>
+          <p:cNvPr id="10" name="PlaceHolder 1"/>
           <p:cNvSpPr>
             <a:spLocks noGrp="1"/>
           </p:cNvSpPr>
@@ -3373,7 +3379,8 @@
           </a:prstGeom>
         </p:spPr>
         <p:txBody>
-          <a:bodyPr lIns="0" rIns="0" tIns="0" bIns="0" anchor="ctr"/>
+          <a:bodyPr lIns="0" tIns="0" rIns="0" bIns="0" anchor="ctr"/>
+          <a:lstStyle/>
           <a:p>
             <a:pPr algn="ctr"/>
             <a:endParaRPr/>
@@ -3382,11 +3389,14 @@
       </p:sp>
     </p:spTree>
   </p:cSld>
+  <p:clrMapOvr>
+    <a:masterClrMapping/>
+  </p:clrMapOvr>
 </p:sldLayout>
 </file>
 
-<file path=ppt/slideLayouts/slideLayout43.xml><?xml version="1.0" encoding="utf-8"?>
-<p:sldLayout xmlns:a="http://schemas.openxmlformats.org/drawingml/2006/main" xmlns:p="http://schemas.openxmlformats.org/presentationml/2006/main" xmlns:r="http://schemas.openxmlformats.org/officeDocument/2006/relationships" type="twoObjAndObj" preserve="1">
+<file path=ppt/slideLayouts/slideLayout7.xml><?xml version="1.0" encoding="utf-8"?>
+<p:sldLayout xmlns:a="http://schemas.openxmlformats.org/drawingml/2006/main" xmlns:r="http://schemas.openxmlformats.org/officeDocument/2006/relationships" xmlns:p="http://schemas.openxmlformats.org/presentationml/2006/main" type="twoObjAndObj" preserve="1">
   <p:cSld name="Title, 2 Content and Content">
     <p:spTree>
       <p:nvGrpSpPr>
@@ -3404,7 +3414,7 @@
       </p:grpSpPr>
       <p:sp>
         <p:nvSpPr>
-          <p:cNvPr id="119" name="PlaceHolder 1"/>
+          <p:cNvPr id="11" name="PlaceHolder 1"/>
           <p:cNvSpPr>
             <a:spLocks noGrp="1"/>
           </p:cNvSpPr>
@@ -3422,7 +3432,8 @@
           </a:prstGeom>
         </p:spPr>
         <p:txBody>
-          <a:bodyPr lIns="0" rIns="0" tIns="0" bIns="0" anchor="ctr"/>
+          <a:bodyPr lIns="0" tIns="0" rIns="0" bIns="0" anchor="ctr"/>
+          <a:lstStyle/>
           <a:p>
             <a:pPr algn="ctr"/>
             <a:endParaRPr/>
@@ -3431,7 +3442,7 @@
       </p:sp>
       <p:sp>
         <p:nvSpPr>
-          <p:cNvPr id="120" name="PlaceHolder 2"/>
+          <p:cNvPr id="12" name="PlaceHolder 2"/>
           <p:cNvSpPr>
             <a:spLocks noGrp="1"/>
           </p:cNvSpPr>
@@ -3449,15 +3460,16 @@
           </a:prstGeom>
         </p:spPr>
         <p:txBody>
-          <a:bodyPr lIns="0" rIns="0" tIns="0" bIns="0"/>
-          <a:p>
-            <a:endParaRPr/>
-          </a:p>
-        </p:txBody>
-      </p:sp>
-      <p:sp>
-        <p:nvSpPr>
-          <p:cNvPr id="121" name="PlaceHolder 3"/>
+          <a:bodyPr lIns="0" tIns="0" rIns="0" bIns="0"/>
+          <a:lstStyle/>
+          <a:p>
+            <a:endParaRPr/>
+          </a:p>
+        </p:txBody>
+      </p:sp>
+      <p:sp>
+        <p:nvSpPr>
+          <p:cNvPr id="13" name="PlaceHolder 3"/>
           <p:cNvSpPr>
             <a:spLocks noGrp="1"/>
           </p:cNvSpPr>
@@ -3475,15 +3487,16 @@
           </a:prstGeom>
         </p:spPr>
         <p:txBody>
-          <a:bodyPr lIns="0" rIns="0" tIns="0" bIns="0"/>
-          <a:p>
-            <a:endParaRPr/>
-          </a:p>
-        </p:txBody>
-      </p:sp>
-      <p:sp>
-        <p:nvSpPr>
-          <p:cNvPr id="122" name="PlaceHolder 4"/>
+          <a:bodyPr lIns="0" tIns="0" rIns="0" bIns="0"/>
+          <a:lstStyle/>
+          <a:p>
+            <a:endParaRPr/>
+          </a:p>
+        </p:txBody>
+      </p:sp>
+      <p:sp>
+        <p:nvSpPr>
+          <p:cNvPr id="14" name="PlaceHolder 4"/>
           <p:cNvSpPr>
             <a:spLocks noGrp="1"/>
           </p:cNvSpPr>
@@ -3501,7 +3514,8 @@
           </a:prstGeom>
         </p:spPr>
         <p:txBody>
-          <a:bodyPr lIns="0" rIns="0" tIns="0" bIns="0"/>
+          <a:bodyPr lIns="0" tIns="0" rIns="0" bIns="0"/>
+          <a:lstStyle/>
           <a:p>
             <a:endParaRPr/>
           </a:p>
@@ -3509,11 +3523,14 @@
       </p:sp>
     </p:spTree>
   </p:cSld>
+  <p:clrMapOvr>
+    <a:masterClrMapping/>
+  </p:clrMapOvr>
 </p:sldLayout>
 </file>
 
-<file path=ppt/slideLayouts/slideLayout44.xml><?xml version="1.0" encoding="utf-8"?>
-<p:sldLayout xmlns:a="http://schemas.openxmlformats.org/drawingml/2006/main" xmlns:p="http://schemas.openxmlformats.org/presentationml/2006/main" xmlns:r="http://schemas.openxmlformats.org/officeDocument/2006/relationships" type="objAndTwoObj" preserve="1">
+<file path=ppt/slideLayouts/slideLayout8.xml><?xml version="1.0" encoding="utf-8"?>
+<p:sldLayout xmlns:a="http://schemas.openxmlformats.org/drawingml/2006/main" xmlns:r="http://schemas.openxmlformats.org/officeDocument/2006/relationships" xmlns:p="http://schemas.openxmlformats.org/presentationml/2006/main" type="objAndTwoObj" preserve="1">
   <p:cSld name="Title Content and 2 Content">
     <p:spTree>
       <p:nvGrpSpPr>
@@ -3531,7 +3548,7 @@
       </p:grpSpPr>
       <p:sp>
         <p:nvSpPr>
-          <p:cNvPr id="123" name="PlaceHolder 1"/>
+          <p:cNvPr id="15" name="PlaceHolder 1"/>
           <p:cNvSpPr>
             <a:spLocks noGrp="1"/>
           </p:cNvSpPr>
@@ -3549,7 +3566,8 @@
           </a:prstGeom>
         </p:spPr>
         <p:txBody>
-          <a:bodyPr lIns="0" rIns="0" tIns="0" bIns="0" anchor="ctr"/>
+          <a:bodyPr lIns="0" tIns="0" rIns="0" bIns="0" anchor="ctr"/>
+          <a:lstStyle/>
           <a:p>
             <a:pPr algn="ctr"/>
             <a:endParaRPr/>
@@ -3558,7 +3576,7 @@
       </p:sp>
       <p:sp>
         <p:nvSpPr>
-          <p:cNvPr id="124" name="PlaceHolder 2"/>
+          <p:cNvPr id="16" name="PlaceHolder 2"/>
           <p:cNvSpPr>
             <a:spLocks noGrp="1"/>
           </p:cNvSpPr>
@@ -3576,15 +3594,16 @@
           </a:prstGeom>
         </p:spPr>
         <p:txBody>
-          <a:bodyPr lIns="0" rIns="0" tIns="0" bIns="0"/>
-          <a:p>
-            <a:endParaRPr/>
-          </a:p>
-        </p:txBody>
-      </p:sp>
-      <p:sp>
-        <p:nvSpPr>
-          <p:cNvPr id="125" name="PlaceHolder 3"/>
+          <a:bodyPr lIns="0" tIns="0" rIns="0" bIns="0"/>
+          <a:lstStyle/>
+          <a:p>
+            <a:endParaRPr/>
+          </a:p>
+        </p:txBody>
+      </p:sp>
+      <p:sp>
+        <p:nvSpPr>
+          <p:cNvPr id="17" name="PlaceHolder 3"/>
           <p:cNvSpPr>
             <a:spLocks noGrp="1"/>
           </p:cNvSpPr>
@@ -3602,15 +3621,16 @@
           </a:prstGeom>
         </p:spPr>
         <p:txBody>
-          <a:bodyPr lIns="0" rIns="0" tIns="0" bIns="0"/>
-          <a:p>
-            <a:endParaRPr/>
-          </a:p>
-        </p:txBody>
-      </p:sp>
-      <p:sp>
-        <p:nvSpPr>
-          <p:cNvPr id="126" name="PlaceHolder 4"/>
+          <a:bodyPr lIns="0" tIns="0" rIns="0" bIns="0"/>
+          <a:lstStyle/>
+          <a:p>
+            <a:endParaRPr/>
+          </a:p>
+        </p:txBody>
+      </p:sp>
+      <p:sp>
+        <p:nvSpPr>
+          <p:cNvPr id="18" name="PlaceHolder 4"/>
           <p:cNvSpPr>
             <a:spLocks noGrp="1"/>
           </p:cNvSpPr>
@@ -3628,7 +3648,8 @@
           </a:prstGeom>
         </p:spPr>
         <p:txBody>
-          <a:bodyPr lIns="0" rIns="0" tIns="0" bIns="0"/>
+          <a:bodyPr lIns="0" tIns="0" rIns="0" bIns="0"/>
+          <a:lstStyle/>
           <a:p>
             <a:endParaRPr/>
           </a:p>
@@ -3636,11 +3657,14 @@
       </p:sp>
     </p:spTree>
   </p:cSld>
+  <p:clrMapOvr>
+    <a:masterClrMapping/>
+  </p:clrMapOvr>
 </p:sldLayout>
 </file>
 
-<file path=ppt/slideLayouts/slideLayout45.xml><?xml version="1.0" encoding="utf-8"?>
-<p:sldLayout xmlns:a="http://schemas.openxmlformats.org/drawingml/2006/main" xmlns:p="http://schemas.openxmlformats.org/presentationml/2006/main" xmlns:r="http://schemas.openxmlformats.org/officeDocument/2006/relationships" type="twoObjOverTx" preserve="1">
+<file path=ppt/slideLayouts/slideLayout9.xml><?xml version="1.0" encoding="utf-8"?>
+<p:sldLayout xmlns:a="http://schemas.openxmlformats.org/drawingml/2006/main" xmlns:r="http://schemas.openxmlformats.org/officeDocument/2006/relationships" xmlns:p="http://schemas.openxmlformats.org/presentationml/2006/main" type="twoObjOverTx" preserve="1">
   <p:cSld name="Title, 2 Content over Content">
     <p:spTree>
       <p:nvGrpSpPr>
@@ -3658,7 +3682,7 @@
       </p:grpSpPr>
       <p:sp>
         <p:nvSpPr>
-          <p:cNvPr id="127" name="PlaceHolder 1"/>
+          <p:cNvPr id="19" name="PlaceHolder 1"/>
           <p:cNvSpPr>
             <a:spLocks noGrp="1"/>
           </p:cNvSpPr>
@@ -3676,7 +3700,8 @@
           </a:prstGeom>
         </p:spPr>
         <p:txBody>
-          <a:bodyPr lIns="0" rIns="0" tIns="0" bIns="0" anchor="ctr"/>
+          <a:bodyPr lIns="0" tIns="0" rIns="0" bIns="0" anchor="ctr"/>
+          <a:lstStyle/>
           <a:p>
             <a:pPr algn="ctr"/>
             <a:endParaRPr/>
@@ -3685,7 +3710,7 @@
       </p:sp>
       <p:sp>
         <p:nvSpPr>
-          <p:cNvPr id="128" name="PlaceHolder 2"/>
+          <p:cNvPr id="20" name="PlaceHolder 2"/>
           <p:cNvSpPr>
             <a:spLocks noGrp="1"/>
           </p:cNvSpPr>
@@ -3703,15 +3728,16 @@
           </a:prstGeom>
         </p:spPr>
         <p:txBody>
-          <a:bodyPr lIns="0" rIns="0" tIns="0" bIns="0"/>
-          <a:p>
-            <a:endParaRPr/>
-          </a:p>
-        </p:txBody>
-      </p:sp>
-      <p:sp>
-        <p:nvSpPr>
-          <p:cNvPr id="129" name="PlaceHolder 3"/>
+          <a:bodyPr lIns="0" tIns="0" rIns="0" bIns="0"/>
+          <a:lstStyle/>
+          <a:p>
+            <a:endParaRPr/>
+          </a:p>
+        </p:txBody>
+      </p:sp>
+      <p:sp>
+        <p:nvSpPr>
+          <p:cNvPr id="21" name="PlaceHolder 3"/>
           <p:cNvSpPr>
             <a:spLocks noGrp="1"/>
           </p:cNvSpPr>
@@ -3729,15 +3755,16 @@
           </a:prstGeom>
         </p:spPr>
         <p:txBody>
-          <a:bodyPr lIns="0" rIns="0" tIns="0" bIns="0"/>
-          <a:p>
-            <a:endParaRPr/>
-          </a:p>
-        </p:txBody>
-      </p:sp>
-      <p:sp>
-        <p:nvSpPr>
-          <p:cNvPr id="130" name="PlaceHolder 4"/>
+          <a:bodyPr lIns="0" tIns="0" rIns="0" bIns="0"/>
+          <a:lstStyle/>
+          <a:p>
+            <a:endParaRPr/>
+          </a:p>
+        </p:txBody>
+      </p:sp>
+      <p:sp>
+        <p:nvSpPr>
+          <p:cNvPr id="22" name="PlaceHolder 4"/>
           <p:cNvSpPr>
             <a:spLocks noGrp="1"/>
           </p:cNvSpPr>
@@ -3755,7 +3782,8 @@
           </a:prstGeom>
         </p:spPr>
         <p:txBody>
-          <a:bodyPr lIns="0" rIns="0" tIns="0" bIns="0"/>
+          <a:bodyPr lIns="0" tIns="0" rIns="0" bIns="0"/>
+          <a:lstStyle/>
           <a:p>
             <a:endParaRPr/>
           </a:p>
@@ -3763,12 +3791,20 @@
       </p:sp>
     </p:spTree>
   </p:cSld>
+  <p:clrMapOvr>
+    <a:masterClrMapping/>
+  </p:clrMapOvr>
 </p:sldLayout>
 </file>
 
-<file path=ppt/slideLayouts/slideLayout46.xml><?xml version="1.0" encoding="utf-8"?>
-<p:sldLayout xmlns:a="http://schemas.openxmlformats.org/drawingml/2006/main" xmlns:p="http://schemas.openxmlformats.org/presentationml/2006/main" xmlns:r="http://schemas.openxmlformats.org/officeDocument/2006/relationships" type="objOverTx" preserve="1">
-  <p:cSld name="Title, Content over Content">
+<file path=ppt/slideMasters/slideMaster1.xml><?xml version="1.0" encoding="utf-8"?>
+<p:sldMaster xmlns:a="http://schemas.openxmlformats.org/drawingml/2006/main" xmlns:r="http://schemas.openxmlformats.org/officeDocument/2006/relationships" xmlns:p="http://schemas.openxmlformats.org/presentationml/2006/main">
+  <p:cSld>
+    <p:bg>
+      <p:bgRef idx="1001">
+        <a:schemeClr val="bg1"/>
+      </p:bgRef>
+    </p:bg>
     <p:spTree>
       <p:nvGrpSpPr>
         <p:cNvPr id="1" name=""/>
@@ -3785,7 +3821,7 @@
       </p:grpSpPr>
       <p:sp>
         <p:nvSpPr>
-          <p:cNvPr id="131" name="PlaceHolder 1"/>
+          <p:cNvPr id="2" name="PlaceHolder 1"/>
           <p:cNvSpPr>
             <a:spLocks noGrp="1"/>
           </p:cNvSpPr>
@@ -3796,23 +3832,29 @@
         <p:spPr>
           <a:xfrm>
             <a:off x="504000" y="301320"/>
-            <a:ext cx="9072000" cy="1262160"/>
-          </a:xfrm>
-          <a:prstGeom prst="rect">
-            <a:avLst/>
-          </a:prstGeom>
-        </p:spPr>
-        <p:txBody>
-          <a:bodyPr lIns="0" rIns="0" tIns="0" bIns="0" anchor="ctr"/>
-          <a:p>
-            <a:pPr algn="ctr"/>
-            <a:endParaRPr/>
-          </a:p>
-        </p:txBody>
-      </p:sp>
-      <p:sp>
-        <p:nvSpPr>
-          <p:cNvPr id="132" name="PlaceHolder 2"/>
+            <a:ext cx="9071280" cy="1262160"/>
+          </a:xfrm>
+          <a:prstGeom prst="rect">
+            <a:avLst/>
+          </a:prstGeom>
+        </p:spPr>
+        <p:txBody>
+          <a:bodyPr lIns="0" tIns="0" rIns="0" bIns="0" anchor="ctr"/>
+          <a:lstStyle/>
+          <a:p>
+            <a:r>
+              <a:rPr lang="en-US">
+                <a:latin typeface="Arial"/>
+              </a:rPr>
+              <a:t>Click to edit the title text format</a:t>
+            </a:r>
+            <a:endParaRPr/>
+          </a:p>
+        </p:txBody>
+      </p:sp>
+      <p:sp>
+        <p:nvSpPr>
+          <p:cNvPr id="3" name="PlaceHolder 2"/>
           <p:cNvSpPr>
             <a:spLocks noGrp="1"/>
           </p:cNvSpPr>
@@ -3823,53 +3865,423 @@
         <p:spPr>
           <a:xfrm>
             <a:off x="504000" y="1768680"/>
-            <a:ext cx="9072000" cy="2090880"/>
-          </a:xfrm>
-          <a:prstGeom prst="rect">
-            <a:avLst/>
-          </a:prstGeom>
-        </p:spPr>
-        <p:txBody>
-          <a:bodyPr lIns="0" rIns="0" tIns="0" bIns="0"/>
-          <a:p>
-            <a:endParaRPr/>
-          </a:p>
-        </p:txBody>
-      </p:sp>
-      <p:sp>
-        <p:nvSpPr>
-          <p:cNvPr id="133" name="PlaceHolder 3"/>
-          <p:cNvSpPr>
-            <a:spLocks noGrp="1"/>
-          </p:cNvSpPr>
-          <p:nvPr>
-            <p:ph type="body"/>
-          </p:nvPr>
-        </p:nvSpPr>
-        <p:spPr>
-          <a:xfrm>
-            <a:off x="504000" y="4058640"/>
-            <a:ext cx="9072000" cy="2090880"/>
-          </a:xfrm>
-          <a:prstGeom prst="rect">
-            <a:avLst/>
-          </a:prstGeom>
-        </p:spPr>
-        <p:txBody>
-          <a:bodyPr lIns="0" rIns="0" tIns="0" bIns="0"/>
-          <a:p>
+            <a:ext cx="9072000" cy="4384080"/>
+          </a:xfrm>
+          <a:prstGeom prst="rect">
+            <a:avLst/>
+          </a:prstGeom>
+        </p:spPr>
+        <p:txBody>
+          <a:bodyPr lIns="0" tIns="0" rIns="0" bIns="0"/>
+          <a:lstStyle/>
+          <a:p>
+            <a:pPr>
+              <a:buSzPct val="45000"/>
+              <a:buFont typeface="StarSymbol"/>
+              <a:buChar char=""/>
+            </a:pPr>
+            <a:r>
+              <a:rPr lang="en-US" sz="3200">
+                <a:latin typeface="Arial"/>
+              </a:rPr>
+              <a:t>Click to edit the outline text format</a:t>
+            </a:r>
+            <a:endParaRPr/>
+          </a:p>
+          <a:p>
+            <a:pPr lvl="1">
+              <a:buSzPct val="75000"/>
+              <a:buFont typeface="StarSymbol"/>
+              <a:buChar char=""/>
+            </a:pPr>
+            <a:r>
+              <a:rPr lang="en-US" sz="2800">
+                <a:latin typeface="Arial"/>
+              </a:rPr>
+              <a:t>Second Outline Level</a:t>
+            </a:r>
+            <a:endParaRPr/>
+          </a:p>
+          <a:p>
+            <a:pPr lvl="2">
+              <a:buSzPct val="45000"/>
+              <a:buFont typeface="StarSymbol"/>
+              <a:buChar char=""/>
+            </a:pPr>
+            <a:r>
+              <a:rPr lang="en-US" sz="2400">
+                <a:latin typeface="Arial"/>
+              </a:rPr>
+              <a:t>Third Outline Level</a:t>
+            </a:r>
+            <a:endParaRPr/>
+          </a:p>
+          <a:p>
+            <a:pPr lvl="3">
+              <a:buSzPct val="75000"/>
+              <a:buFont typeface="StarSymbol"/>
+              <a:buChar char=""/>
+            </a:pPr>
+            <a:r>
+              <a:rPr lang="en-US" sz="2000">
+                <a:latin typeface="Arial"/>
+              </a:rPr>
+              <a:t>Fourth Outline Level</a:t>
+            </a:r>
+            <a:endParaRPr/>
+          </a:p>
+          <a:p>
+            <a:pPr lvl="4">
+              <a:buSzPct val="45000"/>
+              <a:buFont typeface="StarSymbol"/>
+              <a:buChar char=""/>
+            </a:pPr>
+            <a:r>
+              <a:rPr lang="en-US" sz="2000">
+                <a:latin typeface="Arial"/>
+              </a:rPr>
+              <a:t>Fifth Outline Level</a:t>
+            </a:r>
+            <a:endParaRPr/>
+          </a:p>
+          <a:p>
+            <a:pPr lvl="5">
+              <a:buSzPct val="45000"/>
+              <a:buFont typeface="StarSymbol"/>
+              <a:buChar char=""/>
+            </a:pPr>
+            <a:r>
+              <a:rPr lang="en-US" sz="2000">
+                <a:latin typeface="Arial"/>
+              </a:rPr>
+              <a:t>Sixth Outline Level</a:t>
+            </a:r>
+            <a:endParaRPr/>
+          </a:p>
+          <a:p>
+            <a:pPr lvl="6">
+              <a:buSzPct val="45000"/>
+              <a:buFont typeface="StarSymbol"/>
+              <a:buChar char=""/>
+            </a:pPr>
+            <a:r>
+              <a:rPr lang="en-US" sz="2000">
+                <a:latin typeface="Arial"/>
+              </a:rPr>
+              <a:t>Seventh Outline Level</a:t>
+            </a:r>
             <a:endParaRPr/>
           </a:p>
         </p:txBody>
       </p:sp>
     </p:spTree>
   </p:cSld>
-</p:sldLayout>
+  <p:clrMap bg1="lt1" tx1="dk1" bg2="lt2" tx2="dk2" accent1="accent1" accent2="accent2" accent3="accent3" accent4="accent4" accent5="accent5" accent6="accent6" hlink="hlink" folHlink="folHlink"/>
+  <p:sldLayoutIdLst>
+    <p:sldLayoutId id="2147483649" r:id="rId1"/>
+    <p:sldLayoutId id="2147483650" r:id="rId2"/>
+    <p:sldLayoutId id="2147483651" r:id="rId3"/>
+    <p:sldLayoutId id="2147483652" r:id="rId4"/>
+    <p:sldLayoutId id="2147483653" r:id="rId5"/>
+    <p:sldLayoutId id="2147483654" r:id="rId6"/>
+    <p:sldLayoutId id="2147483655" r:id="rId7"/>
+    <p:sldLayoutId id="2147483656" r:id="rId8"/>
+    <p:sldLayoutId id="2147483657" r:id="rId9"/>
+    <p:sldLayoutId id="2147483658" r:id="rId10"/>
+    <p:sldLayoutId id="2147483659" r:id="rId11"/>
+    <p:sldLayoutId id="2147483660" r:id="rId12"/>
+  </p:sldLayoutIdLst>
+  <p:txStyles>
+    <p:titleStyle>
+      <a:lvl1pPr algn="l" defTabSz="914400" rtl="0" eaLnBrk="1" latinLnBrk="0" hangingPunct="1">
+        <a:lnSpc>
+          <a:spcPct val="90000"/>
+        </a:lnSpc>
+        <a:spcBef>
+          <a:spcPct val="0"/>
+        </a:spcBef>
+        <a:buNone/>
+        <a:defRPr sz="4400" kern="1200">
+          <a:solidFill>
+            <a:schemeClr val="tx1"/>
+          </a:solidFill>
+          <a:latin typeface="+mj-lt"/>
+          <a:ea typeface="+mj-ea"/>
+          <a:cs typeface="+mj-cs"/>
+        </a:defRPr>
+      </a:lvl1pPr>
+    </p:titleStyle>
+    <p:bodyStyle>
+      <a:lvl1pPr marL="228600" indent="-228600" algn="l" defTabSz="914400" rtl="0" eaLnBrk="1" latinLnBrk="0" hangingPunct="1">
+        <a:lnSpc>
+          <a:spcPct val="90000"/>
+        </a:lnSpc>
+        <a:spcBef>
+          <a:spcPts val="1000"/>
+        </a:spcBef>
+        <a:buFont typeface="Arial" panose="020B0604020202020204" pitchFamily="34" charset="0"/>
+        <a:buChar char="•"/>
+        <a:defRPr sz="2800" kern="1200">
+          <a:solidFill>
+            <a:schemeClr val="tx1"/>
+          </a:solidFill>
+          <a:latin typeface="+mn-lt"/>
+          <a:ea typeface="+mn-ea"/>
+          <a:cs typeface="+mn-cs"/>
+        </a:defRPr>
+      </a:lvl1pPr>
+      <a:lvl2pPr marL="685800" indent="-228600" algn="l" defTabSz="914400" rtl="0" eaLnBrk="1" latinLnBrk="0" hangingPunct="1">
+        <a:lnSpc>
+          <a:spcPct val="90000"/>
+        </a:lnSpc>
+        <a:spcBef>
+          <a:spcPts val="500"/>
+        </a:spcBef>
+        <a:buFont typeface="Arial" panose="020B0604020202020204" pitchFamily="34" charset="0"/>
+        <a:buChar char="•"/>
+        <a:defRPr sz="2400" kern="1200">
+          <a:solidFill>
+            <a:schemeClr val="tx1"/>
+          </a:solidFill>
+          <a:latin typeface="+mn-lt"/>
+          <a:ea typeface="+mn-ea"/>
+          <a:cs typeface="+mn-cs"/>
+        </a:defRPr>
+      </a:lvl2pPr>
+      <a:lvl3pPr marL="1143000" indent="-228600" algn="l" defTabSz="914400" rtl="0" eaLnBrk="1" latinLnBrk="0" hangingPunct="1">
+        <a:lnSpc>
+          <a:spcPct val="90000"/>
+        </a:lnSpc>
+        <a:spcBef>
+          <a:spcPts val="500"/>
+        </a:spcBef>
+        <a:buFont typeface="Arial" panose="020B0604020202020204" pitchFamily="34" charset="0"/>
+        <a:buChar char="•"/>
+        <a:defRPr sz="2000" kern="1200">
+          <a:solidFill>
+            <a:schemeClr val="tx1"/>
+          </a:solidFill>
+          <a:latin typeface="+mn-lt"/>
+          <a:ea typeface="+mn-ea"/>
+          <a:cs typeface="+mn-cs"/>
+        </a:defRPr>
+      </a:lvl3pPr>
+      <a:lvl4pPr marL="1600200" indent="-228600" algn="l" defTabSz="914400" rtl="0" eaLnBrk="1" latinLnBrk="0" hangingPunct="1">
+        <a:lnSpc>
+          <a:spcPct val="90000"/>
+        </a:lnSpc>
+        <a:spcBef>
+          <a:spcPts val="500"/>
+        </a:spcBef>
+        <a:buFont typeface="Arial" panose="020B0604020202020204" pitchFamily="34" charset="0"/>
+        <a:buChar char="•"/>
+        <a:defRPr sz="1800" kern="1200">
+          <a:solidFill>
+            <a:schemeClr val="tx1"/>
+          </a:solidFill>
+          <a:latin typeface="+mn-lt"/>
+          <a:ea typeface="+mn-ea"/>
+          <a:cs typeface="+mn-cs"/>
+        </a:defRPr>
+      </a:lvl4pPr>
+      <a:lvl5pPr marL="2057400" indent="-228600" algn="l" defTabSz="914400" rtl="0" eaLnBrk="1" latinLnBrk="0" hangingPunct="1">
+        <a:lnSpc>
+          <a:spcPct val="90000"/>
+        </a:lnSpc>
+        <a:spcBef>
+          <a:spcPts val="500"/>
+        </a:spcBef>
+        <a:buFont typeface="Arial" panose="020B0604020202020204" pitchFamily="34" charset="0"/>
+        <a:buChar char="•"/>
+        <a:defRPr sz="1800" kern="1200">
+          <a:solidFill>
+            <a:schemeClr val="tx1"/>
+          </a:solidFill>
+          <a:latin typeface="+mn-lt"/>
+          <a:ea typeface="+mn-ea"/>
+          <a:cs typeface="+mn-cs"/>
+        </a:defRPr>
+      </a:lvl5pPr>
+      <a:lvl6pPr marL="2514600" indent="-228600" algn="l" defTabSz="914400" rtl="0" eaLnBrk="1" latinLnBrk="0" hangingPunct="1">
+        <a:lnSpc>
+          <a:spcPct val="90000"/>
+        </a:lnSpc>
+        <a:spcBef>
+          <a:spcPts val="500"/>
+        </a:spcBef>
+        <a:buFont typeface="Arial" panose="020B0604020202020204" pitchFamily="34" charset="0"/>
+        <a:buChar char="•"/>
+        <a:defRPr sz="1800" kern="1200">
+          <a:solidFill>
+            <a:schemeClr val="tx1"/>
+          </a:solidFill>
+          <a:latin typeface="+mn-lt"/>
+          <a:ea typeface="+mn-ea"/>
+          <a:cs typeface="+mn-cs"/>
+        </a:defRPr>
+      </a:lvl6pPr>
+      <a:lvl7pPr marL="2971800" indent="-228600" algn="l" defTabSz="914400" rtl="0" eaLnBrk="1" latinLnBrk="0" hangingPunct="1">
+        <a:lnSpc>
+          <a:spcPct val="90000"/>
+        </a:lnSpc>
+        <a:spcBef>
+          <a:spcPts val="500"/>
+        </a:spcBef>
+        <a:buFont typeface="Arial" panose="020B0604020202020204" pitchFamily="34" charset="0"/>
+        <a:buChar char="•"/>
+        <a:defRPr sz="1800" kern="1200">
+          <a:solidFill>
+            <a:schemeClr val="tx1"/>
+          </a:solidFill>
+          <a:latin typeface="+mn-lt"/>
+          <a:ea typeface="+mn-ea"/>
+          <a:cs typeface="+mn-cs"/>
+        </a:defRPr>
+      </a:lvl7pPr>
+      <a:lvl8pPr marL="3429000" indent="-228600" algn="l" defTabSz="914400" rtl="0" eaLnBrk="1" latinLnBrk="0" hangingPunct="1">
+        <a:lnSpc>
+          <a:spcPct val="90000"/>
+        </a:lnSpc>
+        <a:spcBef>
+          <a:spcPts val="500"/>
+        </a:spcBef>
+        <a:buFont typeface="Arial" panose="020B0604020202020204" pitchFamily="34" charset="0"/>
+        <a:buChar char="•"/>
+        <a:defRPr sz="1800" kern="1200">
+          <a:solidFill>
+            <a:schemeClr val="tx1"/>
+          </a:solidFill>
+          <a:latin typeface="+mn-lt"/>
+          <a:ea typeface="+mn-ea"/>
+          <a:cs typeface="+mn-cs"/>
+        </a:defRPr>
+      </a:lvl8pPr>
+      <a:lvl9pPr marL="3886200" indent="-228600" algn="l" defTabSz="914400" rtl="0" eaLnBrk="1" latinLnBrk="0" hangingPunct="1">
+        <a:lnSpc>
+          <a:spcPct val="90000"/>
+        </a:lnSpc>
+        <a:spcBef>
+          <a:spcPts val="500"/>
+        </a:spcBef>
+        <a:buFont typeface="Arial" panose="020B0604020202020204" pitchFamily="34" charset="0"/>
+        <a:buChar char="•"/>
+        <a:defRPr sz="1800" kern="1200">
+          <a:solidFill>
+            <a:schemeClr val="tx1"/>
+          </a:solidFill>
+          <a:latin typeface="+mn-lt"/>
+          <a:ea typeface="+mn-ea"/>
+          <a:cs typeface="+mn-cs"/>
+        </a:defRPr>
+      </a:lvl9pPr>
+    </p:bodyStyle>
+    <p:otherStyle>
+      <a:defPPr>
+        <a:defRPr lang="zh-CN"/>
+      </a:defPPr>
+      <a:lvl1pPr marL="0" algn="l" defTabSz="914400" rtl="0" eaLnBrk="1" latinLnBrk="0" hangingPunct="1">
+        <a:defRPr sz="1800" kern="1200">
+          <a:solidFill>
+            <a:schemeClr val="tx1"/>
+          </a:solidFill>
+          <a:latin typeface="+mn-lt"/>
+          <a:ea typeface="+mn-ea"/>
+          <a:cs typeface="+mn-cs"/>
+        </a:defRPr>
+      </a:lvl1pPr>
+      <a:lvl2pPr marL="457200" algn="l" defTabSz="914400" rtl="0" eaLnBrk="1" latinLnBrk="0" hangingPunct="1">
+        <a:defRPr sz="1800" kern="1200">
+          <a:solidFill>
+            <a:schemeClr val="tx1"/>
+          </a:solidFill>
+          <a:latin typeface="+mn-lt"/>
+          <a:ea typeface="+mn-ea"/>
+          <a:cs typeface="+mn-cs"/>
+        </a:defRPr>
+      </a:lvl2pPr>
+      <a:lvl3pPr marL="914400" algn="l" defTabSz="914400" rtl="0" eaLnBrk="1" latinLnBrk="0" hangingPunct="1">
+        <a:defRPr sz="1800" kern="1200">
+          <a:solidFill>
+            <a:schemeClr val="tx1"/>
+          </a:solidFill>
+          <a:latin typeface="+mn-lt"/>
+          <a:ea typeface="+mn-ea"/>
+          <a:cs typeface="+mn-cs"/>
+        </a:defRPr>
+      </a:lvl3pPr>
+      <a:lvl4pPr marL="1371600" algn="l" defTabSz="914400" rtl="0" eaLnBrk="1" latinLnBrk="0" hangingPunct="1">
+        <a:defRPr sz="1800" kern="1200">
+          <a:solidFill>
+            <a:schemeClr val="tx1"/>
+          </a:solidFill>
+          <a:latin typeface="+mn-lt"/>
+          <a:ea typeface="+mn-ea"/>
+          <a:cs typeface="+mn-cs"/>
+        </a:defRPr>
+      </a:lvl4pPr>
+      <a:lvl5pPr marL="1828800" algn="l" defTabSz="914400" rtl="0" eaLnBrk="1" latinLnBrk="0" hangingPunct="1">
+        <a:defRPr sz="1800" kern="1200">
+          <a:solidFill>
+            <a:schemeClr val="tx1"/>
+          </a:solidFill>
+          <a:latin typeface="+mn-lt"/>
+          <a:ea typeface="+mn-ea"/>
+          <a:cs typeface="+mn-cs"/>
+        </a:defRPr>
+      </a:lvl5pPr>
+      <a:lvl6pPr marL="2286000" algn="l" defTabSz="914400" rtl="0" eaLnBrk="1" latinLnBrk="0" hangingPunct="1">
+        <a:defRPr sz="1800" kern="1200">
+          <a:solidFill>
+            <a:schemeClr val="tx1"/>
+          </a:solidFill>
+          <a:latin typeface="+mn-lt"/>
+          <a:ea typeface="+mn-ea"/>
+          <a:cs typeface="+mn-cs"/>
+        </a:defRPr>
+      </a:lvl6pPr>
+      <a:lvl7pPr marL="2743200" algn="l" defTabSz="914400" rtl="0" eaLnBrk="1" latinLnBrk="0" hangingPunct="1">
+        <a:defRPr sz="1800" kern="1200">
+          <a:solidFill>
+            <a:schemeClr val="tx1"/>
+          </a:solidFill>
+          <a:latin typeface="+mn-lt"/>
+          <a:ea typeface="+mn-ea"/>
+          <a:cs typeface="+mn-cs"/>
+        </a:defRPr>
+      </a:lvl7pPr>
+      <a:lvl8pPr marL="3200400" algn="l" defTabSz="914400" rtl="0" eaLnBrk="1" latinLnBrk="0" hangingPunct="1">
+        <a:defRPr sz="1800" kern="1200">
+          <a:solidFill>
+            <a:schemeClr val="tx1"/>
+          </a:solidFill>
+          <a:latin typeface="+mn-lt"/>
+          <a:ea typeface="+mn-ea"/>
+          <a:cs typeface="+mn-cs"/>
+        </a:defRPr>
+      </a:lvl8pPr>
+      <a:lvl9pPr marL="3657600" algn="l" defTabSz="914400" rtl="0" eaLnBrk="1" latinLnBrk="0" hangingPunct="1">
+        <a:defRPr sz="1800" kern="1200">
+          <a:solidFill>
+            <a:schemeClr val="tx1"/>
+          </a:solidFill>
+          <a:latin typeface="+mn-lt"/>
+          <a:ea typeface="+mn-ea"/>
+          <a:cs typeface="+mn-cs"/>
+        </a:defRPr>
+      </a:lvl9pPr>
+    </p:otherStyle>
+  </p:txStyles>
+</p:sldMaster>
 </file>
 
-<file path=ppt/slideLayouts/slideLayout47.xml><?xml version="1.0" encoding="utf-8"?>
-<p:sldLayout xmlns:a="http://schemas.openxmlformats.org/drawingml/2006/main" xmlns:p="http://schemas.openxmlformats.org/presentationml/2006/main" xmlns:r="http://schemas.openxmlformats.org/officeDocument/2006/relationships" type="fourObj" preserve="1">
-  <p:cSld name="Title, 4 Content">
+<file path=ppt/slideMasters/slideMaster2.xml><?xml version="1.0" encoding="utf-8"?>
+<p:sldMaster xmlns:a="http://schemas.openxmlformats.org/drawingml/2006/main" xmlns:r="http://schemas.openxmlformats.org/officeDocument/2006/relationships" xmlns:p="http://schemas.openxmlformats.org/presentationml/2006/main">
+  <p:cSld>
+    <p:bg>
+      <p:bgRef idx="1001">
+        <a:schemeClr val="bg1"/>
+      </p:bgRef>
+    </p:bg>
     <p:spTree>
       <p:nvGrpSpPr>
         <p:cNvPr id="1" name=""/>
@@ -3886,7 +4298,7 @@
       </p:grpSpPr>
       <p:sp>
         <p:nvSpPr>
-          <p:cNvPr id="134" name="PlaceHolder 1"/>
+          <p:cNvPr id="36" name="PlaceHolder 1"/>
           <p:cNvSpPr>
             <a:spLocks noGrp="1"/>
           </p:cNvSpPr>
@@ -3897,23 +4309,29 @@
         <p:spPr>
           <a:xfrm>
             <a:off x="504000" y="301320"/>
-            <a:ext cx="9072000" cy="1262160"/>
-          </a:xfrm>
-          <a:prstGeom prst="rect">
-            <a:avLst/>
-          </a:prstGeom>
-        </p:spPr>
-        <p:txBody>
-          <a:bodyPr lIns="0" rIns="0" tIns="0" bIns="0" anchor="ctr"/>
-          <a:p>
-            <a:pPr algn="ctr"/>
-            <a:endParaRPr/>
-          </a:p>
-        </p:txBody>
-      </p:sp>
-      <p:sp>
-        <p:nvSpPr>
-          <p:cNvPr id="135" name="PlaceHolder 2"/>
+            <a:ext cx="9071280" cy="1262160"/>
+          </a:xfrm>
+          <a:prstGeom prst="rect">
+            <a:avLst/>
+          </a:prstGeom>
+        </p:spPr>
+        <p:txBody>
+          <a:bodyPr lIns="0" tIns="0" rIns="0" bIns="0" anchor="ctr"/>
+          <a:lstStyle/>
+          <a:p>
+            <a:r>
+              <a:rPr lang="en-US">
+                <a:latin typeface="Arial"/>
+              </a:rPr>
+              <a:t>Click to edit the title text format</a:t>
+            </a:r>
+            <a:endParaRPr/>
+          </a:p>
+        </p:txBody>
+      </p:sp>
+      <p:sp>
+        <p:nvSpPr>
+          <p:cNvPr id="37" name="PlaceHolder 2"/>
           <p:cNvSpPr>
             <a:spLocks noGrp="1"/>
           </p:cNvSpPr>
@@ -3924,105 +4342,423 @@
         <p:spPr>
           <a:xfrm>
             <a:off x="504000" y="1768680"/>
-            <a:ext cx="4426920" cy="2090880"/>
-          </a:xfrm>
-          <a:prstGeom prst="rect">
-            <a:avLst/>
-          </a:prstGeom>
-        </p:spPr>
-        <p:txBody>
-          <a:bodyPr lIns="0" rIns="0" tIns="0" bIns="0"/>
-          <a:p>
-            <a:endParaRPr/>
-          </a:p>
-        </p:txBody>
-      </p:sp>
-      <p:sp>
-        <p:nvSpPr>
-          <p:cNvPr id="136" name="PlaceHolder 3"/>
-          <p:cNvSpPr>
-            <a:spLocks noGrp="1"/>
-          </p:cNvSpPr>
-          <p:nvPr>
-            <p:ph type="body"/>
-          </p:nvPr>
-        </p:nvSpPr>
-        <p:spPr>
-          <a:xfrm>
-            <a:off x="5152680" y="1768680"/>
-            <a:ext cx="4426920" cy="2090880"/>
-          </a:xfrm>
-          <a:prstGeom prst="rect">
-            <a:avLst/>
-          </a:prstGeom>
-        </p:spPr>
-        <p:txBody>
-          <a:bodyPr lIns="0" rIns="0" tIns="0" bIns="0"/>
-          <a:p>
-            <a:endParaRPr/>
-          </a:p>
-        </p:txBody>
-      </p:sp>
-      <p:sp>
-        <p:nvSpPr>
-          <p:cNvPr id="137" name="PlaceHolder 4"/>
-          <p:cNvSpPr>
-            <a:spLocks noGrp="1"/>
-          </p:cNvSpPr>
-          <p:nvPr>
-            <p:ph type="body"/>
-          </p:nvPr>
-        </p:nvSpPr>
-        <p:spPr>
-          <a:xfrm>
-            <a:off x="5152680" y="4058640"/>
-            <a:ext cx="4426920" cy="2090880"/>
-          </a:xfrm>
-          <a:prstGeom prst="rect">
-            <a:avLst/>
-          </a:prstGeom>
-        </p:spPr>
-        <p:txBody>
-          <a:bodyPr lIns="0" rIns="0" tIns="0" bIns="0"/>
-          <a:p>
-            <a:endParaRPr/>
-          </a:p>
-        </p:txBody>
-      </p:sp>
-      <p:sp>
-        <p:nvSpPr>
-          <p:cNvPr id="138" name="PlaceHolder 5"/>
-          <p:cNvSpPr>
-            <a:spLocks noGrp="1"/>
-          </p:cNvSpPr>
-          <p:nvPr>
-            <p:ph type="body"/>
-          </p:nvPr>
-        </p:nvSpPr>
-        <p:spPr>
-          <a:xfrm>
-            <a:off x="504000" y="4058640"/>
-            <a:ext cx="4426920" cy="2090880"/>
-          </a:xfrm>
-          <a:prstGeom prst="rect">
-            <a:avLst/>
-          </a:prstGeom>
-        </p:spPr>
-        <p:txBody>
-          <a:bodyPr lIns="0" rIns="0" tIns="0" bIns="0"/>
-          <a:p>
+            <a:ext cx="9072000" cy="4384080"/>
+          </a:xfrm>
+          <a:prstGeom prst="rect">
+            <a:avLst/>
+          </a:prstGeom>
+        </p:spPr>
+        <p:txBody>
+          <a:bodyPr lIns="0" tIns="0" rIns="0" bIns="0"/>
+          <a:lstStyle/>
+          <a:p>
+            <a:pPr>
+              <a:buSzPct val="45000"/>
+              <a:buFont typeface="StarSymbol"/>
+              <a:buChar char=""/>
+            </a:pPr>
+            <a:r>
+              <a:rPr lang="en-US" sz="3200">
+                <a:latin typeface="Arial"/>
+              </a:rPr>
+              <a:t>Click to edit the outline text format</a:t>
+            </a:r>
+            <a:endParaRPr/>
+          </a:p>
+          <a:p>
+            <a:pPr lvl="1">
+              <a:buSzPct val="75000"/>
+              <a:buFont typeface="StarSymbol"/>
+              <a:buChar char=""/>
+            </a:pPr>
+            <a:r>
+              <a:rPr lang="en-US" sz="2800">
+                <a:latin typeface="Arial"/>
+              </a:rPr>
+              <a:t>Second Outline Level</a:t>
+            </a:r>
+            <a:endParaRPr/>
+          </a:p>
+          <a:p>
+            <a:pPr lvl="2">
+              <a:buSzPct val="45000"/>
+              <a:buFont typeface="StarSymbol"/>
+              <a:buChar char=""/>
+            </a:pPr>
+            <a:r>
+              <a:rPr lang="en-US" sz="2400">
+                <a:latin typeface="Arial"/>
+              </a:rPr>
+              <a:t>Third Outline Level</a:t>
+            </a:r>
+            <a:endParaRPr/>
+          </a:p>
+          <a:p>
+            <a:pPr lvl="3">
+              <a:buSzPct val="75000"/>
+              <a:buFont typeface="StarSymbol"/>
+              <a:buChar char=""/>
+            </a:pPr>
+            <a:r>
+              <a:rPr lang="en-US" sz="2000">
+                <a:latin typeface="Arial"/>
+              </a:rPr>
+              <a:t>Fourth Outline Level</a:t>
+            </a:r>
+            <a:endParaRPr/>
+          </a:p>
+          <a:p>
+            <a:pPr lvl="4">
+              <a:buSzPct val="45000"/>
+              <a:buFont typeface="StarSymbol"/>
+              <a:buChar char=""/>
+            </a:pPr>
+            <a:r>
+              <a:rPr lang="en-US" sz="2000">
+                <a:latin typeface="Arial"/>
+              </a:rPr>
+              <a:t>Fifth Outline Level</a:t>
+            </a:r>
+            <a:endParaRPr/>
+          </a:p>
+          <a:p>
+            <a:pPr lvl="5">
+              <a:buSzPct val="45000"/>
+              <a:buFont typeface="StarSymbol"/>
+              <a:buChar char=""/>
+            </a:pPr>
+            <a:r>
+              <a:rPr lang="en-US" sz="2000">
+                <a:latin typeface="Arial"/>
+              </a:rPr>
+              <a:t>Sixth Outline Level</a:t>
+            </a:r>
+            <a:endParaRPr/>
+          </a:p>
+          <a:p>
+            <a:pPr lvl="6">
+              <a:buSzPct val="45000"/>
+              <a:buFont typeface="StarSymbol"/>
+              <a:buChar char=""/>
+            </a:pPr>
+            <a:r>
+              <a:rPr lang="en-US" sz="2000">
+                <a:latin typeface="Arial"/>
+              </a:rPr>
+              <a:t>Seventh Outline Level</a:t>
+            </a:r>
             <a:endParaRPr/>
           </a:p>
         </p:txBody>
       </p:sp>
     </p:spTree>
   </p:cSld>
-</p:sldLayout>
+  <p:clrMap bg1="lt1" tx1="dk1" bg2="lt2" tx2="dk2" accent1="accent1" accent2="accent2" accent3="accent3" accent4="accent4" accent5="accent5" accent6="accent6" hlink="hlink" folHlink="folHlink"/>
+  <p:sldLayoutIdLst>
+    <p:sldLayoutId id="2147483662" r:id="rId1"/>
+    <p:sldLayoutId id="2147483663" r:id="rId2"/>
+    <p:sldLayoutId id="2147483664" r:id="rId3"/>
+    <p:sldLayoutId id="2147483665" r:id="rId4"/>
+    <p:sldLayoutId id="2147483666" r:id="rId5"/>
+    <p:sldLayoutId id="2147483667" r:id="rId6"/>
+    <p:sldLayoutId id="2147483668" r:id="rId7"/>
+    <p:sldLayoutId id="2147483669" r:id="rId8"/>
+    <p:sldLayoutId id="2147483670" r:id="rId9"/>
+    <p:sldLayoutId id="2147483671" r:id="rId10"/>
+    <p:sldLayoutId id="2147483672" r:id="rId11"/>
+    <p:sldLayoutId id="2147483673" r:id="rId12"/>
+  </p:sldLayoutIdLst>
+  <p:txStyles>
+    <p:titleStyle>
+      <a:lvl1pPr algn="l" defTabSz="914400" rtl="0" eaLnBrk="1" latinLnBrk="0" hangingPunct="1">
+        <a:lnSpc>
+          <a:spcPct val="90000"/>
+        </a:lnSpc>
+        <a:spcBef>
+          <a:spcPct val="0"/>
+        </a:spcBef>
+        <a:buNone/>
+        <a:defRPr sz="4400" kern="1200">
+          <a:solidFill>
+            <a:schemeClr val="tx1"/>
+          </a:solidFill>
+          <a:latin typeface="+mj-lt"/>
+          <a:ea typeface="+mj-ea"/>
+          <a:cs typeface="+mj-cs"/>
+        </a:defRPr>
+      </a:lvl1pPr>
+    </p:titleStyle>
+    <p:bodyStyle>
+      <a:lvl1pPr marL="228600" indent="-228600" algn="l" defTabSz="914400" rtl="0" eaLnBrk="1" latinLnBrk="0" hangingPunct="1">
+        <a:lnSpc>
+          <a:spcPct val="90000"/>
+        </a:lnSpc>
+        <a:spcBef>
+          <a:spcPts val="1000"/>
+        </a:spcBef>
+        <a:buFont typeface="Arial" panose="020B0604020202020204" pitchFamily="34" charset="0"/>
+        <a:buChar char="•"/>
+        <a:defRPr sz="2800" kern="1200">
+          <a:solidFill>
+            <a:schemeClr val="tx1"/>
+          </a:solidFill>
+          <a:latin typeface="+mn-lt"/>
+          <a:ea typeface="+mn-ea"/>
+          <a:cs typeface="+mn-cs"/>
+        </a:defRPr>
+      </a:lvl1pPr>
+      <a:lvl2pPr marL="685800" indent="-228600" algn="l" defTabSz="914400" rtl="0" eaLnBrk="1" latinLnBrk="0" hangingPunct="1">
+        <a:lnSpc>
+          <a:spcPct val="90000"/>
+        </a:lnSpc>
+        <a:spcBef>
+          <a:spcPts val="500"/>
+        </a:spcBef>
+        <a:buFont typeface="Arial" panose="020B0604020202020204" pitchFamily="34" charset="0"/>
+        <a:buChar char="•"/>
+        <a:defRPr sz="2400" kern="1200">
+          <a:solidFill>
+            <a:schemeClr val="tx1"/>
+          </a:solidFill>
+          <a:latin typeface="+mn-lt"/>
+          <a:ea typeface="+mn-ea"/>
+          <a:cs typeface="+mn-cs"/>
+        </a:defRPr>
+      </a:lvl2pPr>
+      <a:lvl3pPr marL="1143000" indent="-228600" algn="l" defTabSz="914400" rtl="0" eaLnBrk="1" latinLnBrk="0" hangingPunct="1">
+        <a:lnSpc>
+          <a:spcPct val="90000"/>
+        </a:lnSpc>
+        <a:spcBef>
+          <a:spcPts val="500"/>
+        </a:spcBef>
+        <a:buFont typeface="Arial" panose="020B0604020202020204" pitchFamily="34" charset="0"/>
+        <a:buChar char="•"/>
+        <a:defRPr sz="2000" kern="1200">
+          <a:solidFill>
+            <a:schemeClr val="tx1"/>
+          </a:solidFill>
+          <a:latin typeface="+mn-lt"/>
+          <a:ea typeface="+mn-ea"/>
+          <a:cs typeface="+mn-cs"/>
+        </a:defRPr>
+      </a:lvl3pPr>
+      <a:lvl4pPr marL="1600200" indent="-228600" algn="l" defTabSz="914400" rtl="0" eaLnBrk="1" latinLnBrk="0" hangingPunct="1">
+        <a:lnSpc>
+          <a:spcPct val="90000"/>
+        </a:lnSpc>
+        <a:spcBef>
+          <a:spcPts val="500"/>
+        </a:spcBef>
+        <a:buFont typeface="Arial" panose="020B0604020202020204" pitchFamily="34" charset="0"/>
+        <a:buChar char="•"/>
+        <a:defRPr sz="1800" kern="1200">
+          <a:solidFill>
+            <a:schemeClr val="tx1"/>
+          </a:solidFill>
+          <a:latin typeface="+mn-lt"/>
+          <a:ea typeface="+mn-ea"/>
+          <a:cs typeface="+mn-cs"/>
+        </a:defRPr>
+      </a:lvl4pPr>
+      <a:lvl5pPr marL="2057400" indent="-228600" algn="l" defTabSz="914400" rtl="0" eaLnBrk="1" latinLnBrk="0" hangingPunct="1">
+        <a:lnSpc>
+          <a:spcPct val="90000"/>
+        </a:lnSpc>
+        <a:spcBef>
+          <a:spcPts val="500"/>
+        </a:spcBef>
+        <a:buFont typeface="Arial" panose="020B0604020202020204" pitchFamily="34" charset="0"/>
+        <a:buChar char="•"/>
+        <a:defRPr sz="1800" kern="1200">
+          <a:solidFill>
+            <a:schemeClr val="tx1"/>
+          </a:solidFill>
+          <a:latin typeface="+mn-lt"/>
+          <a:ea typeface="+mn-ea"/>
+          <a:cs typeface="+mn-cs"/>
+        </a:defRPr>
+      </a:lvl5pPr>
+      <a:lvl6pPr marL="2514600" indent="-228600" algn="l" defTabSz="914400" rtl="0" eaLnBrk="1" latinLnBrk="0" hangingPunct="1">
+        <a:lnSpc>
+          <a:spcPct val="90000"/>
+        </a:lnSpc>
+        <a:spcBef>
+          <a:spcPts val="500"/>
+        </a:spcBef>
+        <a:buFont typeface="Arial" panose="020B0604020202020204" pitchFamily="34" charset="0"/>
+        <a:buChar char="•"/>
+        <a:defRPr sz="1800" kern="1200">
+          <a:solidFill>
+            <a:schemeClr val="tx1"/>
+          </a:solidFill>
+          <a:latin typeface="+mn-lt"/>
+          <a:ea typeface="+mn-ea"/>
+          <a:cs typeface="+mn-cs"/>
+        </a:defRPr>
+      </a:lvl6pPr>
+      <a:lvl7pPr marL="2971800" indent="-228600" algn="l" defTabSz="914400" rtl="0" eaLnBrk="1" latinLnBrk="0" hangingPunct="1">
+        <a:lnSpc>
+          <a:spcPct val="90000"/>
+        </a:lnSpc>
+        <a:spcBef>
+          <a:spcPts val="500"/>
+        </a:spcBef>
+        <a:buFont typeface="Arial" panose="020B0604020202020204" pitchFamily="34" charset="0"/>
+        <a:buChar char="•"/>
+        <a:defRPr sz="1800" kern="1200">
+          <a:solidFill>
+            <a:schemeClr val="tx1"/>
+          </a:solidFill>
+          <a:latin typeface="+mn-lt"/>
+          <a:ea typeface="+mn-ea"/>
+          <a:cs typeface="+mn-cs"/>
+        </a:defRPr>
+      </a:lvl7pPr>
+      <a:lvl8pPr marL="3429000" indent="-228600" algn="l" defTabSz="914400" rtl="0" eaLnBrk="1" latinLnBrk="0" hangingPunct="1">
+        <a:lnSpc>
+          <a:spcPct val="90000"/>
+        </a:lnSpc>
+        <a:spcBef>
+          <a:spcPts val="500"/>
+        </a:spcBef>
+        <a:buFont typeface="Arial" panose="020B0604020202020204" pitchFamily="34" charset="0"/>
+        <a:buChar char="•"/>
+        <a:defRPr sz="1800" kern="1200">
+          <a:solidFill>
+            <a:schemeClr val="tx1"/>
+          </a:solidFill>
+          <a:latin typeface="+mn-lt"/>
+          <a:ea typeface="+mn-ea"/>
+          <a:cs typeface="+mn-cs"/>
+        </a:defRPr>
+      </a:lvl8pPr>
+      <a:lvl9pPr marL="3886200" indent="-228600" algn="l" defTabSz="914400" rtl="0" eaLnBrk="1" latinLnBrk="0" hangingPunct="1">
+        <a:lnSpc>
+          <a:spcPct val="90000"/>
+        </a:lnSpc>
+        <a:spcBef>
+          <a:spcPts val="500"/>
+        </a:spcBef>
+        <a:buFont typeface="Arial" panose="020B0604020202020204" pitchFamily="34" charset="0"/>
+        <a:buChar char="•"/>
+        <a:defRPr sz="1800" kern="1200">
+          <a:solidFill>
+            <a:schemeClr val="tx1"/>
+          </a:solidFill>
+          <a:latin typeface="+mn-lt"/>
+          <a:ea typeface="+mn-ea"/>
+          <a:cs typeface="+mn-cs"/>
+        </a:defRPr>
+      </a:lvl9pPr>
+    </p:bodyStyle>
+    <p:otherStyle>
+      <a:defPPr>
+        <a:defRPr lang="zh-CN"/>
+      </a:defPPr>
+      <a:lvl1pPr marL="0" algn="l" defTabSz="914400" rtl="0" eaLnBrk="1" latinLnBrk="0" hangingPunct="1">
+        <a:defRPr sz="1800" kern="1200">
+          <a:solidFill>
+            <a:schemeClr val="tx1"/>
+          </a:solidFill>
+          <a:latin typeface="+mn-lt"/>
+          <a:ea typeface="+mn-ea"/>
+          <a:cs typeface="+mn-cs"/>
+        </a:defRPr>
+      </a:lvl1pPr>
+      <a:lvl2pPr marL="457200" algn="l" defTabSz="914400" rtl="0" eaLnBrk="1" latinLnBrk="0" hangingPunct="1">
+        <a:defRPr sz="1800" kern="1200">
+          <a:solidFill>
+            <a:schemeClr val="tx1"/>
+          </a:solidFill>
+          <a:latin typeface="+mn-lt"/>
+          <a:ea typeface="+mn-ea"/>
+          <a:cs typeface="+mn-cs"/>
+        </a:defRPr>
+      </a:lvl2pPr>
+      <a:lvl3pPr marL="914400" algn="l" defTabSz="914400" rtl="0" eaLnBrk="1" latinLnBrk="0" hangingPunct="1">
+        <a:defRPr sz="1800" kern="1200">
+          <a:solidFill>
+            <a:schemeClr val="tx1"/>
+          </a:solidFill>
+          <a:latin typeface="+mn-lt"/>
+          <a:ea typeface="+mn-ea"/>
+          <a:cs typeface="+mn-cs"/>
+        </a:defRPr>
+      </a:lvl3pPr>
+      <a:lvl4pPr marL="1371600" algn="l" defTabSz="914400" rtl="0" eaLnBrk="1" latinLnBrk="0" hangingPunct="1">
+        <a:defRPr sz="1800" kern="1200">
+          <a:solidFill>
+            <a:schemeClr val="tx1"/>
+          </a:solidFill>
+          <a:latin typeface="+mn-lt"/>
+          <a:ea typeface="+mn-ea"/>
+          <a:cs typeface="+mn-cs"/>
+        </a:defRPr>
+      </a:lvl4pPr>
+      <a:lvl5pPr marL="1828800" algn="l" defTabSz="914400" rtl="0" eaLnBrk="1" latinLnBrk="0" hangingPunct="1">
+        <a:defRPr sz="1800" kern="1200">
+          <a:solidFill>
+            <a:schemeClr val="tx1"/>
+          </a:solidFill>
+          <a:latin typeface="+mn-lt"/>
+          <a:ea typeface="+mn-ea"/>
+          <a:cs typeface="+mn-cs"/>
+        </a:defRPr>
+      </a:lvl5pPr>
+      <a:lvl6pPr marL="2286000" algn="l" defTabSz="914400" rtl="0" eaLnBrk="1" latinLnBrk="0" hangingPunct="1">
+        <a:defRPr sz="1800" kern="1200">
+          <a:solidFill>
+            <a:schemeClr val="tx1"/>
+          </a:solidFill>
+          <a:latin typeface="+mn-lt"/>
+          <a:ea typeface="+mn-ea"/>
+          <a:cs typeface="+mn-cs"/>
+        </a:defRPr>
+      </a:lvl6pPr>
+      <a:lvl7pPr marL="2743200" algn="l" defTabSz="914400" rtl="0" eaLnBrk="1" latinLnBrk="0" hangingPunct="1">
+        <a:defRPr sz="1800" kern="1200">
+          <a:solidFill>
+            <a:schemeClr val="tx1"/>
+          </a:solidFill>
+          <a:latin typeface="+mn-lt"/>
+          <a:ea typeface="+mn-ea"/>
+          <a:cs typeface="+mn-cs"/>
+        </a:defRPr>
+      </a:lvl7pPr>
+      <a:lvl8pPr marL="3200400" algn="l" defTabSz="914400" rtl="0" eaLnBrk="1" latinLnBrk="0" hangingPunct="1">
+        <a:defRPr sz="1800" kern="1200">
+          <a:solidFill>
+            <a:schemeClr val="tx1"/>
+          </a:solidFill>
+          <a:latin typeface="+mn-lt"/>
+          <a:ea typeface="+mn-ea"/>
+          <a:cs typeface="+mn-cs"/>
+        </a:defRPr>
+      </a:lvl8pPr>
+      <a:lvl9pPr marL="3657600" algn="l" defTabSz="914400" rtl="0" eaLnBrk="1" latinLnBrk="0" hangingPunct="1">
+        <a:defRPr sz="1800" kern="1200">
+          <a:solidFill>
+            <a:schemeClr val="tx1"/>
+          </a:solidFill>
+          <a:latin typeface="+mn-lt"/>
+          <a:ea typeface="+mn-ea"/>
+          <a:cs typeface="+mn-cs"/>
+        </a:defRPr>
+      </a:lvl9pPr>
+    </p:otherStyle>
+  </p:txStyles>
+</p:sldMaster>
 </file>
 
-<file path=ppt/slideLayouts/slideLayout48.xml><?xml version="1.0" encoding="utf-8"?>
-<p:sldLayout xmlns:a="http://schemas.openxmlformats.org/drawingml/2006/main" xmlns:p="http://schemas.openxmlformats.org/presentationml/2006/main" xmlns:r="http://schemas.openxmlformats.org/officeDocument/2006/relationships" type="blank" preserve="1">
-  <p:cSld name="Title, 6 Content">
+<file path=ppt/slideMasters/slideMaster3.xml><?xml version="1.0" encoding="utf-8"?>
+<p:sldMaster xmlns:a="http://schemas.openxmlformats.org/drawingml/2006/main" xmlns:r="http://schemas.openxmlformats.org/officeDocument/2006/relationships" xmlns:p="http://schemas.openxmlformats.org/presentationml/2006/main">
+  <p:cSld>
+    <p:bg>
+      <p:bgRef idx="1001">
+        <a:schemeClr val="bg1"/>
+      </p:bgRef>
+    </p:bg>
     <p:spTree>
       <p:nvGrpSpPr>
         <p:cNvPr id="1" name=""/>
@@ -4039,7 +4775,7 @@
       </p:grpSpPr>
       <p:sp>
         <p:nvSpPr>
-          <p:cNvPr id="139" name="PlaceHolder 1"/>
+          <p:cNvPr id="72" name="PlaceHolder 1"/>
           <p:cNvSpPr>
             <a:spLocks noGrp="1"/>
           </p:cNvSpPr>
@@ -4050,23 +4786,30 @@
         <p:spPr>
           <a:xfrm>
             <a:off x="504000" y="301320"/>
-            <a:ext cx="9072000" cy="1262160"/>
-          </a:xfrm>
-          <a:prstGeom prst="rect">
-            <a:avLst/>
-          </a:prstGeom>
-        </p:spPr>
-        <p:txBody>
-          <a:bodyPr lIns="0" rIns="0" tIns="0" bIns="0" anchor="ctr"/>
+            <a:ext cx="9072000" cy="1261800"/>
+          </a:xfrm>
+          <a:prstGeom prst="rect">
+            <a:avLst/>
+          </a:prstGeom>
+        </p:spPr>
+        <p:txBody>
+          <a:bodyPr lIns="0" tIns="0" rIns="0" bIns="0" anchor="ctr"/>
+          <a:lstStyle/>
           <a:p>
             <a:pPr algn="ctr"/>
-            <a:endParaRPr/>
-          </a:p>
-        </p:txBody>
-      </p:sp>
-      <p:sp>
-        <p:nvSpPr>
-          <p:cNvPr id="140" name="PlaceHolder 2"/>
+            <a:r>
+              <a:rPr lang="en-US" sz="4400">
+                <a:latin typeface="Arial"/>
+              </a:rPr>
+              <a:t>Click to edit the title text format</a:t>
+            </a:r>
+            <a:endParaRPr/>
+          </a:p>
+        </p:txBody>
+      </p:sp>
+      <p:sp>
+        <p:nvSpPr>
+          <p:cNvPr id="73" name="PlaceHolder 2"/>
           <p:cNvSpPr>
             <a:spLocks noGrp="1"/>
           </p:cNvSpPr>
@@ -4084,574 +4827,410 @@
           </a:prstGeom>
         </p:spPr>
         <p:txBody>
-          <a:bodyPr lIns="0" rIns="0" tIns="0" bIns="0"/>
-          <a:p>
-            <a:endParaRPr/>
-          </a:p>
-        </p:txBody>
-      </p:sp>
-      <p:sp>
-        <p:nvSpPr>
-          <p:cNvPr id="141" name="PlaceHolder 3"/>
-          <p:cNvSpPr>
-            <a:spLocks noGrp="1"/>
-          </p:cNvSpPr>
-          <p:nvPr>
-            <p:ph type="body"/>
-          </p:nvPr>
-        </p:nvSpPr>
-        <p:spPr>
-          <a:xfrm>
-            <a:off x="504000" y="1768680"/>
-            <a:ext cx="9072000" cy="4384080"/>
-          </a:xfrm>
-          <a:prstGeom prst="rect">
-            <a:avLst/>
-          </a:prstGeom>
-        </p:spPr>
-        <p:txBody>
-          <a:bodyPr lIns="0" rIns="0" tIns="0" bIns="0"/>
-          <a:p>
-            <a:endParaRPr/>
-          </a:p>
-        </p:txBody>
-      </p:sp>
-      <p:pic>
-        <p:nvPicPr>
-          <p:cNvPr id="142" name="" descr=""/>
-          <p:cNvPicPr/>
-          <p:nvPr/>
-        </p:nvPicPr>
-        <p:blipFill>
-          <a:blip r:embed="rId2"/>
-          <a:stretch>
-            <a:fillRect/>
-          </a:stretch>
-        </p:blipFill>
-        <p:spPr>
-          <a:xfrm>
-            <a:off x="2292480" y="1768680"/>
-            <a:ext cx="5494680" cy="4384080"/>
-          </a:xfrm>
-          <a:prstGeom prst="rect">
-            <a:avLst/>
-          </a:prstGeom>
-          <a:ln>
-            <a:noFill/>
-          </a:ln>
-        </p:spPr>
-      </p:pic>
-      <p:pic>
-        <p:nvPicPr>
-          <p:cNvPr id="143" name="" descr=""/>
-          <p:cNvPicPr/>
-          <p:nvPr/>
-        </p:nvPicPr>
-        <p:blipFill>
-          <a:blip r:embed="rId3"/>
-          <a:stretch>
-            <a:fillRect/>
-          </a:stretch>
-        </p:blipFill>
-        <p:spPr>
-          <a:xfrm>
-            <a:off x="2292480" y="1768680"/>
-            <a:ext cx="5494680" cy="4384080"/>
-          </a:xfrm>
-          <a:prstGeom prst="rect">
-            <a:avLst/>
-          </a:prstGeom>
-          <a:ln>
-            <a:noFill/>
-          </a:ln>
-        </p:spPr>
-      </p:pic>
+          <a:bodyPr lIns="0" tIns="0" rIns="0" bIns="0"/>
+          <a:lstStyle/>
+          <a:p>
+            <a:pPr>
+              <a:buSzPct val="45000"/>
+              <a:buFont typeface="StarSymbol"/>
+              <a:buChar char=""/>
+            </a:pPr>
+            <a:r>
+              <a:rPr lang="en-US" sz="3200">
+                <a:latin typeface="Arial"/>
+              </a:rPr>
+              <a:t>Click to edit the outline text format</a:t>
+            </a:r>
+            <a:endParaRPr/>
+          </a:p>
+          <a:p>
+            <a:pPr lvl="1">
+              <a:buSzPct val="75000"/>
+              <a:buFont typeface="StarSymbol"/>
+              <a:buChar char=""/>
+            </a:pPr>
+            <a:r>
+              <a:rPr lang="en-US" sz="2800">
+                <a:latin typeface="Arial"/>
+              </a:rPr>
+              <a:t>Second Outline Level</a:t>
+            </a:r>
+            <a:endParaRPr/>
+          </a:p>
+          <a:p>
+            <a:pPr lvl="2">
+              <a:buSzPct val="45000"/>
+              <a:buFont typeface="StarSymbol"/>
+              <a:buChar char=""/>
+            </a:pPr>
+            <a:r>
+              <a:rPr lang="en-US" sz="2400">
+                <a:latin typeface="Arial"/>
+              </a:rPr>
+              <a:t>Third Outline Level</a:t>
+            </a:r>
+            <a:endParaRPr/>
+          </a:p>
+          <a:p>
+            <a:pPr lvl="3">
+              <a:buSzPct val="75000"/>
+              <a:buFont typeface="StarSymbol"/>
+              <a:buChar char=""/>
+            </a:pPr>
+            <a:r>
+              <a:rPr lang="en-US" sz="2000">
+                <a:latin typeface="Arial"/>
+              </a:rPr>
+              <a:t>Fourth Outline Level</a:t>
+            </a:r>
+            <a:endParaRPr/>
+          </a:p>
+          <a:p>
+            <a:pPr lvl="4">
+              <a:buSzPct val="45000"/>
+              <a:buFont typeface="StarSymbol"/>
+              <a:buChar char=""/>
+            </a:pPr>
+            <a:r>
+              <a:rPr lang="en-US" sz="2000">
+                <a:latin typeface="Arial"/>
+              </a:rPr>
+              <a:t>Fifth Outline Level</a:t>
+            </a:r>
+            <a:endParaRPr/>
+          </a:p>
+          <a:p>
+            <a:pPr lvl="5">
+              <a:buSzPct val="45000"/>
+              <a:buFont typeface="StarSymbol"/>
+              <a:buChar char=""/>
+            </a:pPr>
+            <a:r>
+              <a:rPr lang="en-US" sz="2000">
+                <a:latin typeface="Arial"/>
+              </a:rPr>
+              <a:t>Sixth Outline Level</a:t>
+            </a:r>
+            <a:endParaRPr/>
+          </a:p>
+          <a:p>
+            <a:pPr lvl="6">
+              <a:buSzPct val="45000"/>
+              <a:buFont typeface="StarSymbol"/>
+              <a:buChar char=""/>
+            </a:pPr>
+            <a:r>
+              <a:rPr lang="en-US" sz="2000">
+                <a:latin typeface="Arial"/>
+              </a:rPr>
+              <a:t>Seventh Outline Level</a:t>
+            </a:r>
+            <a:endParaRPr/>
+          </a:p>
+        </p:txBody>
+      </p:sp>
     </p:spTree>
   </p:cSld>
-</p:sldLayout>
+  <p:clrMap bg1="lt1" tx1="dk1" bg2="lt2" tx2="dk2" accent1="accent1" accent2="accent2" accent3="accent3" accent4="accent4" accent5="accent5" accent6="accent6" hlink="hlink" folHlink="folHlink"/>
+  <p:sldLayoutIdLst>
+    <p:sldLayoutId id="2147483675" r:id="rId1"/>
+    <p:sldLayoutId id="2147483676" r:id="rId2"/>
+    <p:sldLayoutId id="2147483677" r:id="rId3"/>
+    <p:sldLayoutId id="2147483678" r:id="rId4"/>
+    <p:sldLayoutId id="2147483679" r:id="rId5"/>
+    <p:sldLayoutId id="2147483680" r:id="rId6"/>
+    <p:sldLayoutId id="2147483681" r:id="rId7"/>
+    <p:sldLayoutId id="2147483682" r:id="rId8"/>
+    <p:sldLayoutId id="2147483683" r:id="rId9"/>
+    <p:sldLayoutId id="2147483684" r:id="rId10"/>
+    <p:sldLayoutId id="2147483685" r:id="rId11"/>
+    <p:sldLayoutId id="2147483686" r:id="rId12"/>
+  </p:sldLayoutIdLst>
+  <p:txStyles>
+    <p:titleStyle>
+      <a:lvl1pPr algn="l" defTabSz="914400" rtl="0" eaLnBrk="1" latinLnBrk="0" hangingPunct="1">
+        <a:lnSpc>
+          <a:spcPct val="90000"/>
+        </a:lnSpc>
+        <a:spcBef>
+          <a:spcPct val="0"/>
+        </a:spcBef>
+        <a:buNone/>
+        <a:defRPr sz="4400" kern="1200">
+          <a:solidFill>
+            <a:schemeClr val="tx1"/>
+          </a:solidFill>
+          <a:latin typeface="+mj-lt"/>
+          <a:ea typeface="+mj-ea"/>
+          <a:cs typeface="+mj-cs"/>
+        </a:defRPr>
+      </a:lvl1pPr>
+    </p:titleStyle>
+    <p:bodyStyle>
+      <a:lvl1pPr marL="228600" indent="-228600" algn="l" defTabSz="914400" rtl="0" eaLnBrk="1" latinLnBrk="0" hangingPunct="1">
+        <a:lnSpc>
+          <a:spcPct val="90000"/>
+        </a:lnSpc>
+        <a:spcBef>
+          <a:spcPts val="1000"/>
+        </a:spcBef>
+        <a:buFont typeface="Arial" panose="020B0604020202020204" pitchFamily="34" charset="0"/>
+        <a:buChar char="•"/>
+        <a:defRPr sz="2800" kern="1200">
+          <a:solidFill>
+            <a:schemeClr val="tx1"/>
+          </a:solidFill>
+          <a:latin typeface="+mn-lt"/>
+          <a:ea typeface="+mn-ea"/>
+          <a:cs typeface="+mn-cs"/>
+        </a:defRPr>
+      </a:lvl1pPr>
+      <a:lvl2pPr marL="685800" indent="-228600" algn="l" defTabSz="914400" rtl="0" eaLnBrk="1" latinLnBrk="0" hangingPunct="1">
+        <a:lnSpc>
+          <a:spcPct val="90000"/>
+        </a:lnSpc>
+        <a:spcBef>
+          <a:spcPts val="500"/>
+        </a:spcBef>
+        <a:buFont typeface="Arial" panose="020B0604020202020204" pitchFamily="34" charset="0"/>
+        <a:buChar char="•"/>
+        <a:defRPr sz="2400" kern="1200">
+          <a:solidFill>
+            <a:schemeClr val="tx1"/>
+          </a:solidFill>
+          <a:latin typeface="+mn-lt"/>
+          <a:ea typeface="+mn-ea"/>
+          <a:cs typeface="+mn-cs"/>
+        </a:defRPr>
+      </a:lvl2pPr>
+      <a:lvl3pPr marL="1143000" indent="-228600" algn="l" defTabSz="914400" rtl="0" eaLnBrk="1" latinLnBrk="0" hangingPunct="1">
+        <a:lnSpc>
+          <a:spcPct val="90000"/>
+        </a:lnSpc>
+        <a:spcBef>
+          <a:spcPts val="500"/>
+        </a:spcBef>
+        <a:buFont typeface="Arial" panose="020B0604020202020204" pitchFamily="34" charset="0"/>
+        <a:buChar char="•"/>
+        <a:defRPr sz="2000" kern="1200">
+          <a:solidFill>
+            <a:schemeClr val="tx1"/>
+          </a:solidFill>
+          <a:latin typeface="+mn-lt"/>
+          <a:ea typeface="+mn-ea"/>
+          <a:cs typeface="+mn-cs"/>
+        </a:defRPr>
+      </a:lvl3pPr>
+      <a:lvl4pPr marL="1600200" indent="-228600" algn="l" defTabSz="914400" rtl="0" eaLnBrk="1" latinLnBrk="0" hangingPunct="1">
+        <a:lnSpc>
+          <a:spcPct val="90000"/>
+        </a:lnSpc>
+        <a:spcBef>
+          <a:spcPts val="500"/>
+        </a:spcBef>
+        <a:buFont typeface="Arial" panose="020B0604020202020204" pitchFamily="34" charset="0"/>
+        <a:buChar char="•"/>
+        <a:defRPr sz="1800" kern="1200">
+          <a:solidFill>
+            <a:schemeClr val="tx1"/>
+          </a:solidFill>
+          <a:latin typeface="+mn-lt"/>
+          <a:ea typeface="+mn-ea"/>
+          <a:cs typeface="+mn-cs"/>
+        </a:defRPr>
+      </a:lvl4pPr>
+      <a:lvl5pPr marL="2057400" indent="-228600" algn="l" defTabSz="914400" rtl="0" eaLnBrk="1" latinLnBrk="0" hangingPunct="1">
+        <a:lnSpc>
+          <a:spcPct val="90000"/>
+        </a:lnSpc>
+        <a:spcBef>
+          <a:spcPts val="500"/>
+        </a:spcBef>
+        <a:buFont typeface="Arial" panose="020B0604020202020204" pitchFamily="34" charset="0"/>
+        <a:buChar char="•"/>
+        <a:defRPr sz="1800" kern="1200">
+          <a:solidFill>
+            <a:schemeClr val="tx1"/>
+          </a:solidFill>
+          <a:latin typeface="+mn-lt"/>
+          <a:ea typeface="+mn-ea"/>
+          <a:cs typeface="+mn-cs"/>
+        </a:defRPr>
+      </a:lvl5pPr>
+      <a:lvl6pPr marL="2514600" indent="-228600" algn="l" defTabSz="914400" rtl="0" eaLnBrk="1" latinLnBrk="0" hangingPunct="1">
+        <a:lnSpc>
+          <a:spcPct val="90000"/>
+        </a:lnSpc>
+        <a:spcBef>
+          <a:spcPts val="500"/>
+        </a:spcBef>
+        <a:buFont typeface="Arial" panose="020B0604020202020204" pitchFamily="34" charset="0"/>
+        <a:buChar char="•"/>
+        <a:defRPr sz="1800" kern="1200">
+          <a:solidFill>
+            <a:schemeClr val="tx1"/>
+          </a:solidFill>
+          <a:latin typeface="+mn-lt"/>
+          <a:ea typeface="+mn-ea"/>
+          <a:cs typeface="+mn-cs"/>
+        </a:defRPr>
+      </a:lvl6pPr>
+      <a:lvl7pPr marL="2971800" indent="-228600" algn="l" defTabSz="914400" rtl="0" eaLnBrk="1" latinLnBrk="0" hangingPunct="1">
+        <a:lnSpc>
+          <a:spcPct val="90000"/>
+        </a:lnSpc>
+        <a:spcBef>
+          <a:spcPts val="500"/>
+        </a:spcBef>
+        <a:buFont typeface="Arial" panose="020B0604020202020204" pitchFamily="34" charset="0"/>
+        <a:buChar char="•"/>
+        <a:defRPr sz="1800" kern="1200">
+          <a:solidFill>
+            <a:schemeClr val="tx1"/>
+          </a:solidFill>
+          <a:latin typeface="+mn-lt"/>
+          <a:ea typeface="+mn-ea"/>
+          <a:cs typeface="+mn-cs"/>
+        </a:defRPr>
+      </a:lvl7pPr>
+      <a:lvl8pPr marL="3429000" indent="-228600" algn="l" defTabSz="914400" rtl="0" eaLnBrk="1" latinLnBrk="0" hangingPunct="1">
+        <a:lnSpc>
+          <a:spcPct val="90000"/>
+        </a:lnSpc>
+        <a:spcBef>
+          <a:spcPts val="500"/>
+        </a:spcBef>
+        <a:buFont typeface="Arial" panose="020B0604020202020204" pitchFamily="34" charset="0"/>
+        <a:buChar char="•"/>
+        <a:defRPr sz="1800" kern="1200">
+          <a:solidFill>
+            <a:schemeClr val="tx1"/>
+          </a:solidFill>
+          <a:latin typeface="+mn-lt"/>
+          <a:ea typeface="+mn-ea"/>
+          <a:cs typeface="+mn-cs"/>
+        </a:defRPr>
+      </a:lvl8pPr>
+      <a:lvl9pPr marL="3886200" indent="-228600" algn="l" defTabSz="914400" rtl="0" eaLnBrk="1" latinLnBrk="0" hangingPunct="1">
+        <a:lnSpc>
+          <a:spcPct val="90000"/>
+        </a:lnSpc>
+        <a:spcBef>
+          <a:spcPts val="500"/>
+        </a:spcBef>
+        <a:buFont typeface="Arial" panose="020B0604020202020204" pitchFamily="34" charset="0"/>
+        <a:buChar char="•"/>
+        <a:defRPr sz="1800" kern="1200">
+          <a:solidFill>
+            <a:schemeClr val="tx1"/>
+          </a:solidFill>
+          <a:latin typeface="+mn-lt"/>
+          <a:ea typeface="+mn-ea"/>
+          <a:cs typeface="+mn-cs"/>
+        </a:defRPr>
+      </a:lvl9pPr>
+    </p:bodyStyle>
+    <p:otherStyle>
+      <a:defPPr>
+        <a:defRPr lang="zh-CN"/>
+      </a:defPPr>
+      <a:lvl1pPr marL="0" algn="l" defTabSz="914400" rtl="0" eaLnBrk="1" latinLnBrk="0" hangingPunct="1">
+        <a:defRPr sz="1800" kern="1200">
+          <a:solidFill>
+            <a:schemeClr val="tx1"/>
+          </a:solidFill>
+          <a:latin typeface="+mn-lt"/>
+          <a:ea typeface="+mn-ea"/>
+          <a:cs typeface="+mn-cs"/>
+        </a:defRPr>
+      </a:lvl1pPr>
+      <a:lvl2pPr marL="457200" algn="l" defTabSz="914400" rtl="0" eaLnBrk="1" latinLnBrk="0" hangingPunct="1">
+        <a:defRPr sz="1800" kern="1200">
+          <a:solidFill>
+            <a:schemeClr val="tx1"/>
+          </a:solidFill>
+          <a:latin typeface="+mn-lt"/>
+          <a:ea typeface="+mn-ea"/>
+          <a:cs typeface="+mn-cs"/>
+        </a:defRPr>
+      </a:lvl2pPr>
+      <a:lvl3pPr marL="914400" algn="l" defTabSz="914400" rtl="0" eaLnBrk="1" latinLnBrk="0" hangingPunct="1">
+        <a:defRPr sz="1800" kern="1200">
+          <a:solidFill>
+            <a:schemeClr val="tx1"/>
+          </a:solidFill>
+          <a:latin typeface="+mn-lt"/>
+          <a:ea typeface="+mn-ea"/>
+          <a:cs typeface="+mn-cs"/>
+        </a:defRPr>
+      </a:lvl3pPr>
+      <a:lvl4pPr marL="1371600" algn="l" defTabSz="914400" rtl="0" eaLnBrk="1" latinLnBrk="0" hangingPunct="1">
+        <a:defRPr sz="1800" kern="1200">
+          <a:solidFill>
+            <a:schemeClr val="tx1"/>
+          </a:solidFill>
+          <a:latin typeface="+mn-lt"/>
+          <a:ea typeface="+mn-ea"/>
+          <a:cs typeface="+mn-cs"/>
+        </a:defRPr>
+      </a:lvl4pPr>
+      <a:lvl5pPr marL="1828800" algn="l" defTabSz="914400" rtl="0" eaLnBrk="1" latinLnBrk="0" hangingPunct="1">
+        <a:defRPr sz="1800" kern="1200">
+          <a:solidFill>
+            <a:schemeClr val="tx1"/>
+          </a:solidFill>
+          <a:latin typeface="+mn-lt"/>
+          <a:ea typeface="+mn-ea"/>
+          <a:cs typeface="+mn-cs"/>
+        </a:defRPr>
+      </a:lvl5pPr>
+      <a:lvl6pPr marL="2286000" algn="l" defTabSz="914400" rtl="0" eaLnBrk="1" latinLnBrk="0" hangingPunct="1">
+        <a:defRPr sz="1800" kern="1200">
+          <a:solidFill>
+            <a:schemeClr val="tx1"/>
+          </a:solidFill>
+          <a:latin typeface="+mn-lt"/>
+          <a:ea typeface="+mn-ea"/>
+          <a:cs typeface="+mn-cs"/>
+        </a:defRPr>
+      </a:lvl6pPr>
+      <a:lvl7pPr marL="2743200" algn="l" defTabSz="914400" rtl="0" eaLnBrk="1" latinLnBrk="0" hangingPunct="1">
+        <a:defRPr sz="1800" kern="1200">
+          <a:solidFill>
+            <a:schemeClr val="tx1"/>
+          </a:solidFill>
+          <a:latin typeface="+mn-lt"/>
+          <a:ea typeface="+mn-ea"/>
+          <a:cs typeface="+mn-cs"/>
+        </a:defRPr>
+      </a:lvl7pPr>
+      <a:lvl8pPr marL="3200400" algn="l" defTabSz="914400" rtl="0" eaLnBrk="1" latinLnBrk="0" hangingPunct="1">
+        <a:defRPr sz="1800" kern="1200">
+          <a:solidFill>
+            <a:schemeClr val="tx1"/>
+          </a:solidFill>
+          <a:latin typeface="+mn-lt"/>
+          <a:ea typeface="+mn-ea"/>
+          <a:cs typeface="+mn-cs"/>
+        </a:defRPr>
+      </a:lvl8pPr>
+      <a:lvl9pPr marL="3657600" algn="l" defTabSz="914400" rtl="0" eaLnBrk="1" latinLnBrk="0" hangingPunct="1">
+        <a:defRPr sz="1800" kern="1200">
+          <a:solidFill>
+            <a:schemeClr val="tx1"/>
+          </a:solidFill>
+          <a:latin typeface="+mn-lt"/>
+          <a:ea typeface="+mn-ea"/>
+          <a:cs typeface="+mn-cs"/>
+        </a:defRPr>
+      </a:lvl9pPr>
+    </p:otherStyle>
+  </p:txStyles>
+</p:sldMaster>
 </file>
 
-<file path=ppt/slideLayouts/slideLayout5.xml><?xml version="1.0" encoding="utf-8"?>
-<p:sldLayout xmlns:a="http://schemas.openxmlformats.org/drawingml/2006/main" xmlns:p="http://schemas.openxmlformats.org/presentationml/2006/main" xmlns:r="http://schemas.openxmlformats.org/officeDocument/2006/relationships" type="titleOnly" preserve="1">
-  <p:cSld name="Title Only">
-    <p:spTree>
-      <p:nvGrpSpPr>
-        <p:cNvPr id="1" name=""/>
-        <p:cNvGrpSpPr/>
-        <p:nvPr/>
-      </p:nvGrpSpPr>
-      <p:grpSpPr>
-        <a:xfrm>
-          <a:off x="0" y="0"/>
-          <a:ext cx="0" cy="0"/>
-          <a:chOff x="0" y="0"/>
-          <a:chExt cx="0" cy="0"/>
-        </a:xfrm>
-      </p:grpSpPr>
-      <p:sp>
-        <p:nvSpPr>
-          <p:cNvPr id="9" name="PlaceHolder 1"/>
-          <p:cNvSpPr>
-            <a:spLocks noGrp="1"/>
-          </p:cNvSpPr>
-          <p:nvPr>
-            <p:ph type="title"/>
-          </p:nvPr>
-        </p:nvSpPr>
-        <p:spPr>
-          <a:xfrm>
-            <a:off x="504000" y="301320"/>
-            <a:ext cx="9072000" cy="1262160"/>
-          </a:xfrm>
-          <a:prstGeom prst="rect">
-            <a:avLst/>
-          </a:prstGeom>
-        </p:spPr>
-        <p:txBody>
-          <a:bodyPr lIns="0" rIns="0" tIns="0" bIns="0" anchor="ctr"/>
-          <a:p>
-            <a:pPr algn="ctr"/>
-            <a:endParaRPr/>
-          </a:p>
-        </p:txBody>
-      </p:sp>
-    </p:spTree>
-  </p:cSld>
-</p:sldLayout>
-</file>
-
-<file path=ppt/slideLayouts/slideLayout6.xml><?xml version="1.0" encoding="utf-8"?>
-<p:sldLayout xmlns:a="http://schemas.openxmlformats.org/drawingml/2006/main" xmlns:p="http://schemas.openxmlformats.org/presentationml/2006/main" xmlns:r="http://schemas.openxmlformats.org/officeDocument/2006/relationships" type="objOnly" preserve="1">
-  <p:cSld name="Centered Text">
-    <p:spTree>
-      <p:nvGrpSpPr>
-        <p:cNvPr id="1" name=""/>
-        <p:cNvGrpSpPr/>
-        <p:nvPr/>
-      </p:nvGrpSpPr>
-      <p:grpSpPr>
-        <a:xfrm>
-          <a:off x="0" y="0"/>
-          <a:ext cx="0" cy="0"/>
-          <a:chOff x="0" y="0"/>
-          <a:chExt cx="0" cy="0"/>
-        </a:xfrm>
-      </p:grpSpPr>
-      <p:sp>
-        <p:nvSpPr>
-          <p:cNvPr id="10" name="PlaceHolder 1"/>
-          <p:cNvSpPr>
-            <a:spLocks noGrp="1"/>
-          </p:cNvSpPr>
-          <p:nvPr>
-            <p:ph type="subTitle"/>
-          </p:nvPr>
-        </p:nvSpPr>
-        <p:spPr>
-          <a:xfrm>
-            <a:off x="504000" y="301320"/>
-            <a:ext cx="9072000" cy="5850720"/>
-          </a:xfrm>
-          <a:prstGeom prst="rect">
-            <a:avLst/>
-          </a:prstGeom>
-        </p:spPr>
-        <p:txBody>
-          <a:bodyPr lIns="0" rIns="0" tIns="0" bIns="0" anchor="ctr"/>
-          <a:p>
-            <a:pPr algn="ctr"/>
-            <a:endParaRPr/>
-          </a:p>
-        </p:txBody>
-      </p:sp>
-    </p:spTree>
-  </p:cSld>
-</p:sldLayout>
-</file>
-
-<file path=ppt/slideLayouts/slideLayout7.xml><?xml version="1.0" encoding="utf-8"?>
-<p:sldLayout xmlns:a="http://schemas.openxmlformats.org/drawingml/2006/main" xmlns:p="http://schemas.openxmlformats.org/presentationml/2006/main" xmlns:r="http://schemas.openxmlformats.org/officeDocument/2006/relationships" type="twoObjAndObj" preserve="1">
-  <p:cSld name="Title, 2 Content and Content">
-    <p:spTree>
-      <p:nvGrpSpPr>
-        <p:cNvPr id="1" name=""/>
-        <p:cNvGrpSpPr/>
-        <p:nvPr/>
-      </p:nvGrpSpPr>
-      <p:grpSpPr>
-        <a:xfrm>
-          <a:off x="0" y="0"/>
-          <a:ext cx="0" cy="0"/>
-          <a:chOff x="0" y="0"/>
-          <a:chExt cx="0" cy="0"/>
-        </a:xfrm>
-      </p:grpSpPr>
-      <p:sp>
-        <p:nvSpPr>
-          <p:cNvPr id="11" name="PlaceHolder 1"/>
-          <p:cNvSpPr>
-            <a:spLocks noGrp="1"/>
-          </p:cNvSpPr>
-          <p:nvPr>
-            <p:ph type="title"/>
-          </p:nvPr>
-        </p:nvSpPr>
-        <p:spPr>
-          <a:xfrm>
-            <a:off x="504000" y="301320"/>
-            <a:ext cx="9072000" cy="1262160"/>
-          </a:xfrm>
-          <a:prstGeom prst="rect">
-            <a:avLst/>
-          </a:prstGeom>
-        </p:spPr>
-        <p:txBody>
-          <a:bodyPr lIns="0" rIns="0" tIns="0" bIns="0" anchor="ctr"/>
-          <a:p>
-            <a:pPr algn="ctr"/>
-            <a:endParaRPr/>
-          </a:p>
-        </p:txBody>
-      </p:sp>
-      <p:sp>
-        <p:nvSpPr>
-          <p:cNvPr id="12" name="PlaceHolder 2"/>
-          <p:cNvSpPr>
-            <a:spLocks noGrp="1"/>
-          </p:cNvSpPr>
-          <p:nvPr>
-            <p:ph type="body"/>
-          </p:nvPr>
-        </p:nvSpPr>
-        <p:spPr>
-          <a:xfrm>
-            <a:off x="504000" y="1768680"/>
-            <a:ext cx="4426920" cy="2090880"/>
-          </a:xfrm>
-          <a:prstGeom prst="rect">
-            <a:avLst/>
-          </a:prstGeom>
-        </p:spPr>
-        <p:txBody>
-          <a:bodyPr lIns="0" rIns="0" tIns="0" bIns="0"/>
-          <a:p>
-            <a:endParaRPr/>
-          </a:p>
-        </p:txBody>
-      </p:sp>
-      <p:sp>
-        <p:nvSpPr>
-          <p:cNvPr id="13" name="PlaceHolder 3"/>
-          <p:cNvSpPr>
-            <a:spLocks noGrp="1"/>
-          </p:cNvSpPr>
-          <p:nvPr>
-            <p:ph type="body"/>
-          </p:nvPr>
-        </p:nvSpPr>
-        <p:spPr>
-          <a:xfrm>
-            <a:off x="504000" y="4058640"/>
-            <a:ext cx="4426920" cy="2090880"/>
-          </a:xfrm>
-          <a:prstGeom prst="rect">
-            <a:avLst/>
-          </a:prstGeom>
-        </p:spPr>
-        <p:txBody>
-          <a:bodyPr lIns="0" rIns="0" tIns="0" bIns="0"/>
-          <a:p>
-            <a:endParaRPr/>
-          </a:p>
-        </p:txBody>
-      </p:sp>
-      <p:sp>
-        <p:nvSpPr>
-          <p:cNvPr id="14" name="PlaceHolder 4"/>
-          <p:cNvSpPr>
-            <a:spLocks noGrp="1"/>
-          </p:cNvSpPr>
-          <p:nvPr>
-            <p:ph type="body"/>
-          </p:nvPr>
-        </p:nvSpPr>
-        <p:spPr>
-          <a:xfrm>
-            <a:off x="5152680" y="1768680"/>
-            <a:ext cx="4426920" cy="4384080"/>
-          </a:xfrm>
-          <a:prstGeom prst="rect">
-            <a:avLst/>
-          </a:prstGeom>
-        </p:spPr>
-        <p:txBody>
-          <a:bodyPr lIns="0" rIns="0" tIns="0" bIns="0"/>
-          <a:p>
-            <a:endParaRPr/>
-          </a:p>
-        </p:txBody>
-      </p:sp>
-    </p:spTree>
-  </p:cSld>
-</p:sldLayout>
-</file>
-
-<file path=ppt/slideLayouts/slideLayout8.xml><?xml version="1.0" encoding="utf-8"?>
-<p:sldLayout xmlns:a="http://schemas.openxmlformats.org/drawingml/2006/main" xmlns:p="http://schemas.openxmlformats.org/presentationml/2006/main" xmlns:r="http://schemas.openxmlformats.org/officeDocument/2006/relationships" type="objAndTwoObj" preserve="1">
-  <p:cSld name="Title Content and 2 Content">
-    <p:spTree>
-      <p:nvGrpSpPr>
-        <p:cNvPr id="1" name=""/>
-        <p:cNvGrpSpPr/>
-        <p:nvPr/>
-      </p:nvGrpSpPr>
-      <p:grpSpPr>
-        <a:xfrm>
-          <a:off x="0" y="0"/>
-          <a:ext cx="0" cy="0"/>
-          <a:chOff x="0" y="0"/>
-          <a:chExt cx="0" cy="0"/>
-        </a:xfrm>
-      </p:grpSpPr>
-      <p:sp>
-        <p:nvSpPr>
-          <p:cNvPr id="15" name="PlaceHolder 1"/>
-          <p:cNvSpPr>
-            <a:spLocks noGrp="1"/>
-          </p:cNvSpPr>
-          <p:nvPr>
-            <p:ph type="title"/>
-          </p:nvPr>
-        </p:nvSpPr>
-        <p:spPr>
-          <a:xfrm>
-            <a:off x="504000" y="301320"/>
-            <a:ext cx="9072000" cy="1262160"/>
-          </a:xfrm>
-          <a:prstGeom prst="rect">
-            <a:avLst/>
-          </a:prstGeom>
-        </p:spPr>
-        <p:txBody>
-          <a:bodyPr lIns="0" rIns="0" tIns="0" bIns="0" anchor="ctr"/>
-          <a:p>
-            <a:pPr algn="ctr"/>
-            <a:endParaRPr/>
-          </a:p>
-        </p:txBody>
-      </p:sp>
-      <p:sp>
-        <p:nvSpPr>
-          <p:cNvPr id="16" name="PlaceHolder 2"/>
-          <p:cNvSpPr>
-            <a:spLocks noGrp="1"/>
-          </p:cNvSpPr>
-          <p:nvPr>
-            <p:ph type="body"/>
-          </p:nvPr>
-        </p:nvSpPr>
-        <p:spPr>
-          <a:xfrm>
-            <a:off x="504000" y="1768680"/>
-            <a:ext cx="4426920" cy="4384080"/>
-          </a:xfrm>
-          <a:prstGeom prst="rect">
-            <a:avLst/>
-          </a:prstGeom>
-        </p:spPr>
-        <p:txBody>
-          <a:bodyPr lIns="0" rIns="0" tIns="0" bIns="0"/>
-          <a:p>
-            <a:endParaRPr/>
-          </a:p>
-        </p:txBody>
-      </p:sp>
-      <p:sp>
-        <p:nvSpPr>
-          <p:cNvPr id="17" name="PlaceHolder 3"/>
-          <p:cNvSpPr>
-            <a:spLocks noGrp="1"/>
-          </p:cNvSpPr>
-          <p:nvPr>
-            <p:ph type="body"/>
-          </p:nvPr>
-        </p:nvSpPr>
-        <p:spPr>
-          <a:xfrm>
-            <a:off x="5152680" y="1768680"/>
-            <a:ext cx="4426920" cy="2090880"/>
-          </a:xfrm>
-          <a:prstGeom prst="rect">
-            <a:avLst/>
-          </a:prstGeom>
-        </p:spPr>
-        <p:txBody>
-          <a:bodyPr lIns="0" rIns="0" tIns="0" bIns="0"/>
-          <a:p>
-            <a:endParaRPr/>
-          </a:p>
-        </p:txBody>
-      </p:sp>
-      <p:sp>
-        <p:nvSpPr>
-          <p:cNvPr id="18" name="PlaceHolder 4"/>
-          <p:cNvSpPr>
-            <a:spLocks noGrp="1"/>
-          </p:cNvSpPr>
-          <p:nvPr>
-            <p:ph type="body"/>
-          </p:nvPr>
-        </p:nvSpPr>
-        <p:spPr>
-          <a:xfrm>
-            <a:off x="5152680" y="4058640"/>
-            <a:ext cx="4426920" cy="2090880"/>
-          </a:xfrm>
-          <a:prstGeom prst="rect">
-            <a:avLst/>
-          </a:prstGeom>
-        </p:spPr>
-        <p:txBody>
-          <a:bodyPr lIns="0" rIns="0" tIns="0" bIns="0"/>
-          <a:p>
-            <a:endParaRPr/>
-          </a:p>
-        </p:txBody>
-      </p:sp>
-    </p:spTree>
-  </p:cSld>
-</p:sldLayout>
-</file>
-
-<file path=ppt/slideLayouts/slideLayout9.xml><?xml version="1.0" encoding="utf-8"?>
-<p:sldLayout xmlns:a="http://schemas.openxmlformats.org/drawingml/2006/main" xmlns:p="http://schemas.openxmlformats.org/presentationml/2006/main" xmlns:r="http://schemas.openxmlformats.org/officeDocument/2006/relationships" type="twoObjOverTx" preserve="1">
-  <p:cSld name="Title, 2 Content over Content">
-    <p:spTree>
-      <p:nvGrpSpPr>
-        <p:cNvPr id="1" name=""/>
-        <p:cNvGrpSpPr/>
-        <p:nvPr/>
-      </p:nvGrpSpPr>
-      <p:grpSpPr>
-        <a:xfrm>
-          <a:off x="0" y="0"/>
-          <a:ext cx="0" cy="0"/>
-          <a:chOff x="0" y="0"/>
-          <a:chExt cx="0" cy="0"/>
-        </a:xfrm>
-      </p:grpSpPr>
-      <p:sp>
-        <p:nvSpPr>
-          <p:cNvPr id="19" name="PlaceHolder 1"/>
-          <p:cNvSpPr>
-            <a:spLocks noGrp="1"/>
-          </p:cNvSpPr>
-          <p:nvPr>
-            <p:ph type="title"/>
-          </p:nvPr>
-        </p:nvSpPr>
-        <p:spPr>
-          <a:xfrm>
-            <a:off x="504000" y="301320"/>
-            <a:ext cx="9072000" cy="1262160"/>
-          </a:xfrm>
-          <a:prstGeom prst="rect">
-            <a:avLst/>
-          </a:prstGeom>
-        </p:spPr>
-        <p:txBody>
-          <a:bodyPr lIns="0" rIns="0" tIns="0" bIns="0" anchor="ctr"/>
-          <a:p>
-            <a:pPr algn="ctr"/>
-            <a:endParaRPr/>
-          </a:p>
-        </p:txBody>
-      </p:sp>
-      <p:sp>
-        <p:nvSpPr>
-          <p:cNvPr id="20" name="PlaceHolder 2"/>
-          <p:cNvSpPr>
-            <a:spLocks noGrp="1"/>
-          </p:cNvSpPr>
-          <p:nvPr>
-            <p:ph type="body"/>
-          </p:nvPr>
-        </p:nvSpPr>
-        <p:spPr>
-          <a:xfrm>
-            <a:off x="504000" y="1768680"/>
-            <a:ext cx="4426920" cy="2090880"/>
-          </a:xfrm>
-          <a:prstGeom prst="rect">
-            <a:avLst/>
-          </a:prstGeom>
-        </p:spPr>
-        <p:txBody>
-          <a:bodyPr lIns="0" rIns="0" tIns="0" bIns="0"/>
-          <a:p>
-            <a:endParaRPr/>
-          </a:p>
-        </p:txBody>
-      </p:sp>
-      <p:sp>
-        <p:nvSpPr>
-          <p:cNvPr id="21" name="PlaceHolder 3"/>
-          <p:cNvSpPr>
-            <a:spLocks noGrp="1"/>
-          </p:cNvSpPr>
-          <p:nvPr>
-            <p:ph type="body"/>
-          </p:nvPr>
-        </p:nvSpPr>
-        <p:spPr>
-          <a:xfrm>
-            <a:off x="5152680" y="1768680"/>
-            <a:ext cx="4426920" cy="2090880"/>
-          </a:xfrm>
-          <a:prstGeom prst="rect">
-            <a:avLst/>
-          </a:prstGeom>
-        </p:spPr>
-        <p:txBody>
-          <a:bodyPr lIns="0" rIns="0" tIns="0" bIns="0"/>
-          <a:p>
-            <a:endParaRPr/>
-          </a:p>
-        </p:txBody>
-      </p:sp>
-      <p:sp>
-        <p:nvSpPr>
-          <p:cNvPr id="22" name="PlaceHolder 4"/>
-          <p:cNvSpPr>
-            <a:spLocks noGrp="1"/>
-          </p:cNvSpPr>
-          <p:nvPr>
-            <p:ph type="body"/>
-          </p:nvPr>
-        </p:nvSpPr>
-        <p:spPr>
-          <a:xfrm>
-            <a:off x="504000" y="4058640"/>
-            <a:ext cx="9072000" cy="2090880"/>
-          </a:xfrm>
-          <a:prstGeom prst="rect">
-            <a:avLst/>
-          </a:prstGeom>
-        </p:spPr>
-        <p:txBody>
-          <a:bodyPr lIns="0" rIns="0" tIns="0" bIns="0"/>
-          <a:p>
-            <a:endParaRPr/>
-          </a:p>
-        </p:txBody>
-      </p:sp>
-    </p:spTree>
-  </p:cSld>
-</p:sldLayout>
-</file>
-
-<file path=ppt/slideMasters/slideMaster1.xml><?xml version="1.0" encoding="utf-8"?>
-<p:sldMaster xmlns:a="http://schemas.openxmlformats.org/drawingml/2006/main" xmlns:p="http://schemas.openxmlformats.org/presentationml/2006/main" xmlns:r="http://schemas.openxmlformats.org/officeDocument/2006/relationships">
+<file path=ppt/slides/slide1.xml><?xml version="1.0" encoding="utf-8"?>
+<p:sld xmlns:a="http://schemas.openxmlformats.org/drawingml/2006/main" xmlns:r="http://schemas.openxmlformats.org/officeDocument/2006/relationships" xmlns:p="http://schemas.openxmlformats.org/presentationml/2006/main">
   <p:cSld>
     <p:spTree>
       <p:nvGrpSpPr>
@@ -4669,179 +5248,818 @@
       </p:grpSpPr>
       <p:sp>
         <p:nvSpPr>
-          <p:cNvPr id="0" name="PlaceHolder 1"/>
-          <p:cNvSpPr>
-            <a:spLocks noGrp="1"/>
-          </p:cNvSpPr>
-          <p:nvPr>
-            <p:ph type="title"/>
-          </p:nvPr>
-        </p:nvSpPr>
-        <p:spPr>
-          <a:xfrm>
-            <a:off x="504000" y="301320"/>
-            <a:ext cx="9071280" cy="1262160"/>
-          </a:xfrm>
-          <a:prstGeom prst="rect">
-            <a:avLst/>
-          </a:prstGeom>
-        </p:spPr>
-        <p:txBody>
-          <a:bodyPr lIns="0" rIns="0" tIns="0" bIns="0" anchor="ctr"/>
-          <a:p>
+          <p:cNvPr id="144" name="CustomShape 1"/>
+          <p:cNvSpPr/>
+          <p:nvPr/>
+        </p:nvSpPr>
+        <p:spPr>
+          <a:xfrm>
+            <a:off x="576360" y="249840"/>
+            <a:ext cx="9071280" cy="1261800"/>
+          </a:xfrm>
+          <a:prstGeom prst="rect">
+            <a:avLst/>
+          </a:prstGeom>
+          <a:noFill/>
+          <a:ln>
+            <a:noFill/>
+          </a:ln>
+        </p:spPr>
+        <p:txBody>
+          <a:bodyPr lIns="0" tIns="0" rIns="0" bIns="0" anchor="ctr"/>
+          <a:lstStyle/>
+          <a:p>
+            <a:pPr algn="ctr">
+              <a:lnSpc>
+                <a:spcPct val="100000"/>
+              </a:lnSpc>
+            </a:pPr>
+            <a:r>
+              <a:rPr lang="en-US" sz="4400">
+                <a:latin typeface="Arial"/>
+              </a:rPr>
+              <a:t>目前开发模式		</a:t>
+            </a:r>
+            <a:endParaRPr/>
+          </a:p>
+        </p:txBody>
+      </p:sp>
+      <p:pic>
+        <p:nvPicPr>
+          <p:cNvPr id="145" name="图片 144"/>
+          <p:cNvPicPr/>
+          <p:nvPr/>
+        </p:nvPicPr>
+        <p:blipFill>
+          <a:blip r:embed="rId2"/>
+          <a:stretch>
+            <a:fillRect/>
+          </a:stretch>
+        </p:blipFill>
+        <p:spPr>
+          <a:xfrm rot="66600">
+            <a:off x="1733040" y="2164320"/>
+            <a:ext cx="520560" cy="565560"/>
+          </a:xfrm>
+          <a:prstGeom prst="rect">
+            <a:avLst/>
+          </a:prstGeom>
+          <a:ln>
+            <a:noFill/>
+          </a:ln>
+        </p:spPr>
+      </p:pic>
+      <p:pic>
+        <p:nvPicPr>
+          <p:cNvPr id="146" name="图片 145"/>
+          <p:cNvPicPr/>
+          <p:nvPr/>
+        </p:nvPicPr>
+        <p:blipFill>
+          <a:blip r:embed="rId2"/>
+          <a:stretch>
+            <a:fillRect/>
+          </a:stretch>
+        </p:blipFill>
+        <p:spPr>
+          <a:xfrm rot="21597000">
+            <a:off x="7757640" y="2109960"/>
+            <a:ext cx="426600" cy="640440"/>
+          </a:xfrm>
+          <a:prstGeom prst="rect">
+            <a:avLst/>
+          </a:prstGeom>
+          <a:ln>
+            <a:noFill/>
+          </a:ln>
+        </p:spPr>
+      </p:pic>
+      <p:sp>
+        <p:nvSpPr>
+          <p:cNvPr id="147" name="CustomShape 2"/>
+          <p:cNvSpPr/>
+          <p:nvPr/>
+        </p:nvSpPr>
+        <p:spPr>
+          <a:xfrm>
+            <a:off x="1631880" y="1866600"/>
+            <a:ext cx="671760" cy="509040"/>
+          </a:xfrm>
+          <a:prstGeom prst="rect">
+            <a:avLst/>
+          </a:prstGeom>
+          <a:noFill/>
+          <a:ln>
+            <a:noFill/>
+          </a:ln>
+        </p:spPr>
+        <p:txBody>
+          <a:bodyPr lIns="90000" tIns="45000" rIns="90000" bIns="45000"/>
+          <a:lstStyle/>
+          <a:p>
+            <a:pPr algn="ctr">
+              <a:lnSpc>
+                <a:spcPct val="100000"/>
+              </a:lnSpc>
+            </a:pPr>
             <a:r>
               <a:rPr lang="en-US">
                 <a:latin typeface="Arial"/>
               </a:rPr>
-              <a:t>Click to edit the title text format</a:t>
-            </a:r>
-            <a:endParaRPr/>
-          </a:p>
-        </p:txBody>
-      </p:sp>
-      <p:sp>
-        <p:nvSpPr>
-          <p:cNvPr id="1" name="PlaceHolder 2"/>
-          <p:cNvSpPr>
-            <a:spLocks noGrp="1"/>
-          </p:cNvSpPr>
-          <p:nvPr>
-            <p:ph type="body"/>
-          </p:nvPr>
-        </p:nvSpPr>
-        <p:spPr>
-          <a:xfrm>
-            <a:off x="504000" y="1768680"/>
-            <a:ext cx="9072000" cy="4384080"/>
-          </a:xfrm>
-          <a:prstGeom prst="rect">
-            <a:avLst/>
-          </a:prstGeom>
-        </p:spPr>
-        <p:txBody>
-          <a:bodyPr lIns="0" rIns="0" tIns="0" bIns="0"/>
-          <a:p>
-            <a:pPr>
-              <a:buSzPct val="45000"/>
-              <a:buFont typeface="StarSymbol"/>
-              <a:buChar char=""/>
+              <a:t>RD</a:t>
+            </a:r>
+            <a:endParaRPr/>
+          </a:p>
+        </p:txBody>
+      </p:sp>
+      <p:sp>
+        <p:nvSpPr>
+          <p:cNvPr id="148" name="CustomShape 3"/>
+          <p:cNvSpPr/>
+          <p:nvPr/>
+        </p:nvSpPr>
+        <p:spPr>
+          <a:xfrm>
+            <a:off x="7758000" y="1763280"/>
+            <a:ext cx="473040" cy="346320"/>
+          </a:xfrm>
+          <a:prstGeom prst="rect">
+            <a:avLst/>
+          </a:prstGeom>
+          <a:noFill/>
+          <a:ln>
+            <a:noFill/>
+          </a:ln>
+        </p:spPr>
+        <p:txBody>
+          <a:bodyPr lIns="90000" tIns="45000" rIns="90000" bIns="45000"/>
+          <a:lstStyle/>
+          <a:p>
+            <a:pPr algn="ctr">
+              <a:lnSpc>
+                <a:spcPct val="100000"/>
+              </a:lnSpc>
             </a:pPr>
             <a:r>
-              <a:rPr lang="en-US" sz="3200">
+              <a:rPr lang="en-US">
                 <a:latin typeface="Arial"/>
               </a:rPr>
-              <a:t>Click to edit the outline text format</a:t>
-            </a:r>
-            <a:endParaRPr/>
-          </a:p>
-          <a:p>
-            <a:pPr lvl="1">
-              <a:buSzPct val="75000"/>
-              <a:buFont typeface="StarSymbol"/>
-              <a:buChar char=""/>
+              <a:t>FE</a:t>
+            </a:r>
+            <a:endParaRPr/>
+          </a:p>
+        </p:txBody>
+      </p:sp>
+      <p:sp>
+        <p:nvSpPr>
+          <p:cNvPr id="149" name="CustomShape 4"/>
+          <p:cNvSpPr/>
+          <p:nvPr/>
+        </p:nvSpPr>
+        <p:spPr>
+          <a:xfrm>
+            <a:off x="7478280" y="4252320"/>
+            <a:ext cx="1094760" cy="614520"/>
+          </a:xfrm>
+          <a:prstGeom prst="rect">
+            <a:avLst/>
+          </a:prstGeom>
+          <a:noFill/>
+          <a:ln>
+            <a:noFill/>
+          </a:ln>
+        </p:spPr>
+        <p:txBody>
+          <a:bodyPr lIns="90000" tIns="45000" rIns="90000" bIns="45000"/>
+          <a:lstStyle/>
+          <a:p>
+            <a:pPr algn="ctr">
+              <a:lnSpc>
+                <a:spcPct val="100000"/>
+              </a:lnSpc>
             </a:pPr>
             <a:r>
-              <a:rPr lang="en-US" sz="2800">
+              <a:rPr lang="en-US">
                 <a:latin typeface="Arial"/>
               </a:rPr>
-              <a:t>Second Outline Level</a:t>
-            </a:r>
-            <a:endParaRPr/>
-          </a:p>
-          <a:p>
-            <a:pPr lvl="2">
-              <a:buSzPct val="45000"/>
-              <a:buFont typeface="StarSymbol"/>
-              <a:buChar char=""/>
+              <a:t>FE</a:t>
+            </a:r>
+            <a:endParaRPr/>
+          </a:p>
+          <a:p>
+            <a:pPr algn="ctr">
+              <a:lnSpc>
+                <a:spcPct val="100000"/>
+              </a:lnSpc>
             </a:pPr>
             <a:r>
-              <a:rPr lang="en-US" sz="2400">
+              <a:rPr lang="en-US">
                 <a:latin typeface="Arial"/>
               </a:rPr>
-              <a:t>Third Outline Level</a:t>
-            </a:r>
-            <a:endParaRPr/>
-          </a:p>
-          <a:p>
-            <a:pPr lvl="3">
-              <a:buSzPct val="75000"/>
-              <a:buFont typeface="StarSymbol"/>
-              <a:buChar char=""/>
+              <a:t>本地环境</a:t>
+            </a:r>
+            <a:endParaRPr/>
+          </a:p>
+        </p:txBody>
+      </p:sp>
+      <p:sp>
+        <p:nvSpPr>
+          <p:cNvPr id="150" name="Line 5"/>
+          <p:cNvSpPr/>
+          <p:nvPr/>
+        </p:nvSpPr>
+        <p:spPr>
+          <a:xfrm flipV="1">
+            <a:off x="2304000" y="1656000"/>
+            <a:ext cx="2304000" cy="504000"/>
+          </a:xfrm>
+          <a:prstGeom prst="line">
+            <a:avLst/>
+          </a:prstGeom>
+          <a:ln>
+            <a:solidFill>
+              <a:srgbClr val="000000"/>
+            </a:solidFill>
+            <a:tailEnd type="triangle" w="med" len="med"/>
+          </a:ln>
+        </p:spPr>
+      </p:sp>
+      <p:sp>
+        <p:nvSpPr>
+          <p:cNvPr id="151" name="Line 6"/>
+          <p:cNvSpPr/>
+          <p:nvPr/>
+        </p:nvSpPr>
+        <p:spPr>
+          <a:xfrm>
+            <a:off x="5472000" y="1641195"/>
+            <a:ext cx="2163240" cy="576000"/>
+          </a:xfrm>
+          <a:prstGeom prst="line">
+            <a:avLst/>
+          </a:prstGeom>
+          <a:ln>
+            <a:solidFill>
+              <a:srgbClr val="000000"/>
+            </a:solidFill>
+            <a:tailEnd type="triangle" w="med" len="med"/>
+          </a:ln>
+        </p:spPr>
+      </p:sp>
+      <p:sp>
+        <p:nvSpPr>
+          <p:cNvPr id="152" name="Line 7"/>
+          <p:cNvSpPr/>
+          <p:nvPr/>
+        </p:nvSpPr>
+        <p:spPr>
+          <a:xfrm>
+            <a:off x="7992000" y="2952000"/>
+            <a:ext cx="0" cy="1152000"/>
+          </a:xfrm>
+          <a:prstGeom prst="line">
+            <a:avLst/>
+          </a:prstGeom>
+          <a:ln>
+            <a:solidFill>
+              <a:srgbClr val="000000"/>
+            </a:solidFill>
+            <a:tailEnd type="triangle" w="med" len="med"/>
+          </a:ln>
+        </p:spPr>
+      </p:sp>
+      <p:sp>
+        <p:nvSpPr>
+          <p:cNvPr id="153" name="Line 8"/>
+          <p:cNvSpPr/>
+          <p:nvPr/>
+        </p:nvSpPr>
+        <p:spPr>
+          <a:xfrm flipH="1" flipV="1">
+            <a:off x="5472000" y="1944000"/>
+            <a:ext cx="2091240" cy="576000"/>
+          </a:xfrm>
+          <a:prstGeom prst="line">
+            <a:avLst/>
+          </a:prstGeom>
+          <a:ln cap="rnd">
+            <a:solidFill>
+              <a:srgbClr val="000000"/>
+            </a:solidFill>
+            <a:custDash>
+              <a:ds d="0" sp="0"/>
+            </a:custDash>
+            <a:tailEnd type="triangle" w="med" len="med"/>
+          </a:ln>
+        </p:spPr>
+      </p:sp>
+      <p:sp>
+        <p:nvSpPr>
+          <p:cNvPr id="154" name="Line 9"/>
+          <p:cNvSpPr/>
+          <p:nvPr/>
+        </p:nvSpPr>
+        <p:spPr>
+          <a:xfrm flipH="1">
+            <a:off x="2376000" y="1872000"/>
+            <a:ext cx="2232000" cy="504000"/>
+          </a:xfrm>
+          <a:prstGeom prst="line">
+            <a:avLst/>
+          </a:prstGeom>
+          <a:ln cap="rnd">
+            <a:solidFill>
+              <a:srgbClr val="000000"/>
+            </a:solidFill>
+            <a:custDash>
+              <a:ds d="0" sp="0"/>
+            </a:custDash>
+            <a:tailEnd type="triangle" w="med" len="med"/>
+          </a:ln>
+        </p:spPr>
+      </p:sp>
+      <p:pic>
+        <p:nvPicPr>
+          <p:cNvPr id="155" name="图片 154"/>
+          <p:cNvPicPr/>
+          <p:nvPr/>
+        </p:nvPicPr>
+        <p:blipFill>
+          <a:blip r:embed="rId3"/>
+          <a:stretch>
+            <a:fillRect/>
+          </a:stretch>
+        </p:blipFill>
+        <p:spPr>
+          <a:xfrm>
+            <a:off x="7212240" y="4874760"/>
+            <a:ext cx="1571400" cy="956880"/>
+          </a:xfrm>
+          <a:prstGeom prst="rect">
+            <a:avLst/>
+          </a:prstGeom>
+          <a:ln>
+            <a:noFill/>
+          </a:ln>
+        </p:spPr>
+      </p:pic>
+      <p:pic>
+        <p:nvPicPr>
+          <p:cNvPr id="156" name="图片 155"/>
+          <p:cNvPicPr/>
+          <p:nvPr/>
+        </p:nvPicPr>
+        <p:blipFill>
+          <a:blip r:embed="rId3"/>
+          <a:stretch>
+            <a:fillRect/>
+          </a:stretch>
+        </p:blipFill>
+        <p:spPr>
+          <a:xfrm>
+            <a:off x="1224000" y="4874760"/>
+            <a:ext cx="1571400" cy="956880"/>
+          </a:xfrm>
+          <a:prstGeom prst="rect">
+            <a:avLst/>
+          </a:prstGeom>
+          <a:ln>
+            <a:noFill/>
+          </a:ln>
+        </p:spPr>
+      </p:pic>
+      <p:sp>
+        <p:nvSpPr>
+          <p:cNvPr id="157" name="CustomShape 10"/>
+          <p:cNvSpPr/>
+          <p:nvPr/>
+        </p:nvSpPr>
+        <p:spPr>
+          <a:xfrm>
+            <a:off x="1373040" y="4221000"/>
+            <a:ext cx="1094760" cy="614520"/>
+          </a:xfrm>
+          <a:prstGeom prst="rect">
+            <a:avLst/>
+          </a:prstGeom>
+          <a:noFill/>
+          <a:ln>
+            <a:noFill/>
+          </a:ln>
+        </p:spPr>
+        <p:txBody>
+          <a:bodyPr lIns="90000" tIns="45000" rIns="90000" bIns="45000"/>
+          <a:lstStyle/>
+          <a:p>
+            <a:pPr algn="ctr">
+              <a:lnSpc>
+                <a:spcPct val="100000"/>
+              </a:lnSpc>
             </a:pPr>
             <a:r>
-              <a:rPr lang="en-US" sz="2000">
+              <a:rPr lang="en-US">
                 <a:latin typeface="Arial"/>
               </a:rPr>
-              <a:t>Fourth Outline Level</a:t>
-            </a:r>
-            <a:endParaRPr/>
-          </a:p>
-          <a:p>
-            <a:pPr lvl="4">
-              <a:buSzPct val="45000"/>
-              <a:buFont typeface="StarSymbol"/>
-              <a:buChar char=""/>
+              <a:t>RD</a:t>
+            </a:r>
+            <a:endParaRPr/>
+          </a:p>
+          <a:p>
+            <a:pPr algn="ctr">
+              <a:lnSpc>
+                <a:spcPct val="100000"/>
+              </a:lnSpc>
             </a:pPr>
             <a:r>
-              <a:rPr lang="en-US" sz="2000">
+              <a:rPr lang="en-US">
                 <a:latin typeface="Arial"/>
               </a:rPr>
-              <a:t>Fifth Outline Level</a:t>
-            </a:r>
-            <a:endParaRPr/>
-          </a:p>
-          <a:p>
-            <a:pPr lvl="5">
-              <a:buSzPct val="45000"/>
-              <a:buFont typeface="StarSymbol"/>
-              <a:buChar char=""/>
+              <a:t>本地环境</a:t>
+            </a:r>
+            <a:endParaRPr/>
+          </a:p>
+        </p:txBody>
+      </p:sp>
+      <p:sp>
+        <p:nvSpPr>
+          <p:cNvPr id="158" name="Line 11"/>
+          <p:cNvSpPr/>
+          <p:nvPr/>
+        </p:nvSpPr>
+        <p:spPr>
+          <a:xfrm>
+            <a:off x="1944000" y="2880000"/>
+            <a:ext cx="0" cy="1341000"/>
+          </a:xfrm>
+          <a:prstGeom prst="line">
+            <a:avLst/>
+          </a:prstGeom>
+          <a:ln>
+            <a:solidFill>
+              <a:srgbClr val="000000"/>
+            </a:solidFill>
+            <a:tailEnd type="triangle" w="med" len="med"/>
+          </a:ln>
+        </p:spPr>
+      </p:sp>
+      <p:sp>
+        <p:nvSpPr>
+          <p:cNvPr id="159" name="Line 12"/>
+          <p:cNvSpPr/>
+          <p:nvPr/>
+        </p:nvSpPr>
+        <p:spPr>
+          <a:xfrm flipH="1">
+            <a:off x="5904000" y="5976000"/>
+            <a:ext cx="1656000" cy="792000"/>
+          </a:xfrm>
+          <a:prstGeom prst="line">
+            <a:avLst/>
+          </a:prstGeom>
+          <a:ln>
+            <a:solidFill>
+              <a:srgbClr val="000000"/>
+            </a:solidFill>
+            <a:tailEnd type="triangle" w="med" len="med"/>
+          </a:ln>
+        </p:spPr>
+      </p:sp>
+      <p:sp>
+        <p:nvSpPr>
+          <p:cNvPr id="160" name="Line 13"/>
+          <p:cNvSpPr/>
+          <p:nvPr/>
+        </p:nvSpPr>
+        <p:spPr>
+          <a:xfrm>
+            <a:off x="2039580" y="5760000"/>
+            <a:ext cx="1656000" cy="1008000"/>
+          </a:xfrm>
+          <a:prstGeom prst="line">
+            <a:avLst/>
+          </a:prstGeom>
+          <a:ln>
+            <a:solidFill>
+              <a:srgbClr val="000000"/>
+            </a:solidFill>
+            <a:tailEnd type="triangle" w="med" len="med"/>
+          </a:ln>
+        </p:spPr>
+      </p:sp>
+      <p:sp>
+        <p:nvSpPr>
+          <p:cNvPr id="162" name="CustomShape 15"/>
+          <p:cNvSpPr/>
+          <p:nvPr/>
+        </p:nvSpPr>
+        <p:spPr>
+          <a:xfrm>
+            <a:off x="3960000" y="2665080"/>
+            <a:ext cx="2009160" cy="358560"/>
+          </a:xfrm>
+          <a:prstGeom prst="rect">
+            <a:avLst/>
+          </a:prstGeom>
+          <a:noFill/>
+          <a:ln>
+            <a:noFill/>
+          </a:ln>
+        </p:spPr>
+        <p:txBody>
+          <a:bodyPr lIns="90000" tIns="45000" rIns="90000" bIns="45000"/>
+          <a:lstStyle/>
+          <a:p>
+            <a:pPr algn="ctr">
+              <a:lnSpc>
+                <a:spcPct val="100000"/>
+              </a:lnSpc>
             </a:pPr>
             <a:r>
-              <a:rPr lang="en-US" sz="2000">
+              <a:rPr lang="en-US">
                 <a:latin typeface="Arial"/>
               </a:rPr>
-              <a:t>Sixth Outline Level</a:t>
-            </a:r>
-            <a:endParaRPr/>
-          </a:p>
-          <a:p>
-            <a:pPr lvl="6">
-              <a:buSzPct val="45000"/>
-              <a:buFont typeface="StarSymbol"/>
-              <a:buChar char=""/>
-            </a:pPr>
-            <a:r>
-              <a:rPr lang="en-US" sz="2000">
-                <a:latin typeface="Arial"/>
-              </a:rPr>
-              <a:t>Seventh Outline Level</a:t>
-            </a:r>
-            <a:endParaRPr/>
+              <a:t>直接口头沟通确定</a:t>
+            </a:r>
+            <a:endParaRPr/>
+          </a:p>
+        </p:txBody>
+      </p:sp>
+      <p:sp>
+        <p:nvSpPr>
+          <p:cNvPr id="3" name="流程图: 多文档 2"/>
+          <p:cNvSpPr/>
+          <p:nvPr/>
+        </p:nvSpPr>
+        <p:spPr>
+          <a:xfrm>
+            <a:off x="4676980" y="1353195"/>
+            <a:ext cx="726040" cy="1022805"/>
+          </a:xfrm>
+          <a:prstGeom prst="flowChartMultidocument">
+            <a:avLst/>
+          </a:prstGeom>
+          <a:ln/>
+        </p:spPr>
+        <p:style>
+          <a:lnRef idx="2">
+            <a:schemeClr val="accent1"/>
+          </a:lnRef>
+          <a:fillRef idx="1">
+            <a:schemeClr val="lt1"/>
+          </a:fillRef>
+          <a:effectRef idx="0">
+            <a:schemeClr val="accent1"/>
+          </a:effectRef>
+          <a:fontRef idx="minor">
+            <a:schemeClr val="dk1"/>
+          </a:fontRef>
+        </p:style>
+        <p:txBody>
+          <a:bodyPr rtlCol="0" anchor="ctr"/>
+          <a:lstStyle/>
+          <a:p>
+            <a:pPr algn="ctr"/>
+            <a:r>
+              <a:rPr lang="en-US" altLang="zh-CN" dirty="0" smtClean="0"/>
+              <a:t>wiki</a:t>
+            </a:r>
+            <a:endParaRPr lang="zh-CN" altLang="en-US" dirty="0"/>
+          </a:p>
+        </p:txBody>
+      </p:sp>
+      <p:sp>
+        <p:nvSpPr>
+          <p:cNvPr id="4" name="流程图: 过程 3"/>
+          <p:cNvSpPr/>
+          <p:nvPr/>
+        </p:nvSpPr>
+        <p:spPr>
+          <a:xfrm>
+            <a:off x="3960000" y="6372000"/>
+            <a:ext cx="648000" cy="1000350"/>
+          </a:xfrm>
+          <a:prstGeom prst="flowChartProcess">
+            <a:avLst/>
+          </a:prstGeom>
+        </p:spPr>
+        <p:style>
+          <a:lnRef idx="1">
+            <a:schemeClr val="dk1"/>
+          </a:lnRef>
+          <a:fillRef idx="2">
+            <a:schemeClr val="dk1"/>
+          </a:fillRef>
+          <a:effectRef idx="1">
+            <a:schemeClr val="dk1"/>
+          </a:effectRef>
+          <a:fontRef idx="minor">
+            <a:schemeClr val="dk1"/>
+          </a:fontRef>
+        </p:style>
+        <p:txBody>
+          <a:bodyPr rtlCol="0" anchor="ctr"/>
+          <a:lstStyle/>
+          <a:p>
+            <a:pPr algn="ctr"/>
+            <a:r>
+              <a:rPr lang="en-US" altLang="zh-CN" dirty="0" smtClean="0"/>
+              <a:t>147</a:t>
+            </a:r>
+            <a:endParaRPr lang="zh-CN" altLang="en-US" dirty="0"/>
+          </a:p>
+        </p:txBody>
+      </p:sp>
+      <p:sp>
+        <p:nvSpPr>
+          <p:cNvPr id="24" name="流程图: 过程 23"/>
+          <p:cNvSpPr/>
+          <p:nvPr/>
+        </p:nvSpPr>
+        <p:spPr>
+          <a:xfrm>
+            <a:off x="5112000" y="6372000"/>
+            <a:ext cx="648000" cy="1000350"/>
+          </a:xfrm>
+          <a:prstGeom prst="flowChartProcess">
+            <a:avLst/>
+          </a:prstGeom>
+        </p:spPr>
+        <p:style>
+          <a:lnRef idx="1">
+            <a:schemeClr val="dk1"/>
+          </a:lnRef>
+          <a:fillRef idx="2">
+            <a:schemeClr val="dk1"/>
+          </a:fillRef>
+          <a:effectRef idx="1">
+            <a:schemeClr val="dk1"/>
+          </a:effectRef>
+          <a:fontRef idx="minor">
+            <a:schemeClr val="dk1"/>
+          </a:fontRef>
+        </p:style>
+        <p:txBody>
+          <a:bodyPr rtlCol="0" anchor="ctr"/>
+          <a:lstStyle/>
+          <a:p>
+            <a:pPr algn="ctr"/>
+            <a:r>
+              <a:rPr lang="en-US" altLang="zh-CN" dirty="0" smtClean="0"/>
+              <a:t>195</a:t>
+            </a:r>
+            <a:endParaRPr lang="zh-CN" altLang="en-US" dirty="0"/>
+          </a:p>
+        </p:txBody>
+      </p:sp>
+      <p:cxnSp>
+        <p:nvCxnSpPr>
+          <p:cNvPr id="6" name="直接箭头连接符 5"/>
+          <p:cNvCxnSpPr/>
+          <p:nvPr/>
+        </p:nvCxnSpPr>
+        <p:spPr>
+          <a:xfrm>
+            <a:off x="2467800" y="2734870"/>
+            <a:ext cx="5092200" cy="0"/>
+          </a:xfrm>
+          <a:prstGeom prst="straightConnector1">
+            <a:avLst/>
+          </a:prstGeom>
+          <a:ln w="22225">
+            <a:solidFill>
+              <a:schemeClr val="accent1">
+                <a:shade val="95000"/>
+                <a:satMod val="105000"/>
+              </a:schemeClr>
+            </a:solidFill>
+            <a:prstDash val="sysDash"/>
+            <a:headEnd type="triangle" w="lg" len="lg"/>
+            <a:tailEnd type="triangle" w="lg" len="lg"/>
+          </a:ln>
+        </p:spPr>
+        <p:style>
+          <a:lnRef idx="1">
+            <a:schemeClr val="accent1"/>
+          </a:lnRef>
+          <a:fillRef idx="0">
+            <a:schemeClr val="accent1"/>
+          </a:fillRef>
+          <a:effectRef idx="0">
+            <a:schemeClr val="accent1"/>
+          </a:effectRef>
+          <a:fontRef idx="minor">
+            <a:schemeClr val="tx1"/>
+          </a:fontRef>
+        </p:style>
+      </p:cxnSp>
+      <p:cxnSp>
+        <p:nvCxnSpPr>
+          <p:cNvPr id="8" name="直接箭头连接符 7"/>
+          <p:cNvCxnSpPr/>
+          <p:nvPr/>
+        </p:nvCxnSpPr>
+        <p:spPr>
+          <a:xfrm>
+            <a:off x="2269095" y="2952000"/>
+            <a:ext cx="2852970" cy="3306488"/>
+          </a:xfrm>
+          <a:prstGeom prst="straightConnector1">
+            <a:avLst/>
+          </a:prstGeom>
+          <a:ln>
+            <a:tailEnd type="triangle"/>
+          </a:ln>
+        </p:spPr>
+        <p:style>
+          <a:lnRef idx="1">
+            <a:schemeClr val="accent1"/>
+          </a:lnRef>
+          <a:fillRef idx="0">
+            <a:schemeClr val="accent1"/>
+          </a:fillRef>
+          <a:effectRef idx="0">
+            <a:schemeClr val="accent1"/>
+          </a:effectRef>
+          <a:fontRef idx="minor">
+            <a:schemeClr val="tx1"/>
+          </a:fontRef>
+        </p:style>
+      </p:cxnSp>
+      <p:sp>
+        <p:nvSpPr>
+          <p:cNvPr id="9" name="文本框 8"/>
+          <p:cNvSpPr txBox="1"/>
+          <p:nvPr/>
+        </p:nvSpPr>
+        <p:spPr>
+          <a:xfrm>
+            <a:off x="2923574" y="4313852"/>
+            <a:ext cx="1544012" cy="369332"/>
+          </a:xfrm>
+          <a:prstGeom prst="rect">
+            <a:avLst/>
+          </a:prstGeom>
+          <a:noFill/>
+        </p:spPr>
+        <p:txBody>
+          <a:bodyPr wrap="none" rtlCol="0">
+            <a:spAutoFit/>
+          </a:bodyPr>
+          <a:lstStyle/>
+          <a:p>
+            <a:r>
+              <a:rPr lang="zh-CN" altLang="en-US" dirty="0" smtClean="0"/>
+              <a:t>获取</a:t>
+            </a:r>
+            <a:r>
+              <a:rPr lang="en-US" altLang="zh-CN" dirty="0" smtClean="0"/>
+              <a:t>html</a:t>
+            </a:r>
+            <a:r>
+              <a:rPr lang="zh-CN" altLang="en-US" dirty="0" smtClean="0"/>
+              <a:t>模板</a:t>
+            </a:r>
+            <a:endParaRPr lang="zh-CN" altLang="en-US" dirty="0"/>
           </a:p>
         </p:txBody>
       </p:sp>
     </p:spTree>
   </p:cSld>
-  <p:clrMap bg1="lt1" bg2="lt2" tx1="dk1" tx2="dk2" accent1="accent1" accent2="accent2" accent3="accent3" accent4="accent4" accent5="accent5" accent6="accent6" hlink="hlink" folHlink="folHlink"/>
-  <p:sldLayoutIdLst>
-    <p:sldLayoutId id="2147483649" r:id="rId2"/>
-    <p:sldLayoutId id="2147483650" r:id="rId3"/>
-    <p:sldLayoutId id="2147483651" r:id="rId4"/>
-    <p:sldLayoutId id="2147483652" r:id="rId5"/>
-    <p:sldLayoutId id="2147483653" r:id="rId6"/>
-    <p:sldLayoutId id="2147483654" r:id="rId7"/>
-    <p:sldLayoutId id="2147483655" r:id="rId8"/>
-    <p:sldLayoutId id="2147483656" r:id="rId9"/>
-    <p:sldLayoutId id="2147483657" r:id="rId10"/>
-    <p:sldLayoutId id="2147483658" r:id="rId11"/>
-    <p:sldLayoutId id="2147483659" r:id="rId12"/>
-    <p:sldLayoutId id="2147483660" r:id="rId13"/>
-  </p:sldLayoutIdLst>
-</p:sldMaster>
+  <p:clrMapOvr>
+    <a:masterClrMapping/>
+  </p:clrMapOvr>
+  <p:timing>
+    <p:tnLst>
+      <p:par>
+        <p:cTn id="1" dur="indefinite" restart="never" nodeType="tmRoot">
+          <p:childTnLst>
+            <p:seq>
+              <p:cTn id="2" nodeType="mainSeq"/>
+              <p:prevCondLst>
+                <p:cond evt="onPrev" delay="0">
+                  <p:tgtEl>
+                    <p:sldTgt/>
+                  </p:tgtEl>
+                </p:cond>
+              </p:prevCondLst>
+              <p:nextCondLst>
+                <p:cond evt="onNext" delay="0">
+                  <p:tgtEl>
+                    <p:sldTgt/>
+                  </p:tgtEl>
+                </p:cond>
+              </p:nextCondLst>
+            </p:seq>
+          </p:childTnLst>
+        </p:cTn>
+      </p:par>
+    </p:tnLst>
+  </p:timing>
+</p:sld>
 </file>
 
-<file path=ppt/slideMasters/slideMaster2.xml><?xml version="1.0" encoding="utf-8"?>
-<p:sldMaster xmlns:a="http://schemas.openxmlformats.org/drawingml/2006/main" xmlns:p="http://schemas.openxmlformats.org/presentationml/2006/main" xmlns:r="http://schemas.openxmlformats.org/officeDocument/2006/relationships">
+<file path=ppt/slides/slide2.xml><?xml version="1.0" encoding="utf-8"?>
+<p:sld xmlns:a="http://schemas.openxmlformats.org/drawingml/2006/main" xmlns:r="http://schemas.openxmlformats.org/officeDocument/2006/relationships" xmlns:p="http://schemas.openxmlformats.org/presentationml/2006/main">
   <p:cSld>
     <p:spTree>
       <p:nvGrpSpPr>
@@ -4859,179 +6077,199 @@
       </p:grpSpPr>
       <p:sp>
         <p:nvSpPr>
-          <p:cNvPr id="36" name="PlaceHolder 1"/>
-          <p:cNvSpPr>
-            <a:spLocks noGrp="1"/>
-          </p:cNvSpPr>
-          <p:nvPr>
-            <p:ph type="title"/>
-          </p:nvPr>
+          <p:cNvPr id="163" name="CustomShape 1"/>
+          <p:cNvSpPr/>
+          <p:nvPr/>
         </p:nvSpPr>
         <p:spPr>
           <a:xfrm>
             <a:off x="504000" y="301320"/>
-            <a:ext cx="9071280" cy="1262160"/>
-          </a:xfrm>
-          <a:prstGeom prst="rect">
-            <a:avLst/>
-          </a:prstGeom>
-        </p:spPr>
-        <p:txBody>
-          <a:bodyPr lIns="0" rIns="0" tIns="0" bIns="0" anchor="ctr"/>
-          <a:p>
-            <a:r>
-              <a:rPr lang="en-US">
+            <a:ext cx="9071280" cy="1261800"/>
+          </a:xfrm>
+          <a:prstGeom prst="rect">
+            <a:avLst/>
+          </a:prstGeom>
+          <a:noFill/>
+          <a:ln>
+            <a:noFill/>
+          </a:ln>
+        </p:spPr>
+        <p:txBody>
+          <a:bodyPr lIns="0" tIns="0" rIns="0" bIns="0" anchor="ctr"/>
+          <a:lstStyle/>
+          <a:p>
+            <a:pPr algn="ctr">
+              <a:lnSpc>
+                <a:spcPct val="100000"/>
+              </a:lnSpc>
+            </a:pPr>
+            <a:r>
+              <a:rPr lang="en-US" sz="4400" dirty="0" err="1">
                 <a:latin typeface="Arial"/>
               </a:rPr>
-              <a:t>Click to edit the title text format</a:t>
-            </a:r>
-            <a:endParaRPr/>
-          </a:p>
-        </p:txBody>
-      </p:sp>
-      <p:sp>
-        <p:nvSpPr>
-          <p:cNvPr id="37" name="PlaceHolder 2"/>
-          <p:cNvSpPr>
-            <a:spLocks noGrp="1"/>
-          </p:cNvSpPr>
-          <p:nvPr>
-            <p:ph type="body"/>
-          </p:nvPr>
-        </p:nvSpPr>
-        <p:spPr>
-          <a:xfrm>
-            <a:off x="504000" y="1768680"/>
-            <a:ext cx="9072000" cy="4384080"/>
-          </a:xfrm>
-          <a:prstGeom prst="rect">
-            <a:avLst/>
-          </a:prstGeom>
-        </p:spPr>
-        <p:txBody>
-          <a:bodyPr lIns="0" rIns="0" tIns="0" bIns="0"/>
+              <a:t>问题</a:t>
+            </a:r>
+            <a:endParaRPr dirty="0"/>
+          </a:p>
+        </p:txBody>
+      </p:sp>
+      <p:sp>
+        <p:nvSpPr>
+          <p:cNvPr id="164" name="CustomShape 2"/>
+          <p:cNvSpPr/>
+          <p:nvPr/>
+        </p:nvSpPr>
+        <p:spPr>
+          <a:xfrm>
+            <a:off x="504000" y="1769040"/>
+            <a:ext cx="9071280" cy="4384080"/>
+          </a:xfrm>
+          <a:prstGeom prst="rect">
+            <a:avLst/>
+          </a:prstGeom>
+          <a:noFill/>
+          <a:ln>
+            <a:noFill/>
+          </a:ln>
+        </p:spPr>
+        <p:txBody>
+          <a:bodyPr lIns="0" tIns="0" rIns="0" bIns="0" anchor="ctr"/>
+          <a:lstStyle/>
           <a:p>
             <a:pPr>
-              <a:buSzPct val="45000"/>
+              <a:lnSpc>
+                <a:spcPct val="150000"/>
+              </a:lnSpc>
               <a:buFont typeface="StarSymbol"/>
-              <a:buChar char=""/>
+              <a:buAutoNum type="arabicPeriod"/>
             </a:pPr>
             <a:r>
-              <a:rPr lang="en-US" sz="3200">
+              <a:rPr lang="en-US" sz="2400" dirty="0" smtClean="0">
                 <a:latin typeface="Arial"/>
               </a:rPr>
-              <a:t>Click to edit the outline text format</a:t>
-            </a:r>
-            <a:endParaRPr/>
-          </a:p>
-          <a:p>
-            <a:pPr lvl="1">
-              <a:buSzPct val="75000"/>
-              <a:buFont typeface="StarSymbol"/>
-              <a:buChar char=""/>
-            </a:pPr>
-            <a:r>
-              <a:rPr lang="en-US" sz="2800">
+              <a:t> </a:t>
+            </a:r>
+            <a:r>
+              <a:rPr lang="en-US" sz="3200" dirty="0" err="1" smtClean="0">
                 <a:latin typeface="Arial"/>
               </a:rPr>
-              <a:t>Second Outline Level</a:t>
-            </a:r>
-            <a:endParaRPr/>
-          </a:p>
-          <a:p>
-            <a:pPr lvl="2">
-              <a:buSzPct val="45000"/>
-              <a:buFont typeface="StarSymbol"/>
-              <a:buChar char=""/>
-            </a:pPr>
-            <a:r>
-              <a:rPr lang="en-US" sz="2400">
+              <a:t>需要维护</a:t>
+            </a:r>
+            <a:r>
+              <a:rPr lang="en-US" sz="3200" dirty="0" err="1">
                 <a:latin typeface="Arial"/>
               </a:rPr>
-              <a:t>Third Outline Level</a:t>
-            </a:r>
-            <a:endParaRPr/>
-          </a:p>
-          <a:p>
-            <a:pPr lvl="3">
-              <a:buSzPct val="75000"/>
-              <a:buFont typeface="StarSymbol"/>
-              <a:buChar char=""/>
-            </a:pPr>
-            <a:r>
-              <a:rPr lang="en-US" sz="2000">
+              <a:t>wiki定义规则</a:t>
+            </a:r>
+            <a:r>
+              <a:rPr lang="en-US" sz="3200" dirty="0">
                 <a:latin typeface="Arial"/>
               </a:rPr>
-              <a:t>Fourth Outline Level</a:t>
-            </a:r>
-            <a:endParaRPr/>
-          </a:p>
-          <a:p>
-            <a:pPr lvl="4">
-              <a:buSzPct val="45000"/>
-              <a:buFont typeface="StarSymbol"/>
-              <a:buChar char=""/>
-            </a:pPr>
-            <a:r>
-              <a:rPr lang="en-US" sz="2000">
+              <a:t> 与 </a:t>
+            </a:r>
+            <a:r>
+              <a:rPr lang="en-US" sz="3200" dirty="0" err="1">
                 <a:latin typeface="Arial"/>
               </a:rPr>
-              <a:t>Fifth Outline Level</a:t>
-            </a:r>
-            <a:endParaRPr/>
-          </a:p>
-          <a:p>
-            <a:pPr lvl="5">
-              <a:buSzPct val="45000"/>
+              <a:t>实际数据的一致性</a:t>
+            </a:r>
+            <a:endParaRPr sz="3200" dirty="0"/>
+          </a:p>
+          <a:p>
+            <a:pPr>
+              <a:lnSpc>
+                <a:spcPct val="150000"/>
+              </a:lnSpc>
               <a:buFont typeface="StarSymbol"/>
-              <a:buChar char=""/>
+              <a:buAutoNum type="arabicPeriod"/>
             </a:pPr>
             <a:r>
-              <a:rPr lang="en-US" sz="2000">
+              <a:rPr lang="en-US" sz="3200" dirty="0" smtClean="0">
                 <a:latin typeface="Arial"/>
               </a:rPr>
-              <a:t>Sixth Outline Level</a:t>
-            </a:r>
-            <a:endParaRPr/>
-          </a:p>
-          <a:p>
-            <a:pPr lvl="6">
-              <a:buSzPct val="45000"/>
-              <a:buFont typeface="StarSymbol"/>
-              <a:buChar char=""/>
-            </a:pPr>
-            <a:r>
-              <a:rPr lang="en-US" sz="2000">
+              <a:t> </a:t>
+            </a:r>
+            <a:r>
+              <a:rPr lang="en-US" sz="3200" dirty="0" err="1" smtClean="0">
                 <a:latin typeface="Arial"/>
               </a:rPr>
-              <a:t>Seventh Outline Level</a:t>
-            </a:r>
-            <a:endParaRPr/>
+              <a:t>FE</a:t>
+            </a:r>
+            <a:r>
+              <a:rPr lang="en-US" sz="3200" dirty="0" err="1">
+                <a:latin typeface="Arial"/>
+              </a:rPr>
+              <a:t>提供页面模板，然后RD套页面，FE需要变更修改模板时需要RD配合再次调整页面模板</a:t>
+            </a:r>
+            <a:endParaRPr sz="3200" dirty="0"/>
+          </a:p>
+          <a:p>
+            <a:pPr>
+              <a:lnSpc>
+                <a:spcPct val="150000"/>
+              </a:lnSpc>
+              <a:buFont typeface="StarSymbol"/>
+              <a:buAutoNum type="arabicPeriod"/>
+            </a:pPr>
+            <a:r>
+              <a:rPr lang="en-US" sz="3200" dirty="0" smtClean="0">
+                <a:latin typeface="Arial"/>
+              </a:rPr>
+              <a:t> </a:t>
+            </a:r>
+            <a:r>
+              <a:rPr lang="en-US" sz="3200" dirty="0" err="1" smtClean="0">
+                <a:latin typeface="Arial"/>
+              </a:rPr>
+              <a:t>FE</a:t>
+            </a:r>
+            <a:r>
+              <a:rPr lang="en-US" sz="3200" dirty="0" err="1">
+                <a:latin typeface="Arial"/>
+              </a:rPr>
+              <a:t>需要根据wiki定义的规则在项目下手动创建用于本地开发的mock数据,而且也需要保持数据一直性</a:t>
+            </a:r>
+            <a:endParaRPr sz="3200" dirty="0"/>
           </a:p>
         </p:txBody>
       </p:sp>
     </p:spTree>
   </p:cSld>
-  <p:clrMap bg1="lt1" bg2="lt2" tx1="dk1" tx2="dk2" accent1="accent1" accent2="accent2" accent3="accent3" accent4="accent4" accent5="accent5" accent6="accent6" hlink="hlink" folHlink="folHlink"/>
-  <p:sldLayoutIdLst>
-    <p:sldLayoutId id="2147483662" r:id="rId2"/>
-    <p:sldLayoutId id="2147483663" r:id="rId3"/>
-    <p:sldLayoutId id="2147483664" r:id="rId4"/>
-    <p:sldLayoutId id="2147483665" r:id="rId5"/>
-    <p:sldLayoutId id="2147483666" r:id="rId6"/>
-    <p:sldLayoutId id="2147483667" r:id="rId7"/>
-    <p:sldLayoutId id="2147483668" r:id="rId8"/>
-    <p:sldLayoutId id="2147483669" r:id="rId9"/>
-    <p:sldLayoutId id="2147483670" r:id="rId10"/>
-    <p:sldLayoutId id="2147483671" r:id="rId11"/>
-    <p:sldLayoutId id="2147483672" r:id="rId12"/>
-    <p:sldLayoutId id="2147483673" r:id="rId13"/>
-  </p:sldLayoutIdLst>
-</p:sldMaster>
+  <p:clrMapOvr>
+    <a:masterClrMapping/>
+  </p:clrMapOvr>
+  <p:timing>
+    <p:tnLst>
+      <p:par>
+        <p:cTn id="1" dur="indefinite" restart="never" nodeType="tmRoot">
+          <p:childTnLst>
+            <p:seq>
+              <p:cTn id="2" nodeType="mainSeq"/>
+              <p:prevCondLst>
+                <p:cond evt="onPrev" delay="0">
+                  <p:tgtEl>
+                    <p:sldTgt/>
+                  </p:tgtEl>
+                </p:cond>
+              </p:prevCondLst>
+              <p:nextCondLst>
+                <p:cond evt="onNext" delay="0">
+                  <p:tgtEl>
+                    <p:sldTgt/>
+                  </p:tgtEl>
+                </p:cond>
+              </p:nextCondLst>
+            </p:seq>
+          </p:childTnLst>
+        </p:cTn>
+      </p:par>
+    </p:tnLst>
+  </p:timing>
+</p:sld>
 </file>
 
-<file path=ppt/slideMasters/slideMaster3.xml><?xml version="1.0" encoding="utf-8"?>
-<p:sldMaster xmlns:a="http://schemas.openxmlformats.org/drawingml/2006/main" xmlns:p="http://schemas.openxmlformats.org/presentationml/2006/main" xmlns:r="http://schemas.openxmlformats.org/officeDocument/2006/relationships">
+<file path=ppt/slides/slide3.xml><?xml version="1.0" encoding="utf-8"?>
+<p:sld xmlns:a="http://schemas.openxmlformats.org/drawingml/2006/main" xmlns:r="http://schemas.openxmlformats.org/officeDocument/2006/relationships" xmlns:p="http://schemas.openxmlformats.org/presentationml/2006/main">
   <p:cSld>
     <p:spTree>
       <p:nvGrpSpPr>
@@ -5049,180 +6287,800 @@
       </p:grpSpPr>
       <p:sp>
         <p:nvSpPr>
-          <p:cNvPr id="72" name="PlaceHolder 1"/>
-          <p:cNvSpPr>
-            <a:spLocks noGrp="1"/>
-          </p:cNvSpPr>
-          <p:nvPr>
-            <p:ph type="title"/>
-          </p:nvPr>
+          <p:cNvPr id="165" name="CustomShape 1"/>
+          <p:cNvSpPr/>
+          <p:nvPr/>
         </p:nvSpPr>
         <p:spPr>
           <a:xfrm>
             <a:off x="504000" y="301320"/>
-            <a:ext cx="9072000" cy="1261800"/>
-          </a:xfrm>
-          <a:prstGeom prst="rect">
-            <a:avLst/>
-          </a:prstGeom>
-        </p:spPr>
-        <p:txBody>
-          <a:bodyPr lIns="0" rIns="0" tIns="0" bIns="0" anchor="ctr"/>
-          <a:p>
-            <a:pPr algn="ctr"/>
+            <a:ext cx="9071280" cy="1261800"/>
+          </a:xfrm>
+          <a:prstGeom prst="rect">
+            <a:avLst/>
+          </a:prstGeom>
+          <a:noFill/>
+          <a:ln>
+            <a:noFill/>
+          </a:ln>
+        </p:spPr>
+        <p:txBody>
+          <a:bodyPr lIns="0" tIns="0" rIns="0" bIns="0" anchor="ctr"/>
+          <a:lstStyle/>
+          <a:p>
+            <a:pPr algn="ctr">
+              <a:lnSpc>
+                <a:spcPct val="100000"/>
+              </a:lnSpc>
+            </a:pPr>
             <a:r>
               <a:rPr lang="en-US" sz="4400">
                 <a:latin typeface="Arial"/>
               </a:rPr>
-              <a:t>Click to edit the title text format</a:t>
-            </a:r>
-            <a:endParaRPr/>
-          </a:p>
-        </p:txBody>
-      </p:sp>
-      <p:sp>
-        <p:nvSpPr>
-          <p:cNvPr id="73" name="PlaceHolder 2"/>
-          <p:cNvSpPr>
-            <a:spLocks noGrp="1"/>
-          </p:cNvSpPr>
-          <p:nvPr>
-            <p:ph type="body"/>
-          </p:nvPr>
-        </p:nvSpPr>
-        <p:spPr>
-          <a:xfrm>
-            <a:off x="504000" y="1768680"/>
-            <a:ext cx="9072000" cy="4384080"/>
-          </a:xfrm>
-          <a:prstGeom prst="rect">
-            <a:avLst/>
-          </a:prstGeom>
-        </p:spPr>
-        <p:txBody>
-          <a:bodyPr lIns="0" rIns="0" tIns="0" bIns="0"/>
-          <a:p>
-            <a:pPr>
-              <a:buSzPct val="45000"/>
-              <a:buFont typeface="StarSymbol"/>
-              <a:buChar char=""/>
+              <a:t>如何解决</a:t>
+            </a:r>
+            <a:endParaRPr/>
+          </a:p>
+        </p:txBody>
+      </p:sp>
+      <p:pic>
+        <p:nvPicPr>
+          <p:cNvPr id="166" name="图片 165"/>
+          <p:cNvPicPr/>
+          <p:nvPr/>
+        </p:nvPicPr>
+        <p:blipFill>
+          <a:blip r:embed="rId2"/>
+          <a:stretch>
+            <a:fillRect/>
+          </a:stretch>
+        </p:blipFill>
+        <p:spPr>
+          <a:xfrm rot="66600">
+            <a:off x="1733040" y="2173680"/>
+            <a:ext cx="520560" cy="565560"/>
+          </a:xfrm>
+          <a:prstGeom prst="rect">
+            <a:avLst/>
+          </a:prstGeom>
+          <a:ln>
+            <a:noFill/>
+          </a:ln>
+        </p:spPr>
+      </p:pic>
+      <p:pic>
+        <p:nvPicPr>
+          <p:cNvPr id="167" name="图片 166"/>
+          <p:cNvPicPr/>
+          <p:nvPr/>
+        </p:nvPicPr>
+        <p:blipFill>
+          <a:blip r:embed="rId2"/>
+          <a:stretch>
+            <a:fillRect/>
+          </a:stretch>
+        </p:blipFill>
+        <p:spPr>
+          <a:xfrm rot="21597000">
+            <a:off x="7757640" y="2119320"/>
+            <a:ext cx="426600" cy="640440"/>
+          </a:xfrm>
+          <a:prstGeom prst="rect">
+            <a:avLst/>
+          </a:prstGeom>
+          <a:ln>
+            <a:noFill/>
+          </a:ln>
+        </p:spPr>
+      </p:pic>
+      <p:sp>
+        <p:nvSpPr>
+          <p:cNvPr id="168" name="CustomShape 2"/>
+          <p:cNvSpPr/>
+          <p:nvPr/>
+        </p:nvSpPr>
+        <p:spPr>
+          <a:xfrm>
+            <a:off x="1631880" y="1875960"/>
+            <a:ext cx="671760" cy="509040"/>
+          </a:xfrm>
+          <a:prstGeom prst="rect">
+            <a:avLst/>
+          </a:prstGeom>
+          <a:noFill/>
+          <a:ln>
+            <a:noFill/>
+          </a:ln>
+        </p:spPr>
+        <p:txBody>
+          <a:bodyPr lIns="90000" tIns="45000" rIns="90000" bIns="45000"/>
+          <a:lstStyle/>
+          <a:p>
+            <a:pPr algn="ctr">
+              <a:lnSpc>
+                <a:spcPct val="100000"/>
+              </a:lnSpc>
             </a:pPr>
             <a:r>
-              <a:rPr lang="en-US" sz="3200">
+              <a:rPr lang="en-US">
                 <a:latin typeface="Arial"/>
               </a:rPr>
-              <a:t>Click to edit the outline text format</a:t>
-            </a:r>
-            <a:endParaRPr/>
-          </a:p>
-          <a:p>
-            <a:pPr lvl="1">
-              <a:buSzPct val="75000"/>
-              <a:buFont typeface="StarSymbol"/>
-              <a:buChar char=""/>
+              <a:t>RD</a:t>
+            </a:r>
+            <a:endParaRPr/>
+          </a:p>
+        </p:txBody>
+      </p:sp>
+      <p:sp>
+        <p:nvSpPr>
+          <p:cNvPr id="169" name="CustomShape 3"/>
+          <p:cNvSpPr/>
+          <p:nvPr/>
+        </p:nvSpPr>
+        <p:spPr>
+          <a:xfrm>
+            <a:off x="7758000" y="1772640"/>
+            <a:ext cx="473040" cy="346320"/>
+          </a:xfrm>
+          <a:prstGeom prst="rect">
+            <a:avLst/>
+          </a:prstGeom>
+          <a:noFill/>
+          <a:ln>
+            <a:noFill/>
+          </a:ln>
+        </p:spPr>
+        <p:txBody>
+          <a:bodyPr lIns="90000" tIns="45000" rIns="90000" bIns="45000"/>
+          <a:lstStyle/>
+          <a:p>
+            <a:pPr algn="ctr">
+              <a:lnSpc>
+                <a:spcPct val="100000"/>
+              </a:lnSpc>
             </a:pPr>
             <a:r>
-              <a:rPr lang="en-US" sz="2800">
+              <a:rPr lang="en-US">
                 <a:latin typeface="Arial"/>
               </a:rPr>
-              <a:t>Second Outline Level</a:t>
-            </a:r>
-            <a:endParaRPr/>
-          </a:p>
-          <a:p>
-            <a:pPr lvl="2">
-              <a:buSzPct val="45000"/>
-              <a:buFont typeface="StarSymbol"/>
-              <a:buChar char=""/>
+              <a:t>FE</a:t>
+            </a:r>
+            <a:endParaRPr/>
+          </a:p>
+        </p:txBody>
+      </p:sp>
+      <p:sp>
+        <p:nvSpPr>
+          <p:cNvPr id="170" name="CustomShape 4"/>
+          <p:cNvSpPr/>
+          <p:nvPr/>
+        </p:nvSpPr>
+        <p:spPr>
+          <a:xfrm>
+            <a:off x="7478280" y="4261680"/>
+            <a:ext cx="1094760" cy="614520"/>
+          </a:xfrm>
+          <a:prstGeom prst="rect">
+            <a:avLst/>
+          </a:prstGeom>
+          <a:noFill/>
+          <a:ln>
+            <a:noFill/>
+          </a:ln>
+        </p:spPr>
+        <p:txBody>
+          <a:bodyPr lIns="90000" tIns="45000" rIns="90000" bIns="45000"/>
+          <a:lstStyle/>
+          <a:p>
+            <a:pPr algn="ctr">
+              <a:lnSpc>
+                <a:spcPct val="100000"/>
+              </a:lnSpc>
             </a:pPr>
             <a:r>
-              <a:rPr lang="en-US" sz="2400">
+              <a:rPr lang="en-US">
                 <a:latin typeface="Arial"/>
               </a:rPr>
-              <a:t>Third Outline Level</a:t>
-            </a:r>
-            <a:endParaRPr/>
-          </a:p>
-          <a:p>
-            <a:pPr lvl="3">
-              <a:buSzPct val="75000"/>
-              <a:buFont typeface="StarSymbol"/>
-              <a:buChar char=""/>
+              <a:t>FE</a:t>
+            </a:r>
+            <a:endParaRPr/>
+          </a:p>
+          <a:p>
+            <a:pPr algn="ctr">
+              <a:lnSpc>
+                <a:spcPct val="100000"/>
+              </a:lnSpc>
             </a:pPr>
             <a:r>
-              <a:rPr lang="en-US" sz="2000">
+              <a:rPr lang="en-US">
                 <a:latin typeface="Arial"/>
               </a:rPr>
-              <a:t>Fourth Outline Level</a:t>
-            </a:r>
-            <a:endParaRPr/>
-          </a:p>
-          <a:p>
-            <a:pPr lvl="4">
-              <a:buSzPct val="45000"/>
-              <a:buFont typeface="StarSymbol"/>
-              <a:buChar char=""/>
+              <a:t>本地环境</a:t>
+            </a:r>
+            <a:endParaRPr/>
+          </a:p>
+        </p:txBody>
+      </p:sp>
+      <p:sp>
+        <p:nvSpPr>
+          <p:cNvPr id="171" name="Line 5"/>
+          <p:cNvSpPr/>
+          <p:nvPr/>
+        </p:nvSpPr>
+        <p:spPr>
+          <a:xfrm>
+            <a:off x="7992000" y="2961360"/>
+            <a:ext cx="0" cy="1152000"/>
+          </a:xfrm>
+          <a:prstGeom prst="line">
+            <a:avLst/>
+          </a:prstGeom>
+          <a:ln>
+            <a:solidFill>
+              <a:srgbClr val="000000"/>
+            </a:solidFill>
+            <a:tailEnd type="triangle" w="med" len="med"/>
+          </a:ln>
+        </p:spPr>
+      </p:sp>
+      <p:pic>
+        <p:nvPicPr>
+          <p:cNvPr id="172" name="图片 171"/>
+          <p:cNvPicPr/>
+          <p:nvPr/>
+        </p:nvPicPr>
+        <p:blipFill>
+          <a:blip r:embed="rId3"/>
+          <a:stretch>
+            <a:fillRect/>
+          </a:stretch>
+        </p:blipFill>
+        <p:spPr>
+          <a:xfrm>
+            <a:off x="7212240" y="4908516"/>
+            <a:ext cx="1571400" cy="956880"/>
+          </a:xfrm>
+          <a:prstGeom prst="rect">
+            <a:avLst/>
+          </a:prstGeom>
+          <a:ln>
+            <a:noFill/>
+          </a:ln>
+        </p:spPr>
+      </p:pic>
+      <p:pic>
+        <p:nvPicPr>
+          <p:cNvPr id="173" name="图片 172"/>
+          <p:cNvPicPr/>
+          <p:nvPr/>
+        </p:nvPicPr>
+        <p:blipFill>
+          <a:blip r:embed="rId3"/>
+          <a:stretch>
+            <a:fillRect/>
+          </a:stretch>
+        </p:blipFill>
+        <p:spPr>
+          <a:xfrm>
+            <a:off x="1224000" y="4884120"/>
+            <a:ext cx="1571400" cy="956880"/>
+          </a:xfrm>
+          <a:prstGeom prst="rect">
+            <a:avLst/>
+          </a:prstGeom>
+          <a:ln>
+            <a:noFill/>
+          </a:ln>
+        </p:spPr>
+      </p:pic>
+      <p:sp>
+        <p:nvSpPr>
+          <p:cNvPr id="174" name="CustomShape 6"/>
+          <p:cNvSpPr/>
+          <p:nvPr/>
+        </p:nvSpPr>
+        <p:spPr>
+          <a:xfrm>
+            <a:off x="1373040" y="4230360"/>
+            <a:ext cx="1094760" cy="614520"/>
+          </a:xfrm>
+          <a:prstGeom prst="rect">
+            <a:avLst/>
+          </a:prstGeom>
+          <a:noFill/>
+          <a:ln>
+            <a:noFill/>
+          </a:ln>
+        </p:spPr>
+        <p:txBody>
+          <a:bodyPr lIns="90000" tIns="45000" rIns="90000" bIns="45000"/>
+          <a:lstStyle/>
+          <a:p>
+            <a:pPr algn="ctr">
+              <a:lnSpc>
+                <a:spcPct val="100000"/>
+              </a:lnSpc>
             </a:pPr>
             <a:r>
-              <a:rPr lang="en-US" sz="2000">
+              <a:rPr lang="en-US">
                 <a:latin typeface="Arial"/>
               </a:rPr>
-              <a:t>Fifth Outline Level</a:t>
-            </a:r>
-            <a:endParaRPr/>
-          </a:p>
-          <a:p>
-            <a:pPr lvl="5">
-              <a:buSzPct val="45000"/>
-              <a:buFont typeface="StarSymbol"/>
-              <a:buChar char=""/>
+              <a:t>RD</a:t>
+            </a:r>
+            <a:endParaRPr/>
+          </a:p>
+          <a:p>
+            <a:pPr algn="ctr">
+              <a:lnSpc>
+                <a:spcPct val="100000"/>
+              </a:lnSpc>
             </a:pPr>
             <a:r>
-              <a:rPr lang="en-US" sz="2000">
+              <a:rPr lang="en-US">
                 <a:latin typeface="Arial"/>
               </a:rPr>
-              <a:t>Sixth Outline Level</a:t>
-            </a:r>
-            <a:endParaRPr/>
-          </a:p>
-          <a:p>
-            <a:pPr lvl="6">
-              <a:buSzPct val="45000"/>
-              <a:buFont typeface="StarSymbol"/>
-              <a:buChar char=""/>
+              <a:t>本地环境</a:t>
+            </a:r>
+            <a:endParaRPr/>
+          </a:p>
+        </p:txBody>
+      </p:sp>
+      <p:sp>
+        <p:nvSpPr>
+          <p:cNvPr id="175" name="Line 7"/>
+          <p:cNvSpPr/>
+          <p:nvPr/>
+        </p:nvSpPr>
+        <p:spPr>
+          <a:xfrm>
+            <a:off x="1944000" y="2889360"/>
+            <a:ext cx="0" cy="1341000"/>
+          </a:xfrm>
+          <a:prstGeom prst="line">
+            <a:avLst/>
+          </a:prstGeom>
+          <a:ln>
+            <a:solidFill>
+              <a:srgbClr val="000000"/>
+            </a:solidFill>
+            <a:tailEnd type="triangle" w="med" len="med"/>
+          </a:ln>
+        </p:spPr>
+      </p:sp>
+      <p:sp>
+        <p:nvSpPr>
+          <p:cNvPr id="176" name="Line 8"/>
+          <p:cNvSpPr/>
+          <p:nvPr/>
+        </p:nvSpPr>
+        <p:spPr>
+          <a:xfrm flipH="1">
+            <a:off x="5904000" y="5985360"/>
+            <a:ext cx="1656000" cy="792000"/>
+          </a:xfrm>
+          <a:prstGeom prst="line">
+            <a:avLst/>
+          </a:prstGeom>
+          <a:ln>
+            <a:solidFill>
+              <a:srgbClr val="000000"/>
+            </a:solidFill>
+            <a:tailEnd type="triangle" w="med" len="med"/>
+          </a:ln>
+        </p:spPr>
+      </p:sp>
+      <p:sp>
+        <p:nvSpPr>
+          <p:cNvPr id="177" name="Line 9"/>
+          <p:cNvSpPr/>
+          <p:nvPr/>
+        </p:nvSpPr>
+        <p:spPr>
+          <a:xfrm>
+            <a:off x="2088000" y="5841360"/>
+            <a:ext cx="1656000" cy="1008000"/>
+          </a:xfrm>
+          <a:prstGeom prst="line">
+            <a:avLst/>
+          </a:prstGeom>
+          <a:ln>
+            <a:solidFill>
+              <a:srgbClr val="000000"/>
+            </a:solidFill>
+            <a:tailEnd type="triangle" w="med" len="med"/>
+          </a:ln>
+        </p:spPr>
+      </p:sp>
+      <p:pic>
+        <p:nvPicPr>
+          <p:cNvPr id="178" name="图片 177"/>
+          <p:cNvPicPr/>
+          <p:nvPr/>
+        </p:nvPicPr>
+        <p:blipFill>
+          <a:blip r:embed="rId4"/>
+          <a:stretch>
+            <a:fillRect/>
+          </a:stretch>
+        </p:blipFill>
+        <p:spPr>
+          <a:xfrm>
+            <a:off x="4680360" y="1833277"/>
+            <a:ext cx="575640" cy="524160"/>
+          </a:xfrm>
+          <a:prstGeom prst="rect">
+            <a:avLst/>
+          </a:prstGeom>
+          <a:ln>
+            <a:noFill/>
+          </a:ln>
+        </p:spPr>
+      </p:pic>
+      <p:sp>
+        <p:nvSpPr>
+          <p:cNvPr id="179" name="Line 10"/>
+          <p:cNvSpPr/>
+          <p:nvPr/>
+        </p:nvSpPr>
+        <p:spPr>
+          <a:xfrm flipV="1">
+            <a:off x="2448000" y="2232000"/>
+            <a:ext cx="2088000" cy="216000"/>
+          </a:xfrm>
+          <a:prstGeom prst="line">
+            <a:avLst/>
+          </a:prstGeom>
+          <a:ln>
+            <a:solidFill>
+              <a:srgbClr val="000000"/>
+            </a:solidFill>
+            <a:tailEnd type="triangle" w="med" len="med"/>
+          </a:ln>
+        </p:spPr>
+      </p:sp>
+      <p:sp>
+        <p:nvSpPr>
+          <p:cNvPr id="180" name="CustomShape 11"/>
+          <p:cNvSpPr/>
+          <p:nvPr/>
+        </p:nvSpPr>
+        <p:spPr>
+          <a:xfrm>
+            <a:off x="4342680" y="1224079"/>
+            <a:ext cx="1251000" cy="346320"/>
+          </a:xfrm>
+          <a:prstGeom prst="rect">
+            <a:avLst/>
+          </a:prstGeom>
+          <a:noFill/>
+          <a:ln>
+            <a:noFill/>
+          </a:ln>
+        </p:spPr>
+        <p:txBody>
+          <a:bodyPr lIns="90000" tIns="45000" rIns="90000" bIns="45000"/>
+          <a:lstStyle/>
+          <a:p>
+            <a:pPr algn="ctr">
+              <a:lnSpc>
+                <a:spcPct val="100000"/>
+              </a:lnSpc>
             </a:pPr>
             <a:r>
-              <a:rPr lang="en-US" sz="2000">
+              <a:rPr lang="en-US" dirty="0" smtClean="0">
                 <a:latin typeface="Arial"/>
               </a:rPr>
-              <a:t>Seventh Outline Level</a:t>
-            </a:r>
-            <a:endParaRPr/>
+              <a:t>API</a:t>
+            </a:r>
+          </a:p>
+          <a:p>
+            <a:pPr algn="ctr">
+              <a:lnSpc>
+                <a:spcPct val="100000"/>
+              </a:lnSpc>
+            </a:pPr>
+            <a:r>
+              <a:rPr lang="en-US" dirty="0" smtClean="0">
+                <a:latin typeface="Arial"/>
+              </a:rPr>
+              <a:t>SERVER</a:t>
+            </a:r>
+            <a:endParaRPr dirty="0"/>
+          </a:p>
+        </p:txBody>
+      </p:sp>
+      <p:sp>
+        <p:nvSpPr>
+          <p:cNvPr id="181" name="Line 12"/>
+          <p:cNvSpPr/>
+          <p:nvPr/>
+        </p:nvSpPr>
+        <p:spPr>
+          <a:xfrm flipH="1" flipV="1">
+            <a:off x="5472000" y="2232000"/>
+            <a:ext cx="2088000" cy="216000"/>
+          </a:xfrm>
+          <a:prstGeom prst="line">
+            <a:avLst/>
+          </a:prstGeom>
+          <a:ln>
+            <a:solidFill>
+              <a:srgbClr val="000000"/>
+            </a:solidFill>
+            <a:tailEnd type="triangle" w="med" len="med"/>
+          </a:ln>
+        </p:spPr>
+      </p:sp>
+      <p:sp>
+        <p:nvSpPr>
+          <p:cNvPr id="182" name="Line 13"/>
+          <p:cNvSpPr/>
+          <p:nvPr/>
+        </p:nvSpPr>
+        <p:spPr>
+          <a:xfrm flipH="1">
+            <a:off x="4976887" y="2500355"/>
+            <a:ext cx="10800" cy="1290285"/>
+          </a:xfrm>
+          <a:prstGeom prst="line">
+            <a:avLst/>
+          </a:prstGeom>
+          <a:ln>
+            <a:solidFill>
+              <a:srgbClr val="000000"/>
+            </a:solidFill>
+            <a:tailEnd type="triangle" w="med" len="med"/>
+          </a:ln>
+        </p:spPr>
+      </p:sp>
+      <p:sp>
+        <p:nvSpPr>
+          <p:cNvPr id="183" name="Line 14"/>
+          <p:cNvSpPr/>
+          <p:nvPr/>
+        </p:nvSpPr>
+        <p:spPr>
+          <a:xfrm>
+            <a:off x="6100763" y="4731120"/>
+            <a:ext cx="1171237" cy="380880"/>
+          </a:xfrm>
+          <a:prstGeom prst="line">
+            <a:avLst/>
+          </a:prstGeom>
+          <a:ln>
+            <a:solidFill>
+              <a:srgbClr val="000000"/>
+            </a:solidFill>
+            <a:tailEnd type="triangle" w="med" len="med"/>
+          </a:ln>
+        </p:spPr>
+      </p:sp>
+      <p:sp>
+        <p:nvSpPr>
+          <p:cNvPr id="3" name="流程图: 多文档 2"/>
+          <p:cNvSpPr/>
+          <p:nvPr/>
+        </p:nvSpPr>
+        <p:spPr>
+          <a:xfrm>
+            <a:off x="4268014" y="4117522"/>
+            <a:ext cx="1471612" cy="850320"/>
+          </a:xfrm>
+          <a:prstGeom prst="flowChartMultidocument">
+            <a:avLst/>
+          </a:prstGeom>
+        </p:spPr>
+        <p:style>
+          <a:lnRef idx="1">
+            <a:schemeClr val="accent5"/>
+          </a:lnRef>
+          <a:fillRef idx="2">
+            <a:schemeClr val="accent5"/>
+          </a:fillRef>
+          <a:effectRef idx="1">
+            <a:schemeClr val="accent5"/>
+          </a:effectRef>
+          <a:fontRef idx="minor">
+            <a:schemeClr val="dk1"/>
+          </a:fontRef>
+        </p:style>
+        <p:txBody>
+          <a:bodyPr rtlCol="0" anchor="ctr"/>
+          <a:lstStyle/>
+          <a:p>
+            <a:pPr algn="ctr"/>
+            <a:r>
+              <a:rPr lang="zh-CN" altLang="en-US" dirty="0" smtClean="0"/>
+              <a:t>项目代码仓库</a:t>
+            </a:r>
+            <a:endParaRPr lang="zh-CN" altLang="en-US" dirty="0"/>
+          </a:p>
+        </p:txBody>
+      </p:sp>
+      <p:sp>
+        <p:nvSpPr>
+          <p:cNvPr id="24" name="流程图: 过程 23"/>
+          <p:cNvSpPr/>
+          <p:nvPr/>
+        </p:nvSpPr>
+        <p:spPr>
+          <a:xfrm>
+            <a:off x="3960000" y="6372000"/>
+            <a:ext cx="648000" cy="1000350"/>
+          </a:xfrm>
+          <a:prstGeom prst="flowChartProcess">
+            <a:avLst/>
+          </a:prstGeom>
+        </p:spPr>
+        <p:style>
+          <a:lnRef idx="1">
+            <a:schemeClr val="dk1"/>
+          </a:lnRef>
+          <a:fillRef idx="2">
+            <a:schemeClr val="dk1"/>
+          </a:fillRef>
+          <a:effectRef idx="1">
+            <a:schemeClr val="dk1"/>
+          </a:effectRef>
+          <a:fontRef idx="minor">
+            <a:schemeClr val="dk1"/>
+          </a:fontRef>
+        </p:style>
+        <p:txBody>
+          <a:bodyPr rtlCol="0" anchor="ctr"/>
+          <a:lstStyle/>
+          <a:p>
+            <a:pPr algn="ctr"/>
+            <a:r>
+              <a:rPr lang="en-US" altLang="zh-CN" dirty="0" smtClean="0"/>
+              <a:t>147</a:t>
+            </a:r>
+            <a:endParaRPr lang="zh-CN" altLang="en-US" dirty="0"/>
+          </a:p>
+        </p:txBody>
+      </p:sp>
+      <p:sp>
+        <p:nvSpPr>
+          <p:cNvPr id="25" name="流程图: 过程 24"/>
+          <p:cNvSpPr/>
+          <p:nvPr/>
+        </p:nvSpPr>
+        <p:spPr>
+          <a:xfrm>
+            <a:off x="5112000" y="6372000"/>
+            <a:ext cx="648000" cy="1000350"/>
+          </a:xfrm>
+          <a:prstGeom prst="flowChartProcess">
+            <a:avLst/>
+          </a:prstGeom>
+        </p:spPr>
+        <p:style>
+          <a:lnRef idx="1">
+            <a:schemeClr val="dk1"/>
+          </a:lnRef>
+          <a:fillRef idx="2">
+            <a:schemeClr val="dk1"/>
+          </a:fillRef>
+          <a:effectRef idx="1">
+            <a:schemeClr val="dk1"/>
+          </a:effectRef>
+          <a:fontRef idx="minor">
+            <a:schemeClr val="dk1"/>
+          </a:fontRef>
+        </p:style>
+        <p:txBody>
+          <a:bodyPr rtlCol="0" anchor="ctr"/>
+          <a:lstStyle/>
+          <a:p>
+            <a:pPr algn="ctr"/>
+            <a:r>
+              <a:rPr lang="en-US" altLang="zh-CN" dirty="0" smtClean="0"/>
+              <a:t>195</a:t>
+            </a:r>
+            <a:endParaRPr lang="zh-CN" altLang="en-US" dirty="0"/>
+          </a:p>
+        </p:txBody>
+      </p:sp>
+      <p:cxnSp>
+        <p:nvCxnSpPr>
+          <p:cNvPr id="5" name="直接箭头连接符 4"/>
+          <p:cNvCxnSpPr/>
+          <p:nvPr/>
+        </p:nvCxnSpPr>
+        <p:spPr>
+          <a:xfrm flipH="1">
+            <a:off x="4680360" y="5572125"/>
+            <a:ext cx="2420528" cy="799875"/>
+          </a:xfrm>
+          <a:prstGeom prst="straightConnector1">
+            <a:avLst/>
+          </a:prstGeom>
+          <a:ln>
+            <a:tailEnd type="triangle"/>
+          </a:ln>
+        </p:spPr>
+        <p:style>
+          <a:lnRef idx="1">
+            <a:schemeClr val="accent1"/>
+          </a:lnRef>
+          <a:fillRef idx="0">
+            <a:schemeClr val="accent1"/>
+          </a:fillRef>
+          <a:effectRef idx="0">
+            <a:schemeClr val="accent1"/>
+          </a:effectRef>
+          <a:fontRef idx="minor">
+            <a:schemeClr val="tx1"/>
+          </a:fontRef>
+        </p:style>
+      </p:cxnSp>
+      <p:sp>
+        <p:nvSpPr>
+          <p:cNvPr id="6" name="文本框 5"/>
+          <p:cNvSpPr txBox="1"/>
+          <p:nvPr/>
+        </p:nvSpPr>
+        <p:spPr>
+          <a:xfrm>
+            <a:off x="5628960" y="5716283"/>
+            <a:ext cx="607859" cy="369332"/>
+          </a:xfrm>
+          <a:prstGeom prst="rect">
+            <a:avLst/>
+          </a:prstGeom>
+          <a:noFill/>
+        </p:spPr>
+        <p:txBody>
+          <a:bodyPr wrap="none" rtlCol="0">
+            <a:spAutoFit/>
+          </a:bodyPr>
+          <a:lstStyle/>
+          <a:p>
+            <a:r>
+              <a:rPr lang="en-US" altLang="zh-CN" dirty="0" smtClean="0"/>
+              <a:t>TPL</a:t>
+            </a:r>
+            <a:endParaRPr lang="zh-CN" altLang="en-US" dirty="0"/>
           </a:p>
         </p:txBody>
       </p:sp>
     </p:spTree>
   </p:cSld>
-  <p:clrMap bg1="lt1" bg2="lt2" tx1="dk1" tx2="dk2" accent1="accent1" accent2="accent2" accent3="accent3" accent4="accent4" accent5="accent5" accent6="accent6" hlink="hlink" folHlink="folHlink"/>
-  <p:sldLayoutIdLst>
-    <p:sldLayoutId id="2147483675" r:id="rId2"/>
-    <p:sldLayoutId id="2147483676" r:id="rId3"/>
-    <p:sldLayoutId id="2147483677" r:id="rId4"/>
-    <p:sldLayoutId id="2147483678" r:id="rId5"/>
-    <p:sldLayoutId id="2147483679" r:id="rId6"/>
-    <p:sldLayoutId id="2147483680" r:id="rId7"/>
-    <p:sldLayoutId id="2147483681" r:id="rId8"/>
-    <p:sldLayoutId id="2147483682" r:id="rId9"/>
-    <p:sldLayoutId id="2147483683" r:id="rId10"/>
-    <p:sldLayoutId id="2147483684" r:id="rId11"/>
-    <p:sldLayoutId id="2147483685" r:id="rId12"/>
-    <p:sldLayoutId id="2147483686" r:id="rId13"/>
-  </p:sldLayoutIdLst>
-</p:sldMaster>
+  <p:clrMapOvr>
+    <a:masterClrMapping/>
+  </p:clrMapOvr>
+  <p:timing>
+    <p:tnLst>
+      <p:par>
+        <p:cTn id="1" dur="indefinite" restart="never" nodeType="tmRoot">
+          <p:childTnLst>
+            <p:seq>
+              <p:cTn id="2" nodeType="mainSeq"/>
+              <p:prevCondLst>
+                <p:cond evt="onPrev" delay="0">
+                  <p:tgtEl>
+                    <p:sldTgt/>
+                  </p:tgtEl>
+                </p:cond>
+              </p:prevCondLst>
+              <p:nextCondLst>
+                <p:cond evt="onNext" delay="0">
+                  <p:tgtEl>
+                    <p:sldTgt/>
+                  </p:tgtEl>
+                </p:cond>
+              </p:nextCondLst>
+            </p:seq>
+          </p:childTnLst>
+        </p:cTn>
+      </p:par>
+    </p:tnLst>
+  </p:timing>
+</p:sld>
 </file>
 
-<file path=ppt/slideMasters/slideMaster4.xml><?xml version="1.0" encoding="utf-8"?>
-<p:sldMaster xmlns:a="http://schemas.openxmlformats.org/drawingml/2006/main" xmlns:p="http://schemas.openxmlformats.org/presentationml/2006/main" xmlns:r="http://schemas.openxmlformats.org/officeDocument/2006/relationships">
+<file path=ppt/slides/slide4.xml><?xml version="1.0" encoding="utf-8"?>
+<p:sld xmlns:a="http://schemas.openxmlformats.org/drawingml/2006/main" xmlns:r="http://schemas.openxmlformats.org/officeDocument/2006/relationships" xmlns:p="http://schemas.openxmlformats.org/presentationml/2006/main">
   <p:cSld>
     <p:spTree>
       <p:nvGrpSpPr>
@@ -5240,7 +7098,134 @@
       </p:grpSpPr>
       <p:sp>
         <p:nvSpPr>
-          <p:cNvPr id="108" name="PlaceHolder 1"/>
+          <p:cNvPr id="5" name="文本占位符 4"/>
+          <p:cNvSpPr>
+            <a:spLocks noGrp="1"/>
+          </p:cNvSpPr>
+          <p:nvPr>
+            <p:ph type="body"/>
+          </p:nvPr>
+        </p:nvSpPr>
+        <p:spPr>
+          <a:xfrm>
+            <a:off x="504000" y="2071688"/>
+            <a:ext cx="9072000" cy="4886324"/>
+          </a:xfrm>
+        </p:spPr>
+        <p:txBody>
+          <a:bodyPr/>
+          <a:lstStyle/>
+          <a:p>
+            <a:pPr marL="0" indent="0">
+              <a:buNone/>
+            </a:pPr>
+            <a:r>
+              <a:rPr lang="zh-CN" altLang="en-US" dirty="0" smtClean="0"/>
+              <a:t>对于</a:t>
+            </a:r>
+            <a:r>
+              <a:rPr lang="en-US" altLang="zh-CN" dirty="0" smtClean="0"/>
+              <a:t>FE</a:t>
+            </a:r>
+            <a:r>
+              <a:rPr lang="zh-CN" altLang="en-US" dirty="0" smtClean="0"/>
+              <a:t>：</a:t>
+            </a:r>
+            <a:endParaRPr lang="en-US" altLang="zh-CN" dirty="0" smtClean="0"/>
+          </a:p>
+          <a:p>
+            <a:pPr marL="0" indent="0">
+              <a:buNone/>
+            </a:pPr>
+            <a:r>
+              <a:rPr lang="zh-CN" altLang="en-US" dirty="0" smtClean="0"/>
+              <a:t>项目代码仓库里就有所有的</a:t>
+            </a:r>
+            <a:r>
+              <a:rPr lang="en-US" altLang="zh-CN" dirty="0" smtClean="0"/>
+              <a:t>API</a:t>
+            </a:r>
+            <a:r>
+              <a:rPr lang="zh-CN" altLang="en-US" dirty="0" smtClean="0"/>
+              <a:t>规范文档，可以直接以此进行</a:t>
+            </a:r>
+            <a:r>
+              <a:rPr lang="en-US" altLang="zh-CN" dirty="0" smtClean="0"/>
+              <a:t>mock</a:t>
+            </a:r>
+            <a:r>
+              <a:rPr lang="zh-CN" altLang="en-US" dirty="0" smtClean="0"/>
+              <a:t>，文档发生变更可以及时得知，并且可以直接拉取更新；</a:t>
+            </a:r>
+            <a:endParaRPr lang="en-US" altLang="zh-CN" dirty="0" smtClean="0"/>
+          </a:p>
+          <a:p>
+            <a:pPr marL="0" indent="0">
+              <a:buNone/>
+            </a:pPr>
+            <a:r>
+              <a:rPr lang="zh-CN" altLang="en-US" dirty="0" smtClean="0"/>
+              <a:t>对于</a:t>
+            </a:r>
+            <a:r>
+              <a:rPr lang="en-US" altLang="zh-CN" dirty="0" smtClean="0"/>
+              <a:t>RD</a:t>
+            </a:r>
+            <a:r>
+              <a:rPr lang="zh-CN" altLang="en-US" dirty="0" smtClean="0"/>
+              <a:t>：</a:t>
+            </a:r>
+            <a:endParaRPr lang="en-US" altLang="zh-CN" dirty="0" smtClean="0"/>
+          </a:p>
+          <a:p>
+            <a:pPr marL="0" indent="0">
+              <a:buNone/>
+            </a:pPr>
+            <a:r>
+              <a:rPr lang="zh-CN" altLang="en-US" dirty="0"/>
+              <a:t>只需</a:t>
+            </a:r>
+            <a:r>
+              <a:rPr lang="zh-CN" altLang="en-US" dirty="0" smtClean="0"/>
+              <a:t>要在</a:t>
+            </a:r>
+            <a:r>
+              <a:rPr lang="en-US" altLang="zh-CN" dirty="0" smtClean="0"/>
+              <a:t>API SERVER</a:t>
+            </a:r>
+            <a:r>
+              <a:rPr lang="zh-CN" altLang="en-US" dirty="0" smtClean="0"/>
+              <a:t>提供的界面上编辑定义所有页面及其接口相关的规则文档即可，不需要再去拿</a:t>
+            </a:r>
+            <a:r>
+              <a:rPr lang="en-US" altLang="zh-CN" dirty="0" smtClean="0"/>
+              <a:t>FE</a:t>
+            </a:r>
+            <a:r>
+              <a:rPr lang="zh-CN" altLang="en-US" dirty="0" smtClean="0"/>
+              <a:t>提供的模板套页面。（</a:t>
+            </a:r>
+            <a:r>
+              <a:rPr lang="en-US" altLang="zh-CN" dirty="0" smtClean="0"/>
+              <a:t>FE</a:t>
+            </a:r>
+            <a:r>
+              <a:rPr lang="zh-CN" altLang="en-US" dirty="0" smtClean="0"/>
+              <a:t>可以根据页面的配置，直接将模板推送过去）</a:t>
+            </a:r>
+            <a:endParaRPr lang="en-US" altLang="zh-CN" dirty="0"/>
+          </a:p>
+          <a:p>
+            <a:pPr marL="0" indent="0">
+              <a:buNone/>
+            </a:pPr>
+            <a:endParaRPr lang="en-US" altLang="zh-CN" dirty="0" smtClean="0"/>
+          </a:p>
+        </p:txBody>
+      </p:sp>
+      <p:sp>
+        <p:nvSpPr>
+          <p:cNvPr id="4" name="标题 3"/>
           <p:cNvSpPr>
             <a:spLocks noGrp="1"/>
           </p:cNvSpPr>
@@ -5248,172 +7233,42 @@
             <p:ph type="title"/>
           </p:nvPr>
         </p:nvSpPr>
-        <p:spPr>
-          <a:xfrm>
-            <a:off x="504000" y="301320"/>
-            <a:ext cx="9072000" cy="1261800"/>
-          </a:xfrm>
-          <a:prstGeom prst="rect">
-            <a:avLst/>
-          </a:prstGeom>
-        </p:spPr>
-        <p:txBody>
-          <a:bodyPr lIns="0" rIns="0" tIns="0" bIns="0" anchor="ctr"/>
+        <p:spPr/>
+        <p:txBody>
+          <a:bodyPr/>
+          <a:lstStyle/>
           <a:p>
             <a:pPr algn="ctr"/>
             <a:r>
-              <a:rPr lang="en-US" sz="4400">
-                <a:latin typeface="Arial"/>
-              </a:rPr>
-              <a:t>Click to edit the title text format</a:t>
-            </a:r>
-            <a:endParaRPr/>
-          </a:p>
-        </p:txBody>
-      </p:sp>
-      <p:sp>
-        <p:nvSpPr>
-          <p:cNvPr id="109" name="PlaceHolder 2"/>
-          <p:cNvSpPr>
-            <a:spLocks noGrp="1"/>
-          </p:cNvSpPr>
-          <p:nvPr>
-            <p:ph type="body"/>
-          </p:nvPr>
-        </p:nvSpPr>
-        <p:spPr>
-          <a:xfrm>
-            <a:off x="504000" y="1768680"/>
-            <a:ext cx="9072000" cy="4384080"/>
-          </a:xfrm>
-          <a:prstGeom prst="rect">
-            <a:avLst/>
-          </a:prstGeom>
-        </p:spPr>
-        <p:txBody>
-          <a:bodyPr lIns="0" rIns="0" tIns="0" bIns="0"/>
-          <a:p>
-            <a:pPr>
-              <a:buSzPct val="45000"/>
-              <a:buFont typeface="StarSymbol"/>
-              <a:buChar char=""/>
-            </a:pPr>
-            <a:r>
-              <a:rPr lang="en-US" sz="3200">
-                <a:latin typeface="Arial"/>
-              </a:rPr>
-              <a:t>Click to edit the outline text format</a:t>
-            </a:r>
-            <a:endParaRPr/>
-          </a:p>
-          <a:p>
-            <a:pPr lvl="1">
-              <a:buSzPct val="75000"/>
-              <a:buFont typeface="StarSymbol"/>
-              <a:buChar char=""/>
-            </a:pPr>
-            <a:r>
-              <a:rPr lang="en-US" sz="2800">
-                <a:latin typeface="Arial"/>
-              </a:rPr>
-              <a:t>Second Outline Level</a:t>
-            </a:r>
-            <a:endParaRPr/>
-          </a:p>
-          <a:p>
-            <a:pPr lvl="2">
-              <a:buSzPct val="45000"/>
-              <a:buFont typeface="StarSymbol"/>
-              <a:buChar char=""/>
-            </a:pPr>
-            <a:r>
-              <a:rPr lang="en-US" sz="2400">
-                <a:latin typeface="Arial"/>
-              </a:rPr>
-              <a:t>Third Outline Level</a:t>
-            </a:r>
-            <a:endParaRPr/>
-          </a:p>
-          <a:p>
-            <a:pPr lvl="3">
-              <a:buSzPct val="75000"/>
-              <a:buFont typeface="StarSymbol"/>
-              <a:buChar char=""/>
-            </a:pPr>
-            <a:r>
-              <a:rPr lang="en-US" sz="2000">
-                <a:latin typeface="Arial"/>
-              </a:rPr>
-              <a:t>Fourth Outline Level</a:t>
-            </a:r>
-            <a:endParaRPr/>
-          </a:p>
-          <a:p>
-            <a:pPr lvl="4">
-              <a:buSzPct val="45000"/>
-              <a:buFont typeface="StarSymbol"/>
-              <a:buChar char=""/>
-            </a:pPr>
-            <a:r>
-              <a:rPr lang="en-US" sz="2000">
-                <a:latin typeface="Arial"/>
-              </a:rPr>
-              <a:t>Fifth Outline Level</a:t>
-            </a:r>
-            <a:endParaRPr/>
-          </a:p>
-          <a:p>
-            <a:pPr lvl="5">
-              <a:buSzPct val="45000"/>
-              <a:buFont typeface="StarSymbol"/>
-              <a:buChar char=""/>
-            </a:pPr>
-            <a:r>
-              <a:rPr lang="en-US" sz="2000">
-                <a:latin typeface="Arial"/>
-              </a:rPr>
-              <a:t>Sixth Outline Level</a:t>
-            </a:r>
-            <a:endParaRPr/>
-          </a:p>
-          <a:p>
-            <a:pPr lvl="6">
-              <a:buSzPct val="45000"/>
-              <a:buFont typeface="StarSymbol"/>
-              <a:buChar char=""/>
-            </a:pPr>
-            <a:r>
-              <a:rPr lang="en-US" sz="2000">
-                <a:latin typeface="Arial"/>
-              </a:rPr>
-              <a:t>Seventh Outline Level</a:t>
-            </a:r>
-            <a:endParaRPr/>
+              <a:rPr lang="zh-CN" altLang="en-US" dirty="0" smtClean="0"/>
+              <a:t>有什么变化</a:t>
+            </a:r>
+            <a:endParaRPr lang="zh-CN" altLang="en-US" dirty="0"/>
           </a:p>
         </p:txBody>
       </p:sp>
     </p:spTree>
+    <p:extLst>
+      <p:ext uri="{BB962C8B-B14F-4D97-AF65-F5344CB8AC3E}">
+        <p14:creationId xmlns:p14="http://schemas.microsoft.com/office/powerpoint/2010/main" val="3392954097"/>
+      </p:ext>
+    </p:extLst>
   </p:cSld>
-  <p:clrMap bg1="lt1" bg2="lt2" tx1="dk1" tx2="dk2" accent1="accent1" accent2="accent2" accent3="accent3" accent4="accent4" accent5="accent5" accent6="accent6" hlink="hlink" folHlink="folHlink"/>
-  <p:sldLayoutIdLst>
-    <p:sldLayoutId id="2147483688" r:id="rId2"/>
-    <p:sldLayoutId id="2147483689" r:id="rId3"/>
-    <p:sldLayoutId id="2147483690" r:id="rId4"/>
-    <p:sldLayoutId id="2147483691" r:id="rId5"/>
-    <p:sldLayoutId id="2147483692" r:id="rId6"/>
-    <p:sldLayoutId id="2147483693" r:id="rId7"/>
-    <p:sldLayoutId id="2147483694" r:id="rId8"/>
-    <p:sldLayoutId id="2147483695" r:id="rId9"/>
-    <p:sldLayoutId id="2147483696" r:id="rId10"/>
-    <p:sldLayoutId id="2147483697" r:id="rId11"/>
-    <p:sldLayoutId id="2147483698" r:id="rId12"/>
-    <p:sldLayoutId id="2147483699" r:id="rId13"/>
-  </p:sldLayoutIdLst>
-</p:sldMaster>
+  <p:clrMapOvr>
+    <a:masterClrMapping/>
+  </p:clrMapOvr>
+  <p:timing>
+    <p:tnLst>
+      <p:par>
+        <p:cTn id="1" dur="indefinite" restart="never" nodeType="tmRoot"/>
+      </p:par>
+    </p:tnLst>
+  </p:timing>
+</p:sld>
 </file>
 
-<file path=ppt/slides/slide1.xml><?xml version="1.0" encoding="utf-8"?>
-<p:sld xmlns:a="http://schemas.openxmlformats.org/drawingml/2006/main" xmlns:p="http://schemas.openxmlformats.org/presentationml/2006/main" xmlns:r="http://schemas.openxmlformats.org/officeDocument/2006/relationships">
+<file path=ppt/slides/slide5.xml><?xml version="1.0" encoding="utf-8"?>
+<p:sld xmlns:a="http://schemas.openxmlformats.org/drawingml/2006/main" xmlns:r="http://schemas.openxmlformats.org/officeDocument/2006/relationships" xmlns:p="http://schemas.openxmlformats.org/presentationml/2006/main">
   <p:cSld>
     <p:spTree>
       <p:nvGrpSpPr>
@@ -5431,608 +7286,135 @@
       </p:grpSpPr>
       <p:sp>
         <p:nvSpPr>
-          <p:cNvPr id="144" name="CustomShape 1"/>
-          <p:cNvSpPr/>
-          <p:nvPr/>
-        </p:nvSpPr>
-        <p:spPr>
-          <a:xfrm>
-            <a:off x="576360" y="249840"/>
-            <a:ext cx="9071280" cy="1261800"/>
-          </a:xfrm>
-          <a:prstGeom prst="rect">
-            <a:avLst/>
-          </a:prstGeom>
-          <a:noFill/>
-          <a:ln>
-            <a:noFill/>
-          </a:ln>
-        </p:spPr>
-        <p:txBody>
-          <a:bodyPr lIns="0" rIns="0" tIns="0" bIns="0" anchor="ctr"/>
-          <a:p>
-            <a:pPr algn="ctr">
-              <a:lnSpc>
-                <a:spcPct val="100000"/>
-              </a:lnSpc>
+          <p:cNvPr id="2" name="标题 1"/>
+          <p:cNvSpPr>
+            <a:spLocks noGrp="1"/>
+          </p:cNvSpPr>
+          <p:nvPr>
+            <p:ph type="title"/>
+          </p:nvPr>
+        </p:nvSpPr>
+        <p:spPr/>
+        <p:txBody>
+          <a:bodyPr/>
+          <a:lstStyle/>
+          <a:p>
+            <a:pPr algn="ctr"/>
+            <a:r>
+              <a:rPr lang="en-US" altLang="zh-CN" dirty="0" smtClean="0"/>
+              <a:t>API SERVER</a:t>
+            </a:r>
+            <a:endParaRPr lang="zh-CN" altLang="en-US" dirty="0"/>
+          </a:p>
+        </p:txBody>
+      </p:sp>
+      <p:sp>
+        <p:nvSpPr>
+          <p:cNvPr id="3" name="副标题 2"/>
+          <p:cNvSpPr>
+            <a:spLocks noGrp="1"/>
+          </p:cNvSpPr>
+          <p:nvPr>
+            <p:ph type="subTitle"/>
+          </p:nvPr>
+        </p:nvSpPr>
+        <p:spPr>
+          <a:xfrm>
+            <a:off x="504000" y="1563480"/>
+            <a:ext cx="9325800" cy="5237370"/>
+          </a:xfrm>
+        </p:spPr>
+        <p:txBody>
+          <a:bodyPr/>
+          <a:lstStyle/>
+          <a:p>
+            <a:pPr marL="514350" indent="-514350">
+              <a:buFont typeface="+mj-lt"/>
+              <a:buAutoNum type="arabicPeriod"/>
             </a:pPr>
             <a:r>
-              <a:rPr lang="en-US" sz="4400">
-                <a:latin typeface="Arial"/>
-              </a:rPr>
-              <a:t>目前开发模式</a:t>
-            </a:r>
-            <a:r>
-              <a:rPr lang="en-US" sz="4400">
-                <a:latin typeface="Arial"/>
-              </a:rPr>
-              <a:t>	</a:t>
-            </a:r>
-            <a:r>
-              <a:rPr lang="en-US" sz="4400">
-                <a:latin typeface="Arial"/>
-              </a:rPr>
-              <a:t>	</a:t>
-            </a:r>
-            <a:endParaRPr/>
-          </a:p>
-        </p:txBody>
-      </p:sp>
-      <p:pic>
-        <p:nvPicPr>
-          <p:cNvPr id="145" name="" descr=""/>
-          <p:cNvPicPr/>
-          <p:nvPr/>
-        </p:nvPicPr>
-        <p:blipFill>
-          <a:blip r:embed="rId1"/>
-          <a:stretch>
-            <a:fillRect/>
-          </a:stretch>
-        </p:blipFill>
-        <p:spPr>
-          <a:xfrm rot="66600">
-            <a:off x="1733040" y="2164320"/>
-            <a:ext cx="520560" cy="565560"/>
-          </a:xfrm>
-          <a:prstGeom prst="rect">
-            <a:avLst/>
-          </a:prstGeom>
-          <a:ln>
-            <a:noFill/>
-          </a:ln>
-        </p:spPr>
-      </p:pic>
-      <p:pic>
-        <p:nvPicPr>
-          <p:cNvPr id="146" name="" descr=""/>
-          <p:cNvPicPr/>
-          <p:nvPr/>
-        </p:nvPicPr>
-        <p:blipFill>
-          <a:blip r:embed="rId2"/>
-          <a:stretch>
-            <a:fillRect/>
-          </a:stretch>
-        </p:blipFill>
-        <p:spPr>
-          <a:xfrm rot="21597000">
-            <a:off x="7757640" y="2109960"/>
-            <a:ext cx="426600" cy="640440"/>
-          </a:xfrm>
-          <a:prstGeom prst="rect">
-            <a:avLst/>
-          </a:prstGeom>
-          <a:ln>
-            <a:noFill/>
-          </a:ln>
-        </p:spPr>
-      </p:pic>
-      <p:sp>
-        <p:nvSpPr>
-          <p:cNvPr id="147" name="CustomShape 2"/>
-          <p:cNvSpPr/>
-          <p:nvPr/>
-        </p:nvSpPr>
-        <p:spPr>
-          <a:xfrm>
-            <a:off x="1631880" y="1866600"/>
-            <a:ext cx="671760" cy="509040"/>
-          </a:xfrm>
-          <a:prstGeom prst="rect">
-            <a:avLst/>
-          </a:prstGeom>
-          <a:noFill/>
-          <a:ln>
-            <a:noFill/>
-          </a:ln>
-        </p:spPr>
-        <p:txBody>
-          <a:bodyPr lIns="90000" rIns="90000" tIns="45000" bIns="45000"/>
-          <a:p>
-            <a:pPr algn="ctr">
-              <a:lnSpc>
-                <a:spcPct val="100000"/>
-              </a:lnSpc>
+              <a:rPr lang="zh-CN" altLang="en-US" sz="3200" dirty="0" smtClean="0"/>
+              <a:t>提供编辑维护</a:t>
+            </a:r>
+            <a:r>
+              <a:rPr lang="en-US" altLang="zh-CN" sz="3200" dirty="0" smtClean="0"/>
+              <a:t>API</a:t>
+            </a:r>
+            <a:r>
+              <a:rPr lang="zh-CN" altLang="en-US" sz="3200" dirty="0" smtClean="0"/>
+              <a:t>规范文档的</a:t>
+            </a:r>
+            <a:r>
+              <a:rPr lang="en-US" altLang="zh-CN" sz="3200" dirty="0" smtClean="0"/>
+              <a:t>UI</a:t>
+            </a:r>
+            <a:r>
+              <a:rPr lang="zh-CN" altLang="en-US" sz="3200" dirty="0" smtClean="0"/>
+              <a:t>界面</a:t>
+            </a:r>
+            <a:endParaRPr lang="en-US" altLang="zh-CN" sz="3200" dirty="0" smtClean="0"/>
+          </a:p>
+          <a:p>
+            <a:pPr marL="514350" indent="-514350">
+              <a:buFont typeface="+mj-lt"/>
+              <a:buAutoNum type="arabicPeriod"/>
             </a:pPr>
             <a:r>
-              <a:rPr lang="en-US">
-                <a:latin typeface="Arial"/>
-              </a:rPr>
-              <a:t>RD</a:t>
-            </a:r>
-            <a:endParaRPr/>
-          </a:p>
-        </p:txBody>
-      </p:sp>
-      <p:sp>
-        <p:nvSpPr>
-          <p:cNvPr id="148" name="CustomShape 3"/>
-          <p:cNvSpPr/>
-          <p:nvPr/>
-        </p:nvSpPr>
-        <p:spPr>
-          <a:xfrm>
-            <a:off x="7758000" y="1763280"/>
-            <a:ext cx="473040" cy="346320"/>
-          </a:xfrm>
-          <a:prstGeom prst="rect">
-            <a:avLst/>
-          </a:prstGeom>
-          <a:noFill/>
-          <a:ln>
-            <a:noFill/>
-          </a:ln>
-        </p:spPr>
-        <p:txBody>
-          <a:bodyPr lIns="90000" rIns="90000" tIns="45000" bIns="45000"/>
-          <a:p>
-            <a:pPr algn="ctr">
-              <a:lnSpc>
-                <a:spcPct val="100000"/>
-              </a:lnSpc>
+              <a:rPr lang="en-US" altLang="zh-CN" sz="3200" dirty="0" smtClean="0"/>
+              <a:t>API</a:t>
+            </a:r>
+            <a:r>
+              <a:rPr lang="zh-CN" altLang="en-US" sz="3200" dirty="0" smtClean="0"/>
+              <a:t>规范文档会同步到对应项目的代码仓库中</a:t>
+            </a:r>
+            <a:endParaRPr lang="en-US" altLang="zh-CN" sz="3200" dirty="0" smtClean="0"/>
+          </a:p>
+          <a:p>
+            <a:pPr marL="514350" indent="-514350">
+              <a:buFont typeface="+mj-lt"/>
+              <a:buAutoNum type="arabicPeriod"/>
             </a:pPr>
             <a:r>
-              <a:rPr lang="en-US">
-                <a:latin typeface="Arial"/>
-              </a:rPr>
-              <a:t>FE</a:t>
-            </a:r>
-            <a:endParaRPr/>
-          </a:p>
-        </p:txBody>
-      </p:sp>
-      <p:sp>
-        <p:nvSpPr>
-          <p:cNvPr id="149" name="CustomShape 4"/>
-          <p:cNvSpPr/>
-          <p:nvPr/>
-        </p:nvSpPr>
-        <p:spPr>
-          <a:xfrm>
-            <a:off x="7478280" y="4252320"/>
-            <a:ext cx="1094760" cy="614520"/>
-          </a:xfrm>
-          <a:prstGeom prst="rect">
-            <a:avLst/>
-          </a:prstGeom>
-          <a:noFill/>
-          <a:ln>
-            <a:noFill/>
-          </a:ln>
-        </p:spPr>
-        <p:txBody>
-          <a:bodyPr lIns="90000" rIns="90000" tIns="45000" bIns="45000"/>
-          <a:p>
-            <a:pPr algn="ctr">
-              <a:lnSpc>
-                <a:spcPct val="100000"/>
-              </a:lnSpc>
+              <a:rPr lang="zh-CN" altLang="en-US" sz="3200" dirty="0" smtClean="0"/>
+              <a:t>操作变更通知关注人</a:t>
+            </a:r>
+            <a:endParaRPr lang="en-US" altLang="zh-CN" sz="3200" dirty="0" smtClean="0"/>
+          </a:p>
+          <a:p>
+            <a:pPr marL="514350" indent="-514350">
+              <a:buFont typeface="+mj-lt"/>
+              <a:buAutoNum type="arabicPeriod"/>
             </a:pPr>
             <a:r>
-              <a:rPr lang="en-US">
-                <a:latin typeface="Arial"/>
-              </a:rPr>
-              <a:t>FE</a:t>
-            </a:r>
-            <a:endParaRPr/>
-          </a:p>
-          <a:p>
-            <a:pPr algn="ctr">
-              <a:lnSpc>
-                <a:spcPct val="100000"/>
-              </a:lnSpc>
-            </a:pPr>
-            <a:r>
-              <a:rPr lang="en-US">
-                <a:latin typeface="Arial"/>
-              </a:rPr>
-              <a:t>本地环境</a:t>
-            </a:r>
-            <a:endParaRPr/>
-          </a:p>
-        </p:txBody>
-      </p:sp>
-      <p:sp>
-        <p:nvSpPr>
-          <p:cNvPr id="150" name="Line 5"/>
-          <p:cNvSpPr/>
-          <p:nvPr/>
-        </p:nvSpPr>
-        <p:spPr>
-          <a:xfrm flipV="1">
-            <a:off x="2304000" y="1656000"/>
-            <a:ext cx="2304000" cy="504000"/>
-          </a:xfrm>
-          <a:prstGeom prst="line">
-            <a:avLst/>
-          </a:prstGeom>
-          <a:ln>
-            <a:solidFill>
-              <a:srgbClr val="000000"/>
-            </a:solidFill>
-            <a:tailEnd len="med" type="triangle" w="med"/>
-          </a:ln>
-        </p:spPr>
-      </p:sp>
-      <p:sp>
-        <p:nvSpPr>
-          <p:cNvPr id="151" name="Line 6"/>
-          <p:cNvSpPr/>
-          <p:nvPr/>
-        </p:nvSpPr>
-        <p:spPr>
-          <a:xfrm>
-            <a:off x="5472000" y="1656000"/>
-            <a:ext cx="2163240" cy="576000"/>
-          </a:xfrm>
-          <a:prstGeom prst="line">
-            <a:avLst/>
-          </a:prstGeom>
-          <a:ln>
-            <a:solidFill>
-              <a:srgbClr val="000000"/>
-            </a:solidFill>
-            <a:tailEnd len="med" type="triangle" w="med"/>
-          </a:ln>
-        </p:spPr>
-      </p:sp>
-      <p:sp>
-        <p:nvSpPr>
-          <p:cNvPr id="152" name="Line 7"/>
-          <p:cNvSpPr/>
-          <p:nvPr/>
-        </p:nvSpPr>
-        <p:spPr>
-          <a:xfrm>
-            <a:off x="7992000" y="2952000"/>
-            <a:ext cx="0" cy="1152000"/>
-          </a:xfrm>
-          <a:prstGeom prst="line">
-            <a:avLst/>
-          </a:prstGeom>
-          <a:ln>
-            <a:solidFill>
-              <a:srgbClr val="000000"/>
-            </a:solidFill>
-            <a:tailEnd len="med" type="triangle" w="med"/>
-          </a:ln>
-        </p:spPr>
-      </p:sp>
-      <p:sp>
-        <p:nvSpPr>
-          <p:cNvPr id="153" name="Line 8"/>
-          <p:cNvSpPr/>
-          <p:nvPr/>
-        </p:nvSpPr>
-        <p:spPr>
-          <a:xfrm flipH="1" flipV="1">
-            <a:off x="5472000" y="1944000"/>
-            <a:ext cx="2091240" cy="576000"/>
-          </a:xfrm>
-          <a:prstGeom prst="line">
-            <a:avLst/>
-          </a:prstGeom>
-          <a:ln cap="rnd">
-            <a:solidFill>
-              <a:srgbClr val="000000"/>
-            </a:solidFill>
-            <a:custDash>
-              <a:ds d="6895000000" sp="6895000000"/>
-            </a:custDash>
-            <a:tailEnd len="med" type="triangle" w="med"/>
-          </a:ln>
-        </p:spPr>
-      </p:sp>
-      <p:sp>
-        <p:nvSpPr>
-          <p:cNvPr id="154" name="Line 9"/>
-          <p:cNvSpPr/>
-          <p:nvPr/>
-        </p:nvSpPr>
-        <p:spPr>
-          <a:xfrm flipH="1">
-            <a:off x="2376000" y="1872000"/>
-            <a:ext cx="2232000" cy="504000"/>
-          </a:xfrm>
-          <a:prstGeom prst="line">
-            <a:avLst/>
-          </a:prstGeom>
-          <a:ln cap="rnd">
-            <a:solidFill>
-              <a:srgbClr val="000000"/>
-            </a:solidFill>
-            <a:custDash>
-              <a:ds d="6895000000" sp="6895000000"/>
-            </a:custDash>
-            <a:tailEnd len="med" type="triangle" w="med"/>
-          </a:ln>
-        </p:spPr>
-      </p:sp>
-      <p:pic>
-        <p:nvPicPr>
-          <p:cNvPr id="155" name="" descr=""/>
-          <p:cNvPicPr/>
-          <p:nvPr/>
-        </p:nvPicPr>
-        <p:blipFill>
-          <a:blip r:embed="rId3"/>
-          <a:stretch>
-            <a:fillRect/>
-          </a:stretch>
-        </p:blipFill>
-        <p:spPr>
-          <a:xfrm>
-            <a:off x="7212240" y="4874760"/>
-            <a:ext cx="1571400" cy="956880"/>
-          </a:xfrm>
-          <a:prstGeom prst="rect">
-            <a:avLst/>
-          </a:prstGeom>
-          <a:ln>
-            <a:noFill/>
-          </a:ln>
-        </p:spPr>
-      </p:pic>
-      <p:pic>
-        <p:nvPicPr>
-          <p:cNvPr id="156" name="" descr=""/>
-          <p:cNvPicPr/>
-          <p:nvPr/>
-        </p:nvPicPr>
-        <p:blipFill>
-          <a:blip r:embed="rId4"/>
-          <a:stretch>
-            <a:fillRect/>
-          </a:stretch>
-        </p:blipFill>
-        <p:spPr>
-          <a:xfrm>
-            <a:off x="1224000" y="4874760"/>
-            <a:ext cx="1571400" cy="956880"/>
-          </a:xfrm>
-          <a:prstGeom prst="rect">
-            <a:avLst/>
-          </a:prstGeom>
-          <a:ln>
-            <a:noFill/>
-          </a:ln>
-        </p:spPr>
-      </p:pic>
-      <p:sp>
-        <p:nvSpPr>
-          <p:cNvPr id="157" name="CustomShape 10"/>
-          <p:cNvSpPr/>
-          <p:nvPr/>
-        </p:nvSpPr>
-        <p:spPr>
-          <a:xfrm>
-            <a:off x="1373040" y="4221000"/>
-            <a:ext cx="1094760" cy="614520"/>
-          </a:xfrm>
-          <a:prstGeom prst="rect">
-            <a:avLst/>
-          </a:prstGeom>
-          <a:noFill/>
-          <a:ln>
-            <a:noFill/>
-          </a:ln>
-        </p:spPr>
-        <p:txBody>
-          <a:bodyPr lIns="90000" rIns="90000" tIns="45000" bIns="45000"/>
-          <a:p>
-            <a:pPr algn="ctr">
-              <a:lnSpc>
-                <a:spcPct val="100000"/>
-              </a:lnSpc>
-            </a:pPr>
-            <a:r>
-              <a:rPr lang="en-US">
-                <a:latin typeface="Arial"/>
-              </a:rPr>
-              <a:t>RD</a:t>
-            </a:r>
-            <a:endParaRPr/>
-          </a:p>
-          <a:p>
-            <a:pPr algn="ctr">
-              <a:lnSpc>
-                <a:spcPct val="100000"/>
-              </a:lnSpc>
-            </a:pPr>
-            <a:r>
-              <a:rPr lang="en-US">
-                <a:latin typeface="Arial"/>
-              </a:rPr>
-              <a:t>本地环境</a:t>
-            </a:r>
-            <a:endParaRPr/>
-          </a:p>
-        </p:txBody>
-      </p:sp>
-      <p:sp>
-        <p:nvSpPr>
-          <p:cNvPr id="158" name="Line 11"/>
-          <p:cNvSpPr/>
-          <p:nvPr/>
-        </p:nvSpPr>
-        <p:spPr>
-          <a:xfrm>
-            <a:off x="1944000" y="2880000"/>
-            <a:ext cx="0" cy="1341000"/>
-          </a:xfrm>
-          <a:prstGeom prst="line">
-            <a:avLst/>
-          </a:prstGeom>
-          <a:ln>
-            <a:solidFill>
-              <a:srgbClr val="000000"/>
-            </a:solidFill>
-            <a:tailEnd len="med" type="triangle" w="med"/>
-          </a:ln>
-        </p:spPr>
-      </p:sp>
-      <p:sp>
-        <p:nvSpPr>
-          <p:cNvPr id="159" name="Line 12"/>
-          <p:cNvSpPr/>
-          <p:nvPr/>
-        </p:nvSpPr>
-        <p:spPr>
-          <a:xfrm flipH="1">
-            <a:off x="5904000" y="5976000"/>
-            <a:ext cx="1656000" cy="792000"/>
-          </a:xfrm>
-          <a:prstGeom prst="line">
-            <a:avLst/>
-          </a:prstGeom>
-          <a:ln>
-            <a:solidFill>
-              <a:srgbClr val="000000"/>
-            </a:solidFill>
-            <a:tailEnd len="med" type="triangle" w="med"/>
-          </a:ln>
-        </p:spPr>
-      </p:sp>
-      <p:sp>
-        <p:nvSpPr>
-          <p:cNvPr id="160" name="Line 13"/>
-          <p:cNvSpPr/>
-          <p:nvPr/>
-        </p:nvSpPr>
-        <p:spPr>
-          <a:xfrm>
-            <a:off x="2088000" y="5832000"/>
-            <a:ext cx="1656000" cy="1008000"/>
-          </a:xfrm>
-          <a:prstGeom prst="line">
-            <a:avLst/>
-          </a:prstGeom>
-          <a:ln>
-            <a:solidFill>
-              <a:srgbClr val="000000"/>
-            </a:solidFill>
-            <a:tailEnd len="med" type="triangle" w="med"/>
-          </a:ln>
-        </p:spPr>
-      </p:sp>
-      <p:sp>
-        <p:nvSpPr>
-          <p:cNvPr id="161" name="Line 14"/>
-          <p:cNvSpPr/>
-          <p:nvPr/>
-        </p:nvSpPr>
-        <p:spPr>
-          <a:xfrm>
-            <a:off x="2448000" y="2592000"/>
-            <a:ext cx="5040000" cy="72000"/>
-          </a:xfrm>
-          <a:prstGeom prst="line">
-            <a:avLst/>
-          </a:prstGeom>
-          <a:ln cap="rnd">
-            <a:solidFill>
-              <a:srgbClr val="000000"/>
-            </a:solidFill>
-            <a:custDash>
-              <a:ds d="6895000000" sp="6895000000"/>
-            </a:custDash>
-            <a:headEnd len="med" type="triangle" w="med"/>
-            <a:tailEnd len="med" type="triangle" w="med"/>
-          </a:ln>
-        </p:spPr>
-      </p:sp>
-      <p:sp>
-        <p:nvSpPr>
-          <p:cNvPr id="162" name="CustomShape 15"/>
-          <p:cNvSpPr/>
-          <p:nvPr/>
-        </p:nvSpPr>
-        <p:spPr>
-          <a:xfrm>
-            <a:off x="3960000" y="2665080"/>
-            <a:ext cx="2009160" cy="358560"/>
-          </a:xfrm>
-          <a:prstGeom prst="rect">
-            <a:avLst/>
-          </a:prstGeom>
-          <a:noFill/>
-          <a:ln>
-            <a:noFill/>
-          </a:ln>
-        </p:spPr>
-        <p:txBody>
-          <a:bodyPr lIns="90000" rIns="90000" tIns="45000" bIns="45000"/>
-          <a:p>
-            <a:pPr algn="ctr">
-              <a:lnSpc>
-                <a:spcPct val="100000"/>
-              </a:lnSpc>
-            </a:pPr>
-            <a:r>
-              <a:rPr lang="en-US">
-                <a:latin typeface="Arial"/>
-              </a:rPr>
-              <a:t>直接口头沟通确定</a:t>
-            </a:r>
-            <a:endParaRPr/>
+              <a:rPr lang="zh-CN" altLang="en-US" sz="3200" dirty="0" smtClean="0"/>
+              <a:t>记录操作日志</a:t>
+            </a:r>
+            <a:endParaRPr lang="zh-CN" altLang="en-US" sz="3200" dirty="0"/>
           </a:p>
         </p:txBody>
       </p:sp>
     </p:spTree>
+    <p:extLst>
+      <p:ext uri="{BB962C8B-B14F-4D97-AF65-F5344CB8AC3E}">
+        <p14:creationId xmlns:p14="http://schemas.microsoft.com/office/powerpoint/2010/main" val="2153157231"/>
+      </p:ext>
+    </p:extLst>
   </p:cSld>
+  <p:clrMapOvr>
+    <a:masterClrMapping/>
+  </p:clrMapOvr>
   <p:timing>
     <p:tnLst>
       <p:par>
-        <p:cTn id="1" dur="indefinite" restart="never" nodeType="tmRoot">
-          <p:childTnLst>
-            <p:seq>
-              <p:cTn id="2" nodeType="mainSeq"/>
-              <p:prevCondLst>
-                <p:cond delay="0" evt="onPrev">
-                  <p:tgtEl>
-                    <p:sldTgt/>
-                  </p:tgtEl>
-                </p:cond>
-              </p:prevCondLst>
-              <p:nextCondLst>
-                <p:cond delay="0" evt="onNext">
-                  <p:tgtEl>
-                    <p:sldTgt/>
-                  </p:tgtEl>
-                </p:cond>
-              </p:nextCondLst>
-            </p:seq>
-          </p:childTnLst>
-        </p:cTn>
+        <p:cTn id="1" dur="indefinite" restart="never" nodeType="tmRoot"/>
       </p:par>
     </p:tnLst>
   </p:timing>
 </p:sld>
 </file>
 
-<file path=ppt/slides/slide2.xml><?xml version="1.0" encoding="utf-8"?>
-<p:sld xmlns:a="http://schemas.openxmlformats.org/drawingml/2006/main" xmlns:p="http://schemas.openxmlformats.org/presentationml/2006/main" xmlns:r="http://schemas.openxmlformats.org/officeDocument/2006/relationships">
+<file path=ppt/slides/slide6.xml><?xml version="1.0" encoding="utf-8"?>
+<p:sld xmlns:a="http://schemas.openxmlformats.org/drawingml/2006/main" xmlns:r="http://schemas.openxmlformats.org/officeDocument/2006/relationships" xmlns:p="http://schemas.openxmlformats.org/presentationml/2006/main">
   <p:cSld>
     <p:spTree>
       <p:nvGrpSpPr>
@@ -6050,1007 +7432,57 @@
       </p:grpSpPr>
       <p:sp>
         <p:nvSpPr>
-          <p:cNvPr id="163" name="CustomShape 1"/>
-          <p:cNvSpPr/>
-          <p:nvPr/>
-        </p:nvSpPr>
-        <p:spPr>
-          <a:xfrm>
-            <a:off x="504000" y="301320"/>
-            <a:ext cx="9071280" cy="1261800"/>
-          </a:xfrm>
-          <a:prstGeom prst="rect">
-            <a:avLst/>
-          </a:prstGeom>
-          <a:noFill/>
-          <a:ln>
-            <a:noFill/>
-          </a:ln>
-        </p:spPr>
-        <p:txBody>
-          <a:bodyPr lIns="0" rIns="0" tIns="0" bIns="0" anchor="ctr"/>
-          <a:p>
-            <a:pPr algn="ctr">
-              <a:lnSpc>
-                <a:spcPct val="100000"/>
-              </a:lnSpc>
-            </a:pPr>
-            <a:r>
-              <a:rPr lang="en-US" sz="4400">
-                <a:latin typeface="Arial"/>
-              </a:rPr>
-              <a:t>问题</a:t>
-            </a:r>
-            <a:endParaRPr/>
-          </a:p>
-        </p:txBody>
-      </p:sp>
-      <p:sp>
-        <p:nvSpPr>
-          <p:cNvPr id="164" name="CustomShape 2"/>
-          <p:cNvSpPr/>
-          <p:nvPr/>
-        </p:nvSpPr>
-        <p:spPr>
-          <a:xfrm>
-            <a:off x="504000" y="1769040"/>
-            <a:ext cx="9071280" cy="4384080"/>
-          </a:xfrm>
-          <a:prstGeom prst="rect">
-            <a:avLst/>
-          </a:prstGeom>
-          <a:noFill/>
-          <a:ln>
-            <a:noFill/>
-          </a:ln>
-        </p:spPr>
-        <p:txBody>
-          <a:bodyPr lIns="0" rIns="0" tIns="0" bIns="0" anchor="ctr"/>
-          <a:p>
-            <a:pPr>
-              <a:lnSpc>
-                <a:spcPct val="100000"/>
-              </a:lnSpc>
-              <a:buFont typeface="StarSymbol"/>
-              <a:buAutoNum type="arabicPeriod"/>
-            </a:pPr>
-            <a:r>
-              <a:rPr lang="en-US" sz="2400">
-                <a:latin typeface="Arial"/>
-              </a:rPr>
-              <a:t>需要维护</a:t>
-            </a:r>
-            <a:r>
-              <a:rPr lang="en-US" sz="2400">
-                <a:latin typeface="Arial"/>
-              </a:rPr>
-              <a:t>wiki</a:t>
-            </a:r>
-            <a:r>
-              <a:rPr lang="en-US" sz="2400">
-                <a:latin typeface="Arial"/>
-              </a:rPr>
-              <a:t>定义规则 与 实际数据的一致性</a:t>
-            </a:r>
-            <a:endParaRPr/>
-          </a:p>
-          <a:p>
-            <a:pPr>
-              <a:lnSpc>
-                <a:spcPct val="100000"/>
-              </a:lnSpc>
-              <a:buFont typeface="StarSymbol"/>
-              <a:buAutoNum type="arabicPeriod"/>
-            </a:pPr>
-            <a:r>
-              <a:rPr lang="en-US" sz="2400">
-                <a:latin typeface="Arial"/>
-              </a:rPr>
-              <a:t>FE</a:t>
-            </a:r>
-            <a:r>
-              <a:rPr lang="en-US" sz="2400">
-                <a:latin typeface="Arial"/>
-              </a:rPr>
-              <a:t>提供页面模板，然后</a:t>
-            </a:r>
-            <a:r>
-              <a:rPr lang="en-US" sz="2400">
-                <a:latin typeface="Arial"/>
-              </a:rPr>
-              <a:t>RD</a:t>
-            </a:r>
-            <a:r>
-              <a:rPr lang="en-US" sz="2400">
-                <a:latin typeface="Arial"/>
-              </a:rPr>
-              <a:t>套页面，</a:t>
-            </a:r>
-            <a:r>
-              <a:rPr lang="en-US" sz="2400">
-                <a:latin typeface="Arial"/>
-              </a:rPr>
-              <a:t>FE</a:t>
-            </a:r>
-            <a:r>
-              <a:rPr lang="en-US" sz="2400">
-                <a:latin typeface="Arial"/>
-              </a:rPr>
-              <a:t>需要变更修改模板时需要</a:t>
-            </a:r>
-            <a:r>
-              <a:rPr lang="en-US" sz="2400">
-                <a:latin typeface="Arial"/>
-              </a:rPr>
-              <a:t>RD</a:t>
-            </a:r>
-            <a:r>
-              <a:rPr lang="en-US" sz="2400">
-                <a:latin typeface="Arial"/>
-              </a:rPr>
-              <a:t>配合再次调整页面模板</a:t>
-            </a:r>
-            <a:endParaRPr/>
-          </a:p>
-          <a:p>
-            <a:pPr>
-              <a:lnSpc>
-                <a:spcPct val="100000"/>
-              </a:lnSpc>
-              <a:buFont typeface="StarSymbol"/>
-              <a:buAutoNum type="arabicPeriod"/>
-            </a:pPr>
-            <a:r>
-              <a:rPr lang="en-US" sz="2400">
-                <a:latin typeface="Arial"/>
-              </a:rPr>
-              <a:t>FE</a:t>
-            </a:r>
-            <a:r>
-              <a:rPr lang="en-US" sz="2400">
-                <a:latin typeface="Arial"/>
-              </a:rPr>
-              <a:t>需要根据</a:t>
-            </a:r>
-            <a:r>
-              <a:rPr lang="en-US" sz="2400">
-                <a:latin typeface="Arial"/>
-              </a:rPr>
-              <a:t>wiki</a:t>
-            </a:r>
-            <a:r>
-              <a:rPr lang="en-US" sz="2400">
-                <a:latin typeface="Arial"/>
-              </a:rPr>
-              <a:t>定义的规则在项目下手动创建用于本地开发的</a:t>
-            </a:r>
-            <a:r>
-              <a:rPr lang="en-US" sz="2400">
-                <a:latin typeface="Arial"/>
-              </a:rPr>
-              <a:t>mock</a:t>
-            </a:r>
-            <a:r>
-              <a:rPr lang="en-US" sz="2400">
-                <a:latin typeface="Arial"/>
-              </a:rPr>
-              <a:t>数据</a:t>
-            </a:r>
-            <a:r>
-              <a:rPr lang="en-US" sz="2400">
-                <a:latin typeface="Arial"/>
-              </a:rPr>
-              <a:t>,</a:t>
-            </a:r>
-            <a:r>
-              <a:rPr lang="en-US" sz="2400">
-                <a:latin typeface="Arial"/>
-              </a:rPr>
-              <a:t>而且也需要保持数据一直性</a:t>
-            </a:r>
-            <a:endParaRPr/>
+          <p:cNvPr id="2" name="标题 1"/>
+          <p:cNvSpPr>
+            <a:spLocks noGrp="1"/>
+          </p:cNvSpPr>
+          <p:nvPr>
+            <p:ph type="title"/>
+          </p:nvPr>
+        </p:nvSpPr>
+        <p:spPr/>
+        <p:txBody>
+          <a:bodyPr/>
+          <a:lstStyle/>
+          <a:p>
+            <a:pPr algn="ctr"/>
+            <a:r>
+              <a:rPr lang="en-US" altLang="zh-CN" dirty="0" smtClean="0"/>
+              <a:t>QA</a:t>
+            </a:r>
+            <a:endParaRPr lang="zh-CN" altLang="en-US" dirty="0"/>
+          </a:p>
+        </p:txBody>
+      </p:sp>
+      <p:sp>
+        <p:nvSpPr>
+          <p:cNvPr id="3" name="文本占位符 2"/>
+          <p:cNvSpPr>
+            <a:spLocks noGrp="1"/>
+          </p:cNvSpPr>
+          <p:nvPr>
+            <p:ph type="body"/>
+          </p:nvPr>
+        </p:nvSpPr>
+        <p:spPr/>
+        <p:txBody>
+          <a:bodyPr/>
+          <a:lstStyle/>
+          <a:p>
+            <a:endParaRPr lang="zh-CN" altLang="en-US" dirty="0"/>
           </a:p>
         </p:txBody>
       </p:sp>
     </p:spTree>
+    <p:extLst>
+      <p:ext uri="{BB962C8B-B14F-4D97-AF65-F5344CB8AC3E}">
+        <p14:creationId xmlns:p14="http://schemas.microsoft.com/office/powerpoint/2010/main" val="2755003786"/>
+      </p:ext>
+    </p:extLst>
   </p:cSld>
-  <p:timing>
-    <p:tnLst>
-      <p:par>
-        <p:cTn id="3" dur="indefinite" restart="never" nodeType="tmRoot">
-          <p:childTnLst>
-            <p:seq>
-              <p:cTn id="4" nodeType="mainSeq"/>
-              <p:prevCondLst>
-                <p:cond delay="0" evt="onPrev">
-                  <p:tgtEl>
-                    <p:sldTgt/>
-                  </p:tgtEl>
-                </p:cond>
-              </p:prevCondLst>
-              <p:nextCondLst>
-                <p:cond delay="0" evt="onNext">
-                  <p:tgtEl>
-                    <p:sldTgt/>
-                  </p:tgtEl>
-                </p:cond>
-              </p:nextCondLst>
-            </p:seq>
-          </p:childTnLst>
-        </p:cTn>
-      </p:par>
-    </p:tnLst>
-  </p:timing>
-</p:sld>
-</file>
-
-<file path=ppt/slides/slide3.xml><?xml version="1.0" encoding="utf-8"?>
-<p:sld xmlns:a="http://schemas.openxmlformats.org/drawingml/2006/main" xmlns:p="http://schemas.openxmlformats.org/presentationml/2006/main" xmlns:r="http://schemas.openxmlformats.org/officeDocument/2006/relationships">
-  <p:cSld>
-    <p:spTree>
-      <p:nvGrpSpPr>
-        <p:cNvPr id="1" name=""/>
-        <p:cNvGrpSpPr/>
-        <p:nvPr/>
-      </p:nvGrpSpPr>
-      <p:grpSpPr>
-        <a:xfrm>
-          <a:off x="0" y="0"/>
-          <a:ext cx="0" cy="0"/>
-          <a:chOff x="0" y="0"/>
-          <a:chExt cx="0" cy="0"/>
-        </a:xfrm>
-      </p:grpSpPr>
-      <p:sp>
-        <p:nvSpPr>
-          <p:cNvPr id="165" name="CustomShape 1"/>
-          <p:cNvSpPr/>
-          <p:nvPr/>
-        </p:nvSpPr>
-        <p:spPr>
-          <a:xfrm>
-            <a:off x="504000" y="301320"/>
-            <a:ext cx="9071280" cy="1261800"/>
-          </a:xfrm>
-          <a:prstGeom prst="rect">
-            <a:avLst/>
-          </a:prstGeom>
-          <a:noFill/>
-          <a:ln>
-            <a:noFill/>
-          </a:ln>
-        </p:spPr>
-        <p:txBody>
-          <a:bodyPr lIns="0" rIns="0" tIns="0" bIns="0" anchor="ctr"/>
-          <a:p>
-            <a:pPr algn="ctr">
-              <a:lnSpc>
-                <a:spcPct val="100000"/>
-              </a:lnSpc>
-            </a:pPr>
-            <a:r>
-              <a:rPr lang="en-US" sz="4400">
-                <a:latin typeface="Arial"/>
-              </a:rPr>
-              <a:t>如何解决</a:t>
-            </a:r>
-            <a:endParaRPr/>
-          </a:p>
-        </p:txBody>
-      </p:sp>
-      <p:pic>
-        <p:nvPicPr>
-          <p:cNvPr id="166" name="" descr=""/>
-          <p:cNvPicPr/>
-          <p:nvPr/>
-        </p:nvPicPr>
-        <p:blipFill>
-          <a:blip r:embed="rId1"/>
-          <a:stretch>
-            <a:fillRect/>
-          </a:stretch>
-        </p:blipFill>
-        <p:spPr>
-          <a:xfrm rot="66600">
-            <a:off x="1733040" y="2173680"/>
-            <a:ext cx="520560" cy="565560"/>
-          </a:xfrm>
-          <a:prstGeom prst="rect">
-            <a:avLst/>
-          </a:prstGeom>
-          <a:ln>
-            <a:noFill/>
-          </a:ln>
-        </p:spPr>
-      </p:pic>
-      <p:pic>
-        <p:nvPicPr>
-          <p:cNvPr id="167" name="" descr=""/>
-          <p:cNvPicPr/>
-          <p:nvPr/>
-        </p:nvPicPr>
-        <p:blipFill>
-          <a:blip r:embed="rId2"/>
-          <a:stretch>
-            <a:fillRect/>
-          </a:stretch>
-        </p:blipFill>
-        <p:spPr>
-          <a:xfrm rot="21597000">
-            <a:off x="7757640" y="2119320"/>
-            <a:ext cx="426600" cy="640440"/>
-          </a:xfrm>
-          <a:prstGeom prst="rect">
-            <a:avLst/>
-          </a:prstGeom>
-          <a:ln>
-            <a:noFill/>
-          </a:ln>
-        </p:spPr>
-      </p:pic>
-      <p:sp>
-        <p:nvSpPr>
-          <p:cNvPr id="168" name="CustomShape 2"/>
-          <p:cNvSpPr/>
-          <p:nvPr/>
-        </p:nvSpPr>
-        <p:spPr>
-          <a:xfrm>
-            <a:off x="1631880" y="1875960"/>
-            <a:ext cx="671760" cy="509040"/>
-          </a:xfrm>
-          <a:prstGeom prst="rect">
-            <a:avLst/>
-          </a:prstGeom>
-          <a:noFill/>
-          <a:ln>
-            <a:noFill/>
-          </a:ln>
-        </p:spPr>
-        <p:txBody>
-          <a:bodyPr lIns="90000" rIns="90000" tIns="45000" bIns="45000"/>
-          <a:p>
-            <a:pPr algn="ctr">
-              <a:lnSpc>
-                <a:spcPct val="100000"/>
-              </a:lnSpc>
-            </a:pPr>
-            <a:r>
-              <a:rPr lang="en-US">
-                <a:latin typeface="Arial"/>
-              </a:rPr>
-              <a:t>RD</a:t>
-            </a:r>
-            <a:endParaRPr/>
-          </a:p>
-        </p:txBody>
-      </p:sp>
-      <p:sp>
-        <p:nvSpPr>
-          <p:cNvPr id="169" name="CustomShape 3"/>
-          <p:cNvSpPr/>
-          <p:nvPr/>
-        </p:nvSpPr>
-        <p:spPr>
-          <a:xfrm>
-            <a:off x="7758000" y="1772640"/>
-            <a:ext cx="473040" cy="346320"/>
-          </a:xfrm>
-          <a:prstGeom prst="rect">
-            <a:avLst/>
-          </a:prstGeom>
-          <a:noFill/>
-          <a:ln>
-            <a:noFill/>
-          </a:ln>
-        </p:spPr>
-        <p:txBody>
-          <a:bodyPr lIns="90000" rIns="90000" tIns="45000" bIns="45000"/>
-          <a:p>
-            <a:pPr algn="ctr">
-              <a:lnSpc>
-                <a:spcPct val="100000"/>
-              </a:lnSpc>
-            </a:pPr>
-            <a:r>
-              <a:rPr lang="en-US">
-                <a:latin typeface="Arial"/>
-              </a:rPr>
-              <a:t>FE</a:t>
-            </a:r>
-            <a:endParaRPr/>
-          </a:p>
-        </p:txBody>
-      </p:sp>
-      <p:sp>
-        <p:nvSpPr>
-          <p:cNvPr id="170" name="CustomShape 4"/>
-          <p:cNvSpPr/>
-          <p:nvPr/>
-        </p:nvSpPr>
-        <p:spPr>
-          <a:xfrm>
-            <a:off x="7478280" y="4261680"/>
-            <a:ext cx="1094760" cy="614520"/>
-          </a:xfrm>
-          <a:prstGeom prst="rect">
-            <a:avLst/>
-          </a:prstGeom>
-          <a:noFill/>
-          <a:ln>
-            <a:noFill/>
-          </a:ln>
-        </p:spPr>
-        <p:txBody>
-          <a:bodyPr lIns="90000" rIns="90000" tIns="45000" bIns="45000"/>
-          <a:p>
-            <a:pPr algn="ctr">
-              <a:lnSpc>
-                <a:spcPct val="100000"/>
-              </a:lnSpc>
-            </a:pPr>
-            <a:r>
-              <a:rPr lang="en-US">
-                <a:latin typeface="Arial"/>
-              </a:rPr>
-              <a:t>FE</a:t>
-            </a:r>
-            <a:endParaRPr/>
-          </a:p>
-          <a:p>
-            <a:pPr algn="ctr">
-              <a:lnSpc>
-                <a:spcPct val="100000"/>
-              </a:lnSpc>
-            </a:pPr>
-            <a:r>
-              <a:rPr lang="en-US">
-                <a:latin typeface="Arial"/>
-              </a:rPr>
-              <a:t>本地环境</a:t>
-            </a:r>
-            <a:endParaRPr/>
-          </a:p>
-        </p:txBody>
-      </p:sp>
-      <p:sp>
-        <p:nvSpPr>
-          <p:cNvPr id="171" name="Line 5"/>
-          <p:cNvSpPr/>
-          <p:nvPr/>
-        </p:nvSpPr>
-        <p:spPr>
-          <a:xfrm>
-            <a:off x="7992000" y="2961360"/>
-            <a:ext cx="0" cy="1152000"/>
-          </a:xfrm>
-          <a:prstGeom prst="line">
-            <a:avLst/>
-          </a:prstGeom>
-          <a:ln>
-            <a:solidFill>
-              <a:srgbClr val="000000"/>
-            </a:solidFill>
-            <a:tailEnd len="med" type="triangle" w="med"/>
-          </a:ln>
-        </p:spPr>
-      </p:sp>
-      <p:pic>
-        <p:nvPicPr>
-          <p:cNvPr id="172" name="" descr=""/>
-          <p:cNvPicPr/>
-          <p:nvPr/>
-        </p:nvPicPr>
-        <p:blipFill>
-          <a:blip r:embed="rId3"/>
-          <a:stretch>
-            <a:fillRect/>
-          </a:stretch>
-        </p:blipFill>
-        <p:spPr>
-          <a:xfrm>
-            <a:off x="7212240" y="4884120"/>
-            <a:ext cx="1571400" cy="956880"/>
-          </a:xfrm>
-          <a:prstGeom prst="rect">
-            <a:avLst/>
-          </a:prstGeom>
-          <a:ln>
-            <a:noFill/>
-          </a:ln>
-        </p:spPr>
-      </p:pic>
-      <p:pic>
-        <p:nvPicPr>
-          <p:cNvPr id="173" name="" descr=""/>
-          <p:cNvPicPr/>
-          <p:nvPr/>
-        </p:nvPicPr>
-        <p:blipFill>
-          <a:blip r:embed="rId4"/>
-          <a:stretch>
-            <a:fillRect/>
-          </a:stretch>
-        </p:blipFill>
-        <p:spPr>
-          <a:xfrm>
-            <a:off x="1224000" y="4884120"/>
-            <a:ext cx="1571400" cy="956880"/>
-          </a:xfrm>
-          <a:prstGeom prst="rect">
-            <a:avLst/>
-          </a:prstGeom>
-          <a:ln>
-            <a:noFill/>
-          </a:ln>
-        </p:spPr>
-      </p:pic>
-      <p:sp>
-        <p:nvSpPr>
-          <p:cNvPr id="174" name="CustomShape 6"/>
-          <p:cNvSpPr/>
-          <p:nvPr/>
-        </p:nvSpPr>
-        <p:spPr>
-          <a:xfrm>
-            <a:off x="1373040" y="4230360"/>
-            <a:ext cx="1094760" cy="614520"/>
-          </a:xfrm>
-          <a:prstGeom prst="rect">
-            <a:avLst/>
-          </a:prstGeom>
-          <a:noFill/>
-          <a:ln>
-            <a:noFill/>
-          </a:ln>
-        </p:spPr>
-        <p:txBody>
-          <a:bodyPr lIns="90000" rIns="90000" tIns="45000" bIns="45000"/>
-          <a:p>
-            <a:pPr algn="ctr">
-              <a:lnSpc>
-                <a:spcPct val="100000"/>
-              </a:lnSpc>
-            </a:pPr>
-            <a:r>
-              <a:rPr lang="en-US">
-                <a:latin typeface="Arial"/>
-              </a:rPr>
-              <a:t>RD</a:t>
-            </a:r>
-            <a:endParaRPr/>
-          </a:p>
-          <a:p>
-            <a:pPr algn="ctr">
-              <a:lnSpc>
-                <a:spcPct val="100000"/>
-              </a:lnSpc>
-            </a:pPr>
-            <a:r>
-              <a:rPr lang="en-US">
-                <a:latin typeface="Arial"/>
-              </a:rPr>
-              <a:t>本地环境</a:t>
-            </a:r>
-            <a:endParaRPr/>
-          </a:p>
-        </p:txBody>
-      </p:sp>
-      <p:sp>
-        <p:nvSpPr>
-          <p:cNvPr id="175" name="Line 7"/>
-          <p:cNvSpPr/>
-          <p:nvPr/>
-        </p:nvSpPr>
-        <p:spPr>
-          <a:xfrm>
-            <a:off x="1944000" y="2889360"/>
-            <a:ext cx="0" cy="1341000"/>
-          </a:xfrm>
-          <a:prstGeom prst="line">
-            <a:avLst/>
-          </a:prstGeom>
-          <a:ln>
-            <a:solidFill>
-              <a:srgbClr val="000000"/>
-            </a:solidFill>
-            <a:tailEnd len="med" type="triangle" w="med"/>
-          </a:ln>
-        </p:spPr>
-      </p:sp>
-      <p:sp>
-        <p:nvSpPr>
-          <p:cNvPr id="176" name="Line 8"/>
-          <p:cNvSpPr/>
-          <p:nvPr/>
-        </p:nvSpPr>
-        <p:spPr>
-          <a:xfrm flipH="1">
-            <a:off x="5904000" y="5985360"/>
-            <a:ext cx="1656000" cy="792000"/>
-          </a:xfrm>
-          <a:prstGeom prst="line">
-            <a:avLst/>
-          </a:prstGeom>
-          <a:ln>
-            <a:solidFill>
-              <a:srgbClr val="000000"/>
-            </a:solidFill>
-            <a:tailEnd len="med" type="triangle" w="med"/>
-          </a:ln>
-        </p:spPr>
-      </p:sp>
-      <p:sp>
-        <p:nvSpPr>
-          <p:cNvPr id="177" name="Line 9"/>
-          <p:cNvSpPr/>
-          <p:nvPr/>
-        </p:nvSpPr>
-        <p:spPr>
-          <a:xfrm>
-            <a:off x="2088000" y="5841360"/>
-            <a:ext cx="1656000" cy="1008000"/>
-          </a:xfrm>
-          <a:prstGeom prst="line">
-            <a:avLst/>
-          </a:prstGeom>
-          <a:ln>
-            <a:solidFill>
-              <a:srgbClr val="000000"/>
-            </a:solidFill>
-            <a:tailEnd len="med" type="triangle" w="med"/>
-          </a:ln>
-        </p:spPr>
-      </p:sp>
-      <p:pic>
-        <p:nvPicPr>
-          <p:cNvPr id="178" name="" descr=""/>
-          <p:cNvPicPr/>
-          <p:nvPr/>
-        </p:nvPicPr>
-        <p:blipFill>
-          <a:blip r:embed="rId5"/>
-          <a:stretch>
-            <a:fillRect/>
-          </a:stretch>
-        </p:blipFill>
-        <p:spPr>
-          <a:xfrm>
-            <a:off x="4752000" y="1851480"/>
-            <a:ext cx="575640" cy="524160"/>
-          </a:xfrm>
-          <a:prstGeom prst="rect">
-            <a:avLst/>
-          </a:prstGeom>
-          <a:ln>
-            <a:noFill/>
-          </a:ln>
-        </p:spPr>
-      </p:pic>
-      <p:sp>
-        <p:nvSpPr>
-          <p:cNvPr id="179" name="Line 10"/>
-          <p:cNvSpPr/>
-          <p:nvPr/>
-        </p:nvSpPr>
-        <p:spPr>
-          <a:xfrm flipV="1">
-            <a:off x="2448000" y="2232000"/>
-            <a:ext cx="2088000" cy="216000"/>
-          </a:xfrm>
-          <a:prstGeom prst="line">
-            <a:avLst/>
-          </a:prstGeom>
-          <a:ln>
-            <a:solidFill>
-              <a:srgbClr val="000000"/>
-            </a:solidFill>
-            <a:tailEnd len="med" type="triangle" w="med"/>
-          </a:ln>
-        </p:spPr>
-      </p:sp>
-      <p:sp>
-        <p:nvSpPr>
-          <p:cNvPr id="180" name="CustomShape 11"/>
-          <p:cNvSpPr/>
-          <p:nvPr/>
-        </p:nvSpPr>
-        <p:spPr>
-          <a:xfrm>
-            <a:off x="4464000" y="1525320"/>
-            <a:ext cx="1114560" cy="346320"/>
-          </a:xfrm>
-          <a:prstGeom prst="rect">
-            <a:avLst/>
-          </a:prstGeom>
-          <a:noFill/>
-          <a:ln>
-            <a:noFill/>
-          </a:ln>
-        </p:spPr>
-        <p:txBody>
-          <a:bodyPr lIns="90000" rIns="90000" tIns="45000" bIns="45000"/>
-          <a:p>
-            <a:pPr algn="ctr">
-              <a:lnSpc>
-                <a:spcPct val="100000"/>
-              </a:lnSpc>
-            </a:pPr>
-            <a:r>
-              <a:rPr lang="en-US">
-                <a:latin typeface="Arial"/>
-              </a:rPr>
-              <a:t>SERVER</a:t>
-            </a:r>
-            <a:endParaRPr/>
-          </a:p>
-        </p:txBody>
-      </p:sp>
-      <p:sp>
-        <p:nvSpPr>
-          <p:cNvPr id="181" name="Line 12"/>
-          <p:cNvSpPr/>
-          <p:nvPr/>
-        </p:nvSpPr>
-        <p:spPr>
-          <a:xfrm flipH="1" flipV="1">
-            <a:off x="5472000" y="2232000"/>
-            <a:ext cx="2088000" cy="216000"/>
-          </a:xfrm>
-          <a:prstGeom prst="line">
-            <a:avLst/>
-          </a:prstGeom>
-          <a:ln>
-            <a:solidFill>
-              <a:srgbClr val="000000"/>
-            </a:solidFill>
-            <a:tailEnd len="med" type="triangle" w="med"/>
-          </a:ln>
-        </p:spPr>
-      </p:sp>
-      <p:sp>
-        <p:nvSpPr>
-          <p:cNvPr id="182" name="Line 13"/>
-          <p:cNvSpPr/>
-          <p:nvPr/>
-        </p:nvSpPr>
-        <p:spPr>
-          <a:xfrm>
-            <a:off x="5040000" y="2520000"/>
-            <a:ext cx="0" cy="1152000"/>
-          </a:xfrm>
-          <a:prstGeom prst="line">
-            <a:avLst/>
-          </a:prstGeom>
-          <a:ln>
-            <a:solidFill>
-              <a:srgbClr val="000000"/>
-            </a:solidFill>
-            <a:tailEnd len="med" type="triangle" w="med"/>
-          </a:ln>
-        </p:spPr>
-      </p:sp>
-      <p:sp>
-        <p:nvSpPr>
-          <p:cNvPr id="183" name="Line 14"/>
-          <p:cNvSpPr/>
-          <p:nvPr/>
-        </p:nvSpPr>
-        <p:spPr>
-          <a:xfrm>
-            <a:off x="6480000" y="4752000"/>
-            <a:ext cx="792000" cy="360000"/>
-          </a:xfrm>
-          <a:prstGeom prst="line">
-            <a:avLst/>
-          </a:prstGeom>
-          <a:ln>
-            <a:solidFill>
-              <a:srgbClr val="000000"/>
-            </a:solidFill>
-            <a:tailEnd len="med" type="triangle" w="med"/>
-          </a:ln>
-        </p:spPr>
-      </p:sp>
-      <p:sp>
-        <p:nvSpPr>
-          <p:cNvPr id="184" name="Line 15"/>
-          <p:cNvSpPr/>
-          <p:nvPr/>
-        </p:nvSpPr>
-        <p:spPr>
-          <a:xfrm flipH="1">
-            <a:off x="4503600" y="5616000"/>
-            <a:ext cx="2708640" cy="801360"/>
-          </a:xfrm>
-          <a:prstGeom prst="line">
-            <a:avLst/>
-          </a:prstGeom>
-          <a:ln>
-            <a:solidFill>
-              <a:srgbClr val="000000"/>
-            </a:solidFill>
-            <a:tailEnd len="med" type="triangle" w="med"/>
-          </a:ln>
-        </p:spPr>
-        <p:txBody>
-          <a:bodyPr lIns="90000" rIns="90000" tIns="45000" bIns="45000" anchor="ctr" anchorCtr="1"/>
-          <a:p>
-            <a:pPr algn="ctr">
-              <a:lnSpc>
-                <a:spcPct val="100000"/>
-              </a:lnSpc>
-            </a:pPr>
-            <a:r>
-              <a:rPr lang="en-US">
-                <a:latin typeface="Arial"/>
-              </a:rPr>
-              <a:t>模板</a:t>
-            </a:r>
-            <a:endParaRPr/>
-          </a:p>
-        </p:txBody>
-      </p:sp>
-    </p:spTree>
-  </p:cSld>
-  <p:timing>
-    <p:tnLst>
-      <p:par>
-        <p:cTn id="5" dur="indefinite" restart="never" nodeType="tmRoot">
-          <p:childTnLst>
-            <p:seq>
-              <p:cTn id="6" nodeType="mainSeq"/>
-              <p:prevCondLst>
-                <p:cond delay="0" evt="onPrev">
-                  <p:tgtEl>
-                    <p:sldTgt/>
-                  </p:tgtEl>
-                </p:cond>
-              </p:prevCondLst>
-              <p:nextCondLst>
-                <p:cond delay="0" evt="onNext">
-                  <p:tgtEl>
-                    <p:sldTgt/>
-                  </p:tgtEl>
-                </p:cond>
-              </p:nextCondLst>
-            </p:seq>
-          </p:childTnLst>
-        </p:cTn>
-      </p:par>
-    </p:tnLst>
-  </p:timing>
-</p:sld>
-</file>
-
-<file path=ppt/slides/slide4.xml><?xml version="1.0" encoding="utf-8"?>
-<p:sld xmlns:a="http://schemas.openxmlformats.org/drawingml/2006/main" xmlns:p="http://schemas.openxmlformats.org/presentationml/2006/main" xmlns:r="http://schemas.openxmlformats.org/officeDocument/2006/relationships">
-  <p:cSld>
-    <p:spTree>
-      <p:nvGrpSpPr>
-        <p:cNvPr id="1" name=""/>
-        <p:cNvGrpSpPr/>
-        <p:nvPr/>
-      </p:nvGrpSpPr>
-      <p:grpSpPr>
-        <a:xfrm>
-          <a:off x="0" y="0"/>
-          <a:ext cx="0" cy="0"/>
-          <a:chOff x="0" y="0"/>
-          <a:chExt cx="0" cy="0"/>
-        </a:xfrm>
-      </p:grpSpPr>
-      <p:sp>
-        <p:nvSpPr>
-          <p:cNvPr id="185" name="CustomShape 1"/>
-          <p:cNvSpPr/>
-          <p:nvPr/>
-        </p:nvSpPr>
-        <p:spPr>
-          <a:xfrm>
-            <a:off x="504000" y="301320"/>
-            <a:ext cx="9071280" cy="5851440"/>
-          </a:xfrm>
-          <a:prstGeom prst="rect">
-            <a:avLst/>
-          </a:prstGeom>
-          <a:noFill/>
-          <a:ln>
-            <a:noFill/>
-          </a:ln>
-        </p:spPr>
-        <p:txBody>
-          <a:bodyPr lIns="0" rIns="0" tIns="0" bIns="0" anchor="ctr"/>
-          <a:p>
-            <a:pPr>
-              <a:lnSpc>
-                <a:spcPct val="100000"/>
-              </a:lnSpc>
-              <a:buSzPct val="45000"/>
-              <a:buFont typeface="StarSymbol"/>
-              <a:buChar char="l"/>
-            </a:pPr>
-            <a:r>
-              <a:rPr lang="en-US" sz="3200">
-                <a:latin typeface="Arial"/>
-              </a:rPr>
-              <a:t>目前开发模式</a:t>
-            </a:r>
-            <a:endParaRPr/>
-          </a:p>
-          <a:p>
-            <a:pPr>
-              <a:lnSpc>
-                <a:spcPct val="100000"/>
-              </a:lnSpc>
-              <a:buSzPct val="45000"/>
-              <a:buFont typeface="StarSymbol"/>
-              <a:buChar char="l"/>
-            </a:pPr>
-            <a:r>
-              <a:rPr lang="en-US" sz="3200">
-                <a:latin typeface="Arial"/>
-              </a:rPr>
-              <a:t>存在什么问题</a:t>
-            </a:r>
-            <a:endParaRPr/>
-          </a:p>
-          <a:p>
-            <a:pPr>
-              <a:lnSpc>
-                <a:spcPct val="100000"/>
-              </a:lnSpc>
-              <a:buSzPct val="45000"/>
-              <a:buFont typeface="StarSymbol"/>
-              <a:buChar char="l"/>
-            </a:pPr>
-            <a:r>
-              <a:rPr lang="en-US" sz="3200">
-                <a:latin typeface="Arial"/>
-              </a:rPr>
-              <a:t>如何解决</a:t>
-            </a:r>
-            <a:endParaRPr/>
-          </a:p>
-          <a:p>
-            <a:pPr>
-              <a:lnSpc>
-                <a:spcPct val="100000"/>
-              </a:lnSpc>
-            </a:pPr>
-            <a:endParaRPr/>
-          </a:p>
-        </p:txBody>
-      </p:sp>
-    </p:spTree>
-  </p:cSld>
-  <p:timing>
-    <p:tnLst>
-      <p:par>
-        <p:cTn id="7" dur="indefinite" restart="never" nodeType="tmRoot">
-          <p:childTnLst>
-            <p:seq>
-              <p:cTn id="8" nodeType="mainSeq"/>
-              <p:prevCondLst>
-                <p:cond delay="0" evt="onPrev">
-                  <p:tgtEl>
-                    <p:sldTgt/>
-                  </p:tgtEl>
-                </p:cond>
-              </p:prevCondLst>
-              <p:nextCondLst>
-                <p:cond delay="0" evt="onNext">
-                  <p:tgtEl>
-                    <p:sldTgt/>
-                  </p:tgtEl>
-                </p:cond>
-              </p:nextCondLst>
-            </p:seq>
-          </p:childTnLst>
-        </p:cTn>
-      </p:par>
-    </p:tnLst>
-  </p:timing>
+  <p:clrMapOvr>
+    <a:masterClrMapping/>
+  </p:clrMapOvr>
 </p:sld>
 </file>
 
@@ -7274,6 +7706,8 @@
       </a:bgFillStyleLst>
     </a:fmtScheme>
   </a:themeElements>
+  <a:objectDefaults/>
+  <a:extraClrSchemeLst/>
 </a:theme>
 </file>
 
@@ -7497,6 +7931,8 @@
       </a:bgFillStyleLst>
     </a:fmtScheme>
   </a:themeElements>
+  <a:objectDefaults/>
+  <a:extraClrSchemeLst/>
 </a:theme>
 </file>
 
@@ -7720,228 +8156,7 @@
       </a:bgFillStyleLst>
     </a:fmtScheme>
   </a:themeElements>
-</a:theme>
-</file>
-
-<file path=ppt/theme/theme4.xml><?xml version="1.0" encoding="utf-8"?>
-<a:theme xmlns:a="http://schemas.openxmlformats.org/drawingml/2006/main" name="Office Theme">
-  <a:themeElements>
-    <a:clrScheme name="Office">
-      <a:dk1>
-        <a:sysClr val="windowText" lastClr="000000"/>
-      </a:dk1>
-      <a:lt1>
-        <a:sysClr val="window" lastClr="FFFFFF"/>
-      </a:lt1>
-      <a:dk2>
-        <a:srgbClr val="1F497D"/>
-      </a:dk2>
-      <a:lt2>
-        <a:srgbClr val="EEECE1"/>
-      </a:lt2>
-      <a:accent1>
-        <a:srgbClr val="4F81BD"/>
-      </a:accent1>
-      <a:accent2>
-        <a:srgbClr val="C0504D"/>
-      </a:accent2>
-      <a:accent3>
-        <a:srgbClr val="9BBB59"/>
-      </a:accent3>
-      <a:accent4>
-        <a:srgbClr val="8064A2"/>
-      </a:accent4>
-      <a:accent5>
-        <a:srgbClr val="4BACC6"/>
-      </a:accent5>
-      <a:accent6>
-        <a:srgbClr val="F79646"/>
-      </a:accent6>
-      <a:hlink>
-        <a:srgbClr val="0000FF"/>
-      </a:hlink>
-      <a:folHlink>
-        <a:srgbClr val="800080"/>
-      </a:folHlink>
-    </a:clrScheme>
-    <a:fontScheme name="Office">
-      <a:majorFont>
-        <a:latin typeface="Arial"/>
-        <a:ea typeface="DejaVu Sans"/>
-        <a:cs typeface="DejaVu Sans"/>
-      </a:majorFont>
-      <a:minorFont>
-        <a:latin typeface="Arial"/>
-        <a:ea typeface="DejaVu Sans"/>
-        <a:cs typeface="DejaVu Sans"/>
-      </a:minorFont>
-    </a:fontScheme>
-    <a:fmtScheme name="Office">
-      <a:fillStyleLst>
-        <a:solidFill>
-          <a:schemeClr val="phClr"/>
-        </a:solidFill>
-        <a:gradFill rotWithShape="1">
-          <a:gsLst>
-            <a:gs pos="0">
-              <a:schemeClr val="phClr">
-                <a:tint val="50000"/>
-                <a:satMod val="300000"/>
-              </a:schemeClr>
-            </a:gs>
-            <a:gs pos="35000">
-              <a:schemeClr val="phClr">
-                <a:tint val="37000"/>
-                <a:satMod val="300000"/>
-              </a:schemeClr>
-            </a:gs>
-            <a:gs pos="100000">
-              <a:schemeClr val="phClr">
-                <a:tint val="15000"/>
-                <a:satMod val="350000"/>
-              </a:schemeClr>
-            </a:gs>
-          </a:gsLst>
-          <a:lin ang="16200000" scaled="1"/>
-        </a:gradFill>
-        <a:gradFill rotWithShape="1">
-          <a:gsLst>
-            <a:gs pos="0">
-              <a:schemeClr val="phClr">
-                <a:shade val="51000"/>
-                <a:satMod val="130000"/>
-              </a:schemeClr>
-            </a:gs>
-            <a:gs pos="80000">
-              <a:schemeClr val="phClr">
-                <a:shade val="93000"/>
-                <a:satMod val="130000"/>
-              </a:schemeClr>
-            </a:gs>
-            <a:gs pos="100000">
-              <a:schemeClr val="phClr">
-                <a:shade val="94000"/>
-                <a:satMod val="135000"/>
-              </a:schemeClr>
-            </a:gs>
-          </a:gsLst>
-          <a:lin ang="16200000" scaled="0"/>
-        </a:gradFill>
-      </a:fillStyleLst>
-      <a:lnStyleLst>
-        <a:ln w="9525" cap="flat" cmpd="sng" algn="ctr">
-          <a:solidFill>
-            <a:schemeClr val="phClr">
-              <a:shade val="95000"/>
-              <a:satMod val="105000"/>
-            </a:schemeClr>
-          </a:solidFill>
-          <a:prstDash val="solid"/>
-        </a:ln>
-        <a:ln w="25400" cap="flat" cmpd="sng" algn="ctr">
-          <a:solidFill>
-            <a:schemeClr val="phClr"/>
-          </a:solidFill>
-          <a:prstDash val="solid"/>
-        </a:ln>
-        <a:ln w="38100" cap="flat" cmpd="sng" algn="ctr">
-          <a:solidFill>
-            <a:schemeClr val="phClr"/>
-          </a:solidFill>
-          <a:prstDash val="solid"/>
-        </a:ln>
-      </a:lnStyleLst>
-      <a:effectStyleLst>
-        <a:effectStyle>
-          <a:effectLst>
-            <a:outerShdw blurRad="40000" dist="20000" dir="5400000" rotWithShape="0">
-              <a:srgbClr val="000000">
-                <a:alpha val="38000"/>
-              </a:srgbClr>
-            </a:outerShdw>
-          </a:effectLst>
-        </a:effectStyle>
-        <a:effectStyle>
-          <a:effectLst>
-            <a:outerShdw blurRad="40000" dist="23000" dir="5400000" rotWithShape="0">
-              <a:srgbClr val="000000">
-                <a:alpha val="35000"/>
-              </a:srgbClr>
-            </a:outerShdw>
-          </a:effectLst>
-        </a:effectStyle>
-        <a:effectStyle>
-          <a:effectLst>
-            <a:outerShdw blurRad="40000" dist="23000" dir="5400000" rotWithShape="0">
-              <a:srgbClr val="000000">
-                <a:alpha val="35000"/>
-              </a:srgbClr>
-            </a:outerShdw>
-          </a:effectLst>
-          <a:scene3d>
-            <a:camera prst="orthographicFront">
-              <a:rot lat="0" lon="0" rev="0"/>
-            </a:camera>
-            <a:lightRig rig="threePt" dir="t">
-              <a:rot lat="0" lon="0" rev="1200000"/>
-            </a:lightRig>
-          </a:scene3d>
-          <a:sp3d>
-            <a:bevelT w="63500" h="25400"/>
-          </a:sp3d>
-        </a:effectStyle>
-      </a:effectStyleLst>
-      <a:bgFillStyleLst>
-        <a:solidFill>
-          <a:schemeClr val="phClr"/>
-        </a:solidFill>
-        <a:gradFill rotWithShape="1">
-          <a:gsLst>
-            <a:gs pos="0">
-              <a:schemeClr val="phClr">
-                <a:tint val="40000"/>
-                <a:satMod val="350000"/>
-              </a:schemeClr>
-            </a:gs>
-            <a:gs pos="40000">
-              <a:schemeClr val="phClr">
-                <a:tint val="45000"/>
-                <a:shade val="99000"/>
-                <a:satMod val="350000"/>
-              </a:schemeClr>
-            </a:gs>
-            <a:gs pos="100000">
-              <a:schemeClr val="phClr">
-                <a:shade val="20000"/>
-                <a:satMod val="255000"/>
-              </a:schemeClr>
-            </a:gs>
-          </a:gsLst>
-          <a:path path="circle">
-            <a:fillToRect l="50000" t="-80000" r="50000" b="180000"/>
-          </a:path>
-        </a:gradFill>
-        <a:gradFill rotWithShape="1">
-          <a:gsLst>
-            <a:gs pos="0">
-              <a:schemeClr val="phClr">
-                <a:tint val="80000"/>
-                <a:satMod val="300000"/>
-              </a:schemeClr>
-            </a:gs>
-            <a:gs pos="100000">
-              <a:schemeClr val="phClr">
-                <a:shade val="30000"/>
-                <a:satMod val="200000"/>
-              </a:schemeClr>
-            </a:gs>
-          </a:gsLst>
-          <a:path path="circle">
-            <a:fillToRect l="50000" t="50000" r="50000" b="50000"/>
-          </a:path>
-        </a:gradFill>
-      </a:bgFillStyleLst>
-    </a:fmtScheme>
-  </a:themeElements>
+  <a:objectDefaults/>
+  <a:extraClrSchemeLst/>
 </a:theme>
 </file>